--- a/Aparna maam/Mass Encoding.pptx
+++ b/Aparna maam/Mass Encoding.pptx
@@ -2,12 +2,21 @@
 <file path=ppt/presentation.xml><?xml version="1.0" encoding="utf-8"?>
 <p:presentation xmlns:a="http://schemas.openxmlformats.org/drawingml/2006/main" xmlns:r="http://schemas.openxmlformats.org/officeDocument/2006/relationships" xmlns:p="http://schemas.openxmlformats.org/presentationml/2006/main" autoCompressPictures="0">
   <p:sldMasterIdLst>
-    <p:sldMasterId id="2147483672" r:id="rId1"/>
+    <p:sldMasterId id="2147483684" r:id="rId1"/>
   </p:sldMasterIdLst>
   <p:sldIdLst>
     <p:sldId id="256" r:id="rId2"/>
-    <p:sldId id="257" r:id="rId3"/>
-    <p:sldId id="258" r:id="rId4"/>
+    <p:sldId id="258" r:id="rId3"/>
+    <p:sldId id="259" r:id="rId4"/>
+    <p:sldId id="260" r:id="rId5"/>
+    <p:sldId id="261" r:id="rId6"/>
+    <p:sldId id="262" r:id="rId7"/>
+    <p:sldId id="263" r:id="rId8"/>
+    <p:sldId id="264" r:id="rId9"/>
+    <p:sldId id="265" r:id="rId10"/>
+    <p:sldId id="266" r:id="rId11"/>
+    <p:sldId id="267" r:id="rId12"/>
+    <p:sldId id="268" r:id="rId13"/>
   </p:sldIdLst>
   <p:sldSz cx="12192000" cy="6858000"/>
   <p:notesSz cx="6858000" cy="9144000"/>
@@ -106,12 +115,27 @@
       </a:defRPr>
     </a:lvl9pPr>
   </p:defaultTextStyle>
+  <p:extLst>
+    <p:ext uri="{EFAFB233-063F-42B5-8137-9DF3F51BA10A}">
+      <p15:sldGuideLst xmlns:p15="http://schemas.microsoft.com/office/powerpoint/2012/main"/>
+    </p:ext>
+  </p:extLst>
 </p:presentation>
 </file>
 
 <file path=ppt/slideLayouts/slideLayout1.xml><?xml version="1.0" encoding="utf-8"?>
-<p:sldLayout xmlns:a="http://schemas.openxmlformats.org/drawingml/2006/main" xmlns:r="http://schemas.openxmlformats.org/officeDocument/2006/relationships" xmlns:p="http://schemas.openxmlformats.org/presentationml/2006/main" type="title" preserve="1">
+<p:sldLayout xmlns:a="http://schemas.openxmlformats.org/drawingml/2006/main" xmlns:r="http://schemas.openxmlformats.org/officeDocument/2006/relationships" xmlns:p="http://schemas.openxmlformats.org/presentationml/2006/main" showMasterSp="0" type="title" preserve="1">
   <p:cSld name="Title Slide">
+    <p:bg>
+      <p:bgPr>
+        <a:solidFill>
+          <a:schemeClr val="bg2">
+            <a:lumMod val="75000"/>
+          </a:schemeClr>
+        </a:solidFill>
+        <a:effectLst/>
+      </p:bgPr>
+    </p:bg>
     <p:spTree>
       <p:nvGrpSpPr>
         <p:cNvPr id="1" name=""/>
@@ -138,15 +162,24 @@
         </p:nvSpPr>
         <p:spPr>
           <a:xfrm>
-            <a:off x="1524000" y="1122363"/>
-            <a:ext cx="9144000" cy="2387600"/>
-          </a:xfrm>
-        </p:spPr>
-        <p:txBody>
-          <a:bodyPr anchor="b"/>
+            <a:off x="1261872" y="758952"/>
+            <a:ext cx="9418320" cy="4041648"/>
+          </a:xfrm>
+        </p:spPr>
+        <p:txBody>
+          <a:bodyPr anchor="b">
+            <a:normAutofit/>
+          </a:bodyPr>
           <a:lstStyle>
-            <a:lvl1pPr algn="ctr">
-              <a:defRPr sz="6000"/>
+            <a:lvl1pPr algn="l">
+              <a:lnSpc>
+                <a:spcPct val="85000"/>
+              </a:lnSpc>
+              <a:defRPr sz="7200" baseline="0">
+                <a:solidFill>
+                  <a:schemeClr val="tx1"/>
+                </a:solidFill>
+              </a:defRPr>
             </a:lvl1pPr>
           </a:lstStyle>
           <a:p>
@@ -170,48 +203,56 @@
         </p:nvSpPr>
         <p:spPr>
           <a:xfrm>
-            <a:off x="1524000" y="3602038"/>
-            <a:ext cx="9144000" cy="1655762"/>
-          </a:xfrm>
-        </p:spPr>
-        <p:txBody>
-          <a:bodyPr/>
+            <a:off x="1261872" y="4800600"/>
+            <a:ext cx="9418320" cy="1691640"/>
+          </a:xfrm>
+        </p:spPr>
+        <p:txBody>
+          <a:bodyPr>
+            <a:normAutofit/>
+          </a:bodyPr>
           <a:lstStyle>
-            <a:lvl1pPr marL="0" indent="0" algn="ctr">
+            <a:lvl1pPr marL="0" indent="0" algn="l">
               <a:buNone/>
-              <a:defRPr sz="2400"/>
+              <a:defRPr sz="2200" baseline="0">
+                <a:solidFill>
+                  <a:schemeClr val="tx1">
+                    <a:lumMod val="75000"/>
+                  </a:schemeClr>
+                </a:solidFill>
+              </a:defRPr>
             </a:lvl1pPr>
             <a:lvl2pPr marL="457200" indent="0" algn="ctr">
               <a:buNone/>
-              <a:defRPr sz="2000"/>
+              <a:defRPr sz="2200"/>
             </a:lvl2pPr>
             <a:lvl3pPr marL="914400" indent="0" algn="ctr">
               <a:buNone/>
-              <a:defRPr sz="1800"/>
+              <a:defRPr sz="2200"/>
             </a:lvl3pPr>
             <a:lvl4pPr marL="1371600" indent="0" algn="ctr">
               <a:buNone/>
-              <a:defRPr sz="1600"/>
+              <a:defRPr sz="2000"/>
             </a:lvl4pPr>
             <a:lvl5pPr marL="1828800" indent="0" algn="ctr">
               <a:buNone/>
-              <a:defRPr sz="1600"/>
+              <a:defRPr sz="2000"/>
             </a:lvl5pPr>
             <a:lvl6pPr marL="2286000" indent="0" algn="ctr">
               <a:buNone/>
-              <a:defRPr sz="1600"/>
+              <a:defRPr sz="2000"/>
             </a:lvl6pPr>
             <a:lvl7pPr marL="2743200" indent="0" algn="ctr">
               <a:buNone/>
-              <a:defRPr sz="1600"/>
+              <a:defRPr sz="2000"/>
             </a:lvl7pPr>
             <a:lvl8pPr marL="3200400" indent="0" algn="ctr">
               <a:buNone/>
-              <a:defRPr sz="1600"/>
+              <a:defRPr sz="2000"/>
             </a:lvl8pPr>
             <a:lvl9pPr marL="3657600" indent="0" algn="ctr">
               <a:buNone/>
-              <a:defRPr sz="1600"/>
+              <a:defRPr sz="2000"/>
             </a:lvl9pPr>
           </a:lstStyle>
           <a:p>
@@ -236,12 +277,22 @@
         <p:spPr/>
         <p:txBody>
           <a:bodyPr/>
-          <a:lstStyle/>
+          <a:lstStyle>
+            <a:lvl1pPr>
+              <a:defRPr>
+                <a:solidFill>
+                  <a:schemeClr val="tx1">
+                    <a:lumMod val="50000"/>
+                  </a:schemeClr>
+                </a:solidFill>
+              </a:defRPr>
+            </a:lvl1pPr>
+          </a:lstStyle>
           <a:p>
             <a:fld id="{87DE6118-2437-4B30-8E3C-4D2BE6020583}" type="datetimeFigureOut">
               <a:rPr lang="en-US" smtClean="0"/>
               <a:pPr/>
-              <a:t>9/19/2022</a:t>
+              <a:t>10/22/2022</a:t>
             </a:fld>
             <a:endParaRPr lang="en-US" dirty="0"/>
           </a:p>
@@ -260,7 +311,17 @@
         <p:spPr/>
         <p:txBody>
           <a:bodyPr/>
-          <a:lstStyle/>
+          <a:lstStyle>
+            <a:lvl1pPr>
+              <a:defRPr>
+                <a:solidFill>
+                  <a:schemeClr val="tx1">
+                    <a:lumMod val="65000"/>
+                  </a:schemeClr>
+                </a:solidFill>
+              </a:defRPr>
+            </a:lvl1pPr>
+          </a:lstStyle>
           <a:p>
             <a:endParaRPr lang="en-US" dirty="0"/>
           </a:p>
@@ -279,7 +340,17 @@
         <p:spPr/>
         <p:txBody>
           <a:bodyPr/>
-          <a:lstStyle/>
+          <a:lstStyle>
+            <a:lvl1pPr>
+              <a:defRPr>
+                <a:solidFill>
+                  <a:schemeClr val="tx1">
+                    <a:lumMod val="65000"/>
+                  </a:schemeClr>
+                </a:solidFill>
+              </a:defRPr>
+            </a:lvl1pPr>
+          </a:lstStyle>
           <a:p>
             <a:fld id="{69E57DC2-970A-4B3E-BB1C-7A09969E49DF}" type="slidenum">
               <a:rPr lang="en-US" smtClean="0"/>
@@ -290,15 +361,53 @@
           </a:p>
         </p:txBody>
       </p:sp>
+      <p:sp>
+        <p:nvSpPr>
+          <p:cNvPr id="7" name="Rectangle 6"/>
+          <p:cNvSpPr/>
+          <p:nvPr/>
+        </p:nvSpPr>
+        <p:spPr>
+          <a:xfrm>
+            <a:off x="0" y="0"/>
+            <a:ext cx="457200" cy="6858000"/>
+          </a:xfrm>
+          <a:prstGeom prst="rect">
+            <a:avLst/>
+          </a:prstGeom>
+          <a:solidFill>
+            <a:schemeClr val="accent1"/>
+          </a:solidFill>
+          <a:ln>
+            <a:noFill/>
+          </a:ln>
+        </p:spPr>
+        <p:style>
+          <a:lnRef idx="2">
+            <a:schemeClr val="accent1">
+              <a:shade val="50000"/>
+            </a:schemeClr>
+          </a:lnRef>
+          <a:fillRef idx="1">
+            <a:schemeClr val="accent1"/>
+          </a:fillRef>
+          <a:effectRef idx="0">
+            <a:schemeClr val="accent1"/>
+          </a:effectRef>
+          <a:fontRef idx="minor">
+            <a:schemeClr val="lt1"/>
+          </a:fontRef>
+        </p:style>
+      </p:sp>
     </p:spTree>
     <p:extLst>
       <p:ext uri="{BB962C8B-B14F-4D97-AF65-F5344CB8AC3E}">
-        <p14:creationId xmlns:p14="http://schemas.microsoft.com/office/powerpoint/2010/main" val="3746958516"/>
+        <p14:creationId xmlns:p14="http://schemas.microsoft.com/office/powerpoint/2010/main" val="2291550383"/>
       </p:ext>
     </p:extLst>
   </p:cSld>
   <p:clrMapOvr>
-    <a:masterClrMapping/>
+    <a:overrideClrMapping bg1="dk1" tx1="lt1" bg2="dk2" tx2="lt2" accent1="accent1" accent2="accent2" accent3="accent3" accent4="accent4" accent5="accent5" accent6="accent6" hlink="hlink" folHlink="folHlink"/>
   </p:clrMapOvr>
 </p:sldLayout>
 </file>
@@ -412,7 +521,7 @@
           <a:p>
             <a:fld id="{87DE6118-2437-4B30-8E3C-4D2BE6020583}" type="datetimeFigureOut">
               <a:rPr lang="en-US" smtClean="0"/>
-              <a:t>9/19/2022</a:t>
+              <a:t>10/22/2022</a:t>
             </a:fld>
             <a:endParaRPr lang="en-US" dirty="0"/>
           </a:p>
@@ -463,7 +572,7 @@
     </p:spTree>
     <p:extLst>
       <p:ext uri="{BB962C8B-B14F-4D97-AF65-F5344CB8AC3E}">
-        <p14:creationId xmlns:p14="http://schemas.microsoft.com/office/powerpoint/2010/main" val="29610382"/>
+        <p14:creationId xmlns:p14="http://schemas.microsoft.com/office/powerpoint/2010/main" val="2277647477"/>
       </p:ext>
     </p:extLst>
   </p:cSld>
@@ -502,8 +611,8 @@
         </p:nvSpPr>
         <p:spPr>
           <a:xfrm>
-            <a:off x="8724900" y="365125"/>
-            <a:ext cx="2628900" cy="5811838"/>
+            <a:off x="8648700" y="381000"/>
+            <a:ext cx="2476500" cy="5897562"/>
           </a:xfrm>
         </p:spPr>
         <p:txBody>
@@ -530,8 +639,8 @@
         </p:nvSpPr>
         <p:spPr>
           <a:xfrm>
-            <a:off x="838200" y="365125"/>
-            <a:ext cx="7734300" cy="5811838"/>
+            <a:off x="762000" y="381000"/>
+            <a:ext cx="7734300" cy="5897562"/>
           </a:xfrm>
         </p:spPr>
         <p:txBody>
@@ -592,7 +701,7 @@
           <a:p>
             <a:fld id="{87DE6118-2437-4B30-8E3C-4D2BE6020583}" type="datetimeFigureOut">
               <a:rPr lang="en-US" smtClean="0"/>
-              <a:t>9/19/2022</a:t>
+              <a:t>10/22/2022</a:t>
             </a:fld>
             <a:endParaRPr lang="en-US" dirty="0"/>
           </a:p>
@@ -643,7 +752,7 @@
     </p:spTree>
     <p:extLst>
       <p:ext uri="{BB962C8B-B14F-4D97-AF65-F5344CB8AC3E}">
-        <p14:creationId xmlns:p14="http://schemas.microsoft.com/office/powerpoint/2010/main" val="2562404684"/>
+        <p14:creationId xmlns:p14="http://schemas.microsoft.com/office/powerpoint/2010/main" val="2577061669"/>
       </p:ext>
     </p:extLst>
   </p:cSld>
@@ -762,7 +871,7 @@
           <a:p>
             <a:fld id="{87DE6118-2437-4B30-8E3C-4D2BE6020583}" type="datetimeFigureOut">
               <a:rPr lang="en-US" smtClean="0"/>
-              <a:t>9/19/2022</a:t>
+              <a:t>10/22/2022</a:t>
             </a:fld>
             <a:endParaRPr lang="en-US" dirty="0"/>
           </a:p>
@@ -813,7 +922,7 @@
     </p:spTree>
     <p:extLst>
       <p:ext uri="{BB962C8B-B14F-4D97-AF65-F5344CB8AC3E}">
-        <p14:creationId xmlns:p14="http://schemas.microsoft.com/office/powerpoint/2010/main" val="2189605294"/>
+        <p14:creationId xmlns:p14="http://schemas.microsoft.com/office/powerpoint/2010/main" val="2960393829"/>
       </p:ext>
     </p:extLst>
   </p:cSld>
@@ -852,15 +961,20 @@
         </p:nvSpPr>
         <p:spPr>
           <a:xfrm>
-            <a:off x="831850" y="1709738"/>
-            <a:ext cx="10515600" cy="2852737"/>
-          </a:xfrm>
-        </p:spPr>
-        <p:txBody>
-          <a:bodyPr anchor="b"/>
+            <a:off x="1261872" y="758952"/>
+            <a:ext cx="9418320" cy="4041648"/>
+          </a:xfrm>
+        </p:spPr>
+        <p:txBody>
+          <a:bodyPr anchor="b">
+            <a:normAutofit/>
+          </a:bodyPr>
           <a:lstStyle>
             <a:lvl1pPr>
-              <a:defRPr sz="6000"/>
+              <a:lnSpc>
+                <a:spcPct val="85000"/>
+              </a:lnSpc>
+              <a:defRPr sz="7200" b="0"/>
             </a:lvl1pPr>
           </a:lstStyle>
           <a:p>
@@ -884,26 +998,29 @@
         </p:nvSpPr>
         <p:spPr>
           <a:xfrm>
-            <a:off x="831850" y="4589463"/>
-            <a:ext cx="10515600" cy="1500187"/>
-          </a:xfrm>
-        </p:spPr>
-        <p:txBody>
-          <a:bodyPr/>
+            <a:off x="1261872" y="4800600"/>
+            <a:ext cx="9418320" cy="1691640"/>
+          </a:xfrm>
+        </p:spPr>
+        <p:txBody>
+          <a:bodyPr anchor="t">
+            <a:normAutofit/>
+          </a:bodyPr>
           <a:lstStyle>
             <a:lvl1pPr marL="0" indent="0">
               <a:buNone/>
-              <a:defRPr sz="2400">
+              <a:defRPr sz="2200">
                 <a:solidFill>
                   <a:schemeClr val="tx1">
-                    <a:tint val="75000"/>
+                    <a:lumMod val="65000"/>
+                    <a:lumOff val="35000"/>
                   </a:schemeClr>
                 </a:solidFill>
               </a:defRPr>
             </a:lvl1pPr>
             <a:lvl2pPr marL="457200" indent="0">
               <a:buNone/>
-              <a:defRPr sz="2000">
+              <a:defRPr sz="1800">
                 <a:solidFill>
                   <a:schemeClr val="tx1">
                     <a:tint val="75000"/>
@@ -913,7 +1030,7 @@
             </a:lvl2pPr>
             <a:lvl3pPr marL="914400" indent="0">
               <a:buNone/>
-              <a:defRPr sz="1800">
+              <a:defRPr sz="1600">
                 <a:solidFill>
                   <a:schemeClr val="tx1">
                     <a:tint val="75000"/>
@@ -923,7 +1040,7 @@
             </a:lvl3pPr>
             <a:lvl4pPr marL="1371600" indent="0">
               <a:buNone/>
-              <a:defRPr sz="1600">
+              <a:defRPr sz="1400">
                 <a:solidFill>
                   <a:schemeClr val="tx1">
                     <a:tint val="75000"/>
@@ -933,7 +1050,7 @@
             </a:lvl4pPr>
             <a:lvl5pPr marL="1828800" indent="0">
               <a:buNone/>
-              <a:defRPr sz="1600">
+              <a:defRPr sz="1400">
                 <a:solidFill>
                   <a:schemeClr val="tx1">
                     <a:tint val="75000"/>
@@ -943,7 +1060,7 @@
             </a:lvl5pPr>
             <a:lvl6pPr marL="2286000" indent="0">
               <a:buNone/>
-              <a:defRPr sz="1600">
+              <a:defRPr sz="1400">
                 <a:solidFill>
                   <a:schemeClr val="tx1">
                     <a:tint val="75000"/>
@@ -953,7 +1070,7 @@
             </a:lvl6pPr>
             <a:lvl7pPr marL="2743200" indent="0">
               <a:buNone/>
-              <a:defRPr sz="1600">
+              <a:defRPr sz="1400">
                 <a:solidFill>
                   <a:schemeClr val="tx1">
                     <a:tint val="75000"/>
@@ -963,7 +1080,7 @@
             </a:lvl7pPr>
             <a:lvl8pPr marL="3200400" indent="0">
               <a:buNone/>
-              <a:defRPr sz="1600">
+              <a:defRPr sz="1400">
                 <a:solidFill>
                   <a:schemeClr val="tx1">
                     <a:tint val="75000"/>
@@ -973,7 +1090,7 @@
             </a:lvl8pPr>
             <a:lvl9pPr marL="3657600" indent="0">
               <a:buNone/>
-              <a:defRPr sz="1600">
+              <a:defRPr sz="1400">
                 <a:solidFill>
                   <a:schemeClr val="tx1">
                     <a:tint val="75000"/>
@@ -1009,7 +1126,7 @@
             <a:fld id="{87DE6118-2437-4B30-8E3C-4D2BE6020583}" type="datetimeFigureOut">
               <a:rPr lang="en-US" smtClean="0"/>
               <a:pPr/>
-              <a:t>9/19/2022</a:t>
+              <a:t>10/22/2022</a:t>
             </a:fld>
             <a:endParaRPr lang="en-US" dirty="0"/>
           </a:p>
@@ -1058,10 +1175,48 @@
           </a:p>
         </p:txBody>
       </p:sp>
+      <p:sp>
+        <p:nvSpPr>
+          <p:cNvPr id="7" name="Rectangle 6"/>
+          <p:cNvSpPr/>
+          <p:nvPr/>
+        </p:nvSpPr>
+        <p:spPr>
+          <a:xfrm>
+            <a:off x="0" y="0"/>
+            <a:ext cx="457200" cy="6858000"/>
+          </a:xfrm>
+          <a:prstGeom prst="rect">
+            <a:avLst/>
+          </a:prstGeom>
+          <a:solidFill>
+            <a:schemeClr val="accent1"/>
+          </a:solidFill>
+          <a:ln>
+            <a:noFill/>
+          </a:ln>
+        </p:spPr>
+        <p:style>
+          <a:lnRef idx="2">
+            <a:schemeClr val="accent1">
+              <a:shade val="50000"/>
+            </a:schemeClr>
+          </a:lnRef>
+          <a:fillRef idx="1">
+            <a:schemeClr val="accent1"/>
+          </a:fillRef>
+          <a:effectRef idx="0">
+            <a:schemeClr val="accent1"/>
+          </a:effectRef>
+          <a:fontRef idx="minor">
+            <a:schemeClr val="lt1"/>
+          </a:fontRef>
+        </p:style>
+      </p:sp>
     </p:spTree>
     <p:extLst>
       <p:ext uri="{BB962C8B-B14F-4D97-AF65-F5344CB8AC3E}">
-        <p14:creationId xmlns:p14="http://schemas.microsoft.com/office/powerpoint/2010/main" val="973926919"/>
+        <p14:creationId xmlns:p14="http://schemas.microsoft.com/office/powerpoint/2010/main" val="3767150183"/>
       </p:ext>
     </p:extLst>
   </p:cSld>
@@ -1123,13 +1278,41 @@
         </p:nvSpPr>
         <p:spPr>
           <a:xfrm>
-            <a:off x="838200" y="1825625"/>
-            <a:ext cx="5181600" cy="4351338"/>
+            <a:off x="1261872" y="1828800"/>
+            <a:ext cx="4480560" cy="4351337"/>
           </a:xfrm>
         </p:spPr>
         <p:txBody>
           <a:bodyPr/>
-          <a:lstStyle/>
+          <a:lstStyle>
+            <a:lvl1pPr>
+              <a:defRPr sz="1800"/>
+            </a:lvl1pPr>
+            <a:lvl2pPr>
+              <a:defRPr sz="1600"/>
+            </a:lvl2pPr>
+            <a:lvl3pPr>
+              <a:defRPr sz="1400"/>
+            </a:lvl3pPr>
+            <a:lvl4pPr>
+              <a:defRPr sz="1400"/>
+            </a:lvl4pPr>
+            <a:lvl5pPr>
+              <a:defRPr sz="1400"/>
+            </a:lvl5pPr>
+            <a:lvl6pPr>
+              <a:defRPr sz="1400"/>
+            </a:lvl6pPr>
+            <a:lvl7pPr>
+              <a:defRPr sz="1400"/>
+            </a:lvl7pPr>
+            <a:lvl8pPr>
+              <a:defRPr sz="1400"/>
+            </a:lvl8pPr>
+            <a:lvl9pPr>
+              <a:defRPr sz="1400"/>
+            </a:lvl9pPr>
+          </a:lstStyle>
           <a:p>
             <a:pPr lvl="0"/>
             <a:r>
@@ -1180,13 +1363,41 @@
         </p:nvSpPr>
         <p:spPr>
           <a:xfrm>
-            <a:off x="6172200" y="1825625"/>
-            <a:ext cx="5181600" cy="4351338"/>
+            <a:off x="6126480" y="1828800"/>
+            <a:ext cx="4480560" cy="4351337"/>
           </a:xfrm>
         </p:spPr>
         <p:txBody>
           <a:bodyPr/>
-          <a:lstStyle/>
+          <a:lstStyle>
+            <a:lvl1pPr>
+              <a:defRPr sz="1800"/>
+            </a:lvl1pPr>
+            <a:lvl2pPr>
+              <a:defRPr sz="1600"/>
+            </a:lvl2pPr>
+            <a:lvl3pPr>
+              <a:defRPr sz="1400"/>
+            </a:lvl3pPr>
+            <a:lvl4pPr>
+              <a:defRPr sz="1400"/>
+            </a:lvl4pPr>
+            <a:lvl5pPr>
+              <a:defRPr sz="1400"/>
+            </a:lvl5pPr>
+            <a:lvl6pPr>
+              <a:defRPr sz="1400"/>
+            </a:lvl6pPr>
+            <a:lvl7pPr>
+              <a:defRPr sz="1400"/>
+            </a:lvl7pPr>
+            <a:lvl8pPr>
+              <a:defRPr sz="1400"/>
+            </a:lvl8pPr>
+            <a:lvl9pPr>
+              <a:defRPr sz="1400"/>
+            </a:lvl9pPr>
+          </a:lstStyle>
           <a:p>
             <a:pPr lvl="0"/>
             <a:r>
@@ -1242,7 +1453,7 @@
           <a:p>
             <a:fld id="{87DE6118-2437-4B30-8E3C-4D2BE6020583}" type="datetimeFigureOut">
               <a:rPr lang="en-US" smtClean="0"/>
-              <a:t>9/19/2022</a:t>
+              <a:t>10/22/2022</a:t>
             </a:fld>
             <a:endParaRPr lang="en-US" dirty="0"/>
           </a:p>
@@ -1293,7 +1504,7 @@
     </p:spTree>
     <p:extLst>
       <p:ext uri="{BB962C8B-B14F-4D97-AF65-F5344CB8AC3E}">
-        <p14:creationId xmlns:p14="http://schemas.microsoft.com/office/powerpoint/2010/main" val="319444599"/>
+        <p14:creationId xmlns:p14="http://schemas.microsoft.com/office/powerpoint/2010/main" val="426194303"/>
       </p:ext>
     </p:extLst>
   </p:cSld>
@@ -1322,7 +1533,7 @@
       </p:grpSpPr>
       <p:sp>
         <p:nvSpPr>
-          <p:cNvPr id="2" name="Title 1"/>
+          <p:cNvPr id="10" name="Title 9"/>
           <p:cNvSpPr>
             <a:spLocks noGrp="1"/>
           </p:cNvSpPr>
@@ -1330,12 +1541,7 @@
             <p:ph type="title"/>
           </p:nvPr>
         </p:nvSpPr>
-        <p:spPr>
-          <a:xfrm>
-            <a:off x="839788" y="365125"/>
-            <a:ext cx="10515600" cy="1325563"/>
-          </a:xfrm>
-        </p:spPr>
+        <p:spPr/>
         <p:txBody>
           <a:bodyPr/>
           <a:lstStyle/>
@@ -1360,16 +1566,25 @@
         </p:nvSpPr>
         <p:spPr>
           <a:xfrm>
-            <a:off x="839788" y="1681163"/>
-            <a:ext cx="5157787" cy="823912"/>
-          </a:xfrm>
-        </p:spPr>
-        <p:txBody>
-          <a:bodyPr anchor="b"/>
+            <a:off x="1261872" y="1713655"/>
+            <a:ext cx="4480560" cy="731520"/>
+          </a:xfrm>
+        </p:spPr>
+        <p:txBody>
+          <a:bodyPr anchor="b">
+            <a:normAutofit/>
+          </a:bodyPr>
           <a:lstStyle>
             <a:lvl1pPr marL="0" indent="0">
+              <a:spcBef>
+                <a:spcPts val="0"/>
+              </a:spcBef>
               <a:buNone/>
-              <a:defRPr sz="2400" b="1"/>
+              <a:defRPr sz="2000" b="0">
+                <a:solidFill>
+                  <a:schemeClr val="tx2"/>
+                </a:solidFill>
+              </a:defRPr>
             </a:lvl1pPr>
             <a:lvl2pPr marL="457200" indent="0">
               <a:buNone/>
@@ -1425,13 +1640,41 @@
         </p:nvSpPr>
         <p:spPr>
           <a:xfrm>
-            <a:off x="839788" y="2505075"/>
-            <a:ext cx="5157787" cy="3684588"/>
+            <a:off x="1261872" y="2507550"/>
+            <a:ext cx="4480560" cy="3664650"/>
           </a:xfrm>
         </p:spPr>
         <p:txBody>
           <a:bodyPr/>
-          <a:lstStyle/>
+          <a:lstStyle>
+            <a:lvl1pPr>
+              <a:defRPr sz="1800"/>
+            </a:lvl1pPr>
+            <a:lvl2pPr>
+              <a:defRPr sz="1600"/>
+            </a:lvl2pPr>
+            <a:lvl3pPr>
+              <a:defRPr sz="1400"/>
+            </a:lvl3pPr>
+            <a:lvl4pPr>
+              <a:defRPr sz="1400"/>
+            </a:lvl4pPr>
+            <a:lvl5pPr>
+              <a:defRPr sz="1400"/>
+            </a:lvl5pPr>
+            <a:lvl6pPr>
+              <a:defRPr sz="1400"/>
+            </a:lvl6pPr>
+            <a:lvl7pPr>
+              <a:defRPr sz="1400"/>
+            </a:lvl7pPr>
+            <a:lvl8pPr>
+              <a:defRPr sz="1400"/>
+            </a:lvl8pPr>
+            <a:lvl9pPr>
+              <a:defRPr sz="1400"/>
+            </a:lvl9pPr>
+          </a:lstStyle>
           <a:p>
             <a:pPr lvl="0"/>
             <a:r>
@@ -1482,16 +1725,31 @@
         </p:nvSpPr>
         <p:spPr>
           <a:xfrm>
-            <a:off x="6172200" y="1681163"/>
-            <a:ext cx="5183188" cy="823912"/>
-          </a:xfrm>
-        </p:spPr>
-        <p:txBody>
-          <a:bodyPr anchor="b"/>
+            <a:off x="6126480" y="1713655"/>
+            <a:ext cx="4480560" cy="731520"/>
+          </a:xfrm>
+        </p:spPr>
+        <p:txBody>
+          <a:bodyPr anchor="b">
+            <a:normAutofit/>
+          </a:bodyPr>
           <a:lstStyle>
             <a:lvl1pPr marL="0" indent="0">
+              <a:lnSpc>
+                <a:spcPct val="95000"/>
+              </a:lnSpc>
+              <a:spcBef>
+                <a:spcPts val="0"/>
+              </a:spcBef>
               <a:buNone/>
-              <a:defRPr sz="2400" b="1"/>
+              <a:defRPr lang="en-US" sz="2000" b="0" kern="1200" dirty="0">
+                <a:solidFill>
+                  <a:schemeClr val="tx2"/>
+                </a:solidFill>
+                <a:latin typeface="+mn-lt"/>
+                <a:ea typeface="+mn-ea"/>
+                <a:cs typeface="+mn-cs"/>
+              </a:defRPr>
             </a:lvl1pPr>
             <a:lvl2pPr marL="457200" indent="0">
               <a:buNone/>
@@ -1527,7 +1785,16 @@
             </a:lvl9pPr>
           </a:lstStyle>
           <a:p>
-            <a:pPr lvl="0"/>
+            <a:pPr marL="0" lvl="0" indent="0" algn="l" defTabSz="914400" rtl="0" eaLnBrk="1" latinLnBrk="0" hangingPunct="1">
+              <a:lnSpc>
+                <a:spcPct val="90000"/>
+              </a:lnSpc>
+              <a:spcBef>
+                <a:spcPts val="2000"/>
+              </a:spcBef>
+              <a:buFontTx/>
+              <a:buNone/>
+            </a:pPr>
             <a:r>
               <a:rPr lang="en-US"/>
               <a:t>Click to edit Master text styles</a:t>
@@ -1547,13 +1814,41 @@
         </p:nvSpPr>
         <p:spPr>
           <a:xfrm>
-            <a:off x="6172200" y="2505075"/>
-            <a:ext cx="5183188" cy="3684588"/>
+            <a:off x="6126480" y="2507550"/>
+            <a:ext cx="4480560" cy="3664650"/>
           </a:xfrm>
         </p:spPr>
         <p:txBody>
           <a:bodyPr/>
-          <a:lstStyle/>
+          <a:lstStyle>
+            <a:lvl1pPr>
+              <a:defRPr sz="1800"/>
+            </a:lvl1pPr>
+            <a:lvl2pPr>
+              <a:defRPr sz="1600"/>
+            </a:lvl2pPr>
+            <a:lvl3pPr>
+              <a:defRPr sz="1400"/>
+            </a:lvl3pPr>
+            <a:lvl4pPr>
+              <a:defRPr sz="1400"/>
+            </a:lvl4pPr>
+            <a:lvl5pPr>
+              <a:defRPr sz="1400"/>
+            </a:lvl5pPr>
+            <a:lvl6pPr>
+              <a:defRPr sz="1400"/>
+            </a:lvl6pPr>
+            <a:lvl7pPr>
+              <a:defRPr sz="1400"/>
+            </a:lvl7pPr>
+            <a:lvl8pPr>
+              <a:defRPr sz="1400"/>
+            </a:lvl8pPr>
+            <a:lvl9pPr>
+              <a:defRPr sz="1400"/>
+            </a:lvl9pPr>
+          </a:lstStyle>
           <a:p>
             <a:pPr lvl="0"/>
             <a:r>
@@ -1609,7 +1904,7 @@
           <a:p>
             <a:fld id="{87DE6118-2437-4B30-8E3C-4D2BE6020583}" type="datetimeFigureOut">
               <a:rPr lang="en-US" smtClean="0"/>
-              <a:t>9/19/2022</a:t>
+              <a:t>10/22/2022</a:t>
             </a:fld>
             <a:endParaRPr lang="en-US" dirty="0"/>
           </a:p>
@@ -1660,7 +1955,7 @@
     </p:spTree>
     <p:extLst>
       <p:ext uri="{BB962C8B-B14F-4D97-AF65-F5344CB8AC3E}">
-        <p14:creationId xmlns:p14="http://schemas.microsoft.com/office/powerpoint/2010/main" val="3390056328"/>
+        <p14:creationId xmlns:p14="http://schemas.microsoft.com/office/powerpoint/2010/main" val="625753427"/>
       </p:ext>
     </p:extLst>
   </p:cSld>
@@ -1689,7 +1984,7 @@
       </p:grpSpPr>
       <p:sp>
         <p:nvSpPr>
-          <p:cNvPr id="2" name="Title 1"/>
+          <p:cNvPr id="6" name="Title 5"/>
           <p:cNvSpPr>
             <a:spLocks noGrp="1"/>
           </p:cNvSpPr>
@@ -1727,7 +2022,7 @@
           <a:p>
             <a:fld id="{87DE6118-2437-4B30-8E3C-4D2BE6020583}" type="datetimeFigureOut">
               <a:rPr lang="en-US" smtClean="0"/>
-              <a:t>9/19/2022</a:t>
+              <a:t>10/22/2022</a:t>
             </a:fld>
             <a:endParaRPr lang="en-US" dirty="0"/>
           </a:p>
@@ -1778,7 +2073,7 @@
     </p:spTree>
     <p:extLst>
       <p:ext uri="{BB962C8B-B14F-4D97-AF65-F5344CB8AC3E}">
-        <p14:creationId xmlns:p14="http://schemas.microsoft.com/office/powerpoint/2010/main" val="551676276"/>
+        <p14:creationId xmlns:p14="http://schemas.microsoft.com/office/powerpoint/2010/main" val="4766249"/>
       </p:ext>
     </p:extLst>
   </p:cSld>
@@ -1822,7 +2117,7 @@
           <a:p>
             <a:fld id="{87DE6118-2437-4B30-8E3C-4D2BE6020583}" type="datetimeFigureOut">
               <a:rPr lang="en-US" smtClean="0"/>
-              <a:t>9/19/2022</a:t>
+              <a:t>10/22/2022</a:t>
             </a:fld>
             <a:endParaRPr lang="en-US" dirty="0"/>
           </a:p>
@@ -1873,7 +2168,7 @@
     </p:spTree>
     <p:extLst>
       <p:ext uri="{BB962C8B-B14F-4D97-AF65-F5344CB8AC3E}">
-        <p14:creationId xmlns:p14="http://schemas.microsoft.com/office/powerpoint/2010/main" val="3668071132"/>
+        <p14:creationId xmlns:p14="http://schemas.microsoft.com/office/powerpoint/2010/main" val="7736831"/>
       </p:ext>
     </p:extLst>
   </p:cSld>
@@ -1912,15 +2207,17 @@
         </p:nvSpPr>
         <p:spPr>
           <a:xfrm>
-            <a:off x="839788" y="457200"/>
-            <a:ext cx="3932237" cy="1600200"/>
-          </a:xfrm>
-        </p:spPr>
-        <p:txBody>
-          <a:bodyPr anchor="b"/>
+            <a:off x="841248" y="457200"/>
+            <a:ext cx="3200400" cy="1600197"/>
+          </a:xfrm>
+        </p:spPr>
+        <p:txBody>
+          <a:bodyPr anchor="b">
+            <a:normAutofit/>
+          </a:bodyPr>
           <a:lstStyle>
             <a:lvl1pPr>
-              <a:defRPr sz="3200"/>
+              <a:defRPr sz="3200" b="0" baseline="0"/>
             </a:lvl1pPr>
           </a:lstStyle>
           <a:p>
@@ -1944,39 +2241,39 @@
         </p:nvSpPr>
         <p:spPr>
           <a:xfrm>
-            <a:off x="5183188" y="987425"/>
-            <a:ext cx="6172200" cy="4873625"/>
+            <a:off x="4504267" y="685800"/>
+            <a:ext cx="6079066" cy="5486400"/>
           </a:xfrm>
         </p:spPr>
         <p:txBody>
           <a:bodyPr/>
           <a:lstStyle>
             <a:lvl1pPr>
-              <a:defRPr sz="3200"/>
+              <a:defRPr sz="2000"/>
             </a:lvl1pPr>
             <a:lvl2pPr>
-              <a:defRPr sz="2800"/>
+              <a:defRPr sz="1800"/>
             </a:lvl2pPr>
             <a:lvl3pPr>
-              <a:defRPr sz="2400"/>
+              <a:defRPr sz="1600"/>
             </a:lvl3pPr>
             <a:lvl4pPr>
-              <a:defRPr sz="2000"/>
+              <a:defRPr sz="1400"/>
             </a:lvl4pPr>
             <a:lvl5pPr>
-              <a:defRPr sz="2000"/>
+              <a:defRPr sz="1400"/>
             </a:lvl5pPr>
             <a:lvl6pPr>
-              <a:defRPr sz="2000"/>
+              <a:defRPr sz="1400"/>
             </a:lvl6pPr>
             <a:lvl7pPr>
-              <a:defRPr sz="2000"/>
+              <a:defRPr sz="1400"/>
             </a:lvl7pPr>
             <a:lvl8pPr>
-              <a:defRPr sz="2000"/>
+              <a:defRPr sz="1400"/>
             </a:lvl8pPr>
             <a:lvl9pPr>
-              <a:defRPr sz="2000"/>
+              <a:defRPr sz="1400"/>
             </a:lvl9pPr>
           </a:lstStyle>
           <a:p>
@@ -2029,48 +2326,56 @@
         </p:nvSpPr>
         <p:spPr>
           <a:xfrm>
-            <a:off x="839788" y="2057400"/>
-            <a:ext cx="3932237" cy="3811588"/>
-          </a:xfrm>
-        </p:spPr>
-        <p:txBody>
-          <a:bodyPr/>
+            <a:off x="841248" y="2099734"/>
+            <a:ext cx="3200400" cy="3810001"/>
+          </a:xfrm>
+        </p:spPr>
+        <p:txBody>
+          <a:bodyPr>
+            <a:normAutofit/>
+          </a:bodyPr>
           <a:lstStyle>
             <a:lvl1pPr marL="0" indent="0">
+              <a:lnSpc>
+                <a:spcPct val="114000"/>
+              </a:lnSpc>
+              <a:spcBef>
+                <a:spcPts val="800"/>
+              </a:spcBef>
               <a:buNone/>
-              <a:defRPr sz="1600"/>
+              <a:defRPr sz="1300"/>
             </a:lvl1pPr>
             <a:lvl2pPr marL="457200" indent="0">
               <a:buNone/>
-              <a:defRPr sz="1400"/>
+              <a:defRPr sz="1200"/>
             </a:lvl2pPr>
             <a:lvl3pPr marL="914400" indent="0">
               <a:buNone/>
-              <a:defRPr sz="1200"/>
+              <a:defRPr sz="1000"/>
             </a:lvl3pPr>
             <a:lvl4pPr marL="1371600" indent="0">
               <a:buNone/>
-              <a:defRPr sz="1000"/>
+              <a:defRPr sz="900"/>
             </a:lvl4pPr>
             <a:lvl5pPr marL="1828800" indent="0">
               <a:buNone/>
-              <a:defRPr sz="1000"/>
+              <a:defRPr sz="900"/>
             </a:lvl5pPr>
             <a:lvl6pPr marL="2286000" indent="0">
               <a:buNone/>
-              <a:defRPr sz="1000"/>
+              <a:defRPr sz="900"/>
             </a:lvl6pPr>
             <a:lvl7pPr marL="2743200" indent="0">
               <a:buNone/>
-              <a:defRPr sz="1000"/>
+              <a:defRPr sz="900"/>
             </a:lvl7pPr>
             <a:lvl8pPr marL="3200400" indent="0">
               <a:buNone/>
-              <a:defRPr sz="1000"/>
+              <a:defRPr sz="900"/>
             </a:lvl8pPr>
             <a:lvl9pPr marL="3657600" indent="0">
               <a:buNone/>
-              <a:defRPr sz="1000"/>
+              <a:defRPr sz="900"/>
             </a:lvl9pPr>
           </a:lstStyle>
           <a:p>
@@ -2100,7 +2405,7 @@
             <a:fld id="{87DE6118-2437-4B30-8E3C-4D2BE6020583}" type="datetimeFigureOut">
               <a:rPr lang="en-US" smtClean="0"/>
               <a:pPr/>
-              <a:t>9/19/2022</a:t>
+              <a:t>10/22/2022</a:t>
             </a:fld>
             <a:endParaRPr lang="en-US" dirty="0"/>
           </a:p>
@@ -2152,7 +2457,7 @@
     </p:spTree>
     <p:extLst>
       <p:ext uri="{BB962C8B-B14F-4D97-AF65-F5344CB8AC3E}">
-        <p14:creationId xmlns:p14="http://schemas.microsoft.com/office/powerpoint/2010/main" val="2949644978"/>
+        <p14:creationId xmlns:p14="http://schemas.microsoft.com/office/powerpoint/2010/main" val="3975116634"/>
       </p:ext>
     </p:extLst>
   </p:cSld>
@@ -2181,6 +2486,44 @@
       </p:grpSpPr>
       <p:sp>
         <p:nvSpPr>
+          <p:cNvPr id="8" name="Rectangle 7"/>
+          <p:cNvSpPr/>
+          <p:nvPr/>
+        </p:nvSpPr>
+        <p:spPr>
+          <a:xfrm>
+            <a:off x="0" y="5105400"/>
+            <a:ext cx="11292840" cy="1752600"/>
+          </a:xfrm>
+          <a:prstGeom prst="rect">
+            <a:avLst/>
+          </a:prstGeom>
+          <a:solidFill>
+            <a:srgbClr val="000000"/>
+          </a:solidFill>
+          <a:ln>
+            <a:noFill/>
+          </a:ln>
+        </p:spPr>
+        <p:style>
+          <a:lnRef idx="2">
+            <a:schemeClr val="accent1">
+              <a:shade val="50000"/>
+            </a:schemeClr>
+          </a:lnRef>
+          <a:fillRef idx="1">
+            <a:schemeClr val="accent1"/>
+          </a:fillRef>
+          <a:effectRef idx="0">
+            <a:schemeClr val="accent1"/>
+          </a:effectRef>
+          <a:fontRef idx="minor">
+            <a:schemeClr val="lt1"/>
+          </a:fontRef>
+        </p:style>
+      </p:sp>
+      <p:sp>
+        <p:nvSpPr>
           <p:cNvPr id="2" name="Title 1"/>
           <p:cNvSpPr>
             <a:spLocks noGrp="1"/>
@@ -2191,15 +2534,21 @@
         </p:nvSpPr>
         <p:spPr>
           <a:xfrm>
-            <a:off x="839788" y="457200"/>
-            <a:ext cx="3932237" cy="1600200"/>
-          </a:xfrm>
-        </p:spPr>
-        <p:txBody>
-          <a:bodyPr anchor="b"/>
+            <a:off x="914400" y="5257800"/>
+            <a:ext cx="9982200" cy="914400"/>
+          </a:xfrm>
+        </p:spPr>
+        <p:txBody>
+          <a:bodyPr anchor="b">
+            <a:normAutofit/>
+          </a:bodyPr>
           <a:lstStyle>
             <a:lvl1pPr>
-              <a:defRPr sz="3200"/>
+              <a:defRPr sz="2800" b="0">
+                <a:solidFill>
+                  <a:schemeClr val="bg1"/>
+                </a:solidFill>
+              </a:defRPr>
             </a:lvl1pPr>
           </a:lstStyle>
           <a:p>
@@ -2223,16 +2572,23 @@
         </p:nvSpPr>
         <p:spPr>
           <a:xfrm>
-            <a:off x="5183188" y="987425"/>
-            <a:ext cx="6172200" cy="4873625"/>
-          </a:xfrm>
+            <a:off x="0" y="0"/>
+            <a:ext cx="11292840" cy="5128923"/>
+          </a:xfrm>
+          <a:solidFill>
+            <a:schemeClr val="accent1"/>
+          </a:solidFill>
         </p:spPr>
         <p:txBody>
           <a:bodyPr anchor="t"/>
           <a:lstStyle>
             <a:lvl1pPr marL="0" indent="0">
               <a:buNone/>
-              <a:defRPr sz="3200"/>
+              <a:defRPr sz="3200">
+                <a:solidFill>
+                  <a:schemeClr val="bg1"/>
+                </a:solidFill>
+              </a:defRPr>
             </a:lvl1pPr>
             <a:lvl2pPr marL="457200" indent="0">
               <a:buNone/>
@@ -2288,48 +2644,62 @@
         </p:nvSpPr>
         <p:spPr>
           <a:xfrm>
-            <a:off x="839788" y="2057400"/>
-            <a:ext cx="3932237" cy="3811588"/>
-          </a:xfrm>
-        </p:spPr>
-        <p:txBody>
-          <a:bodyPr/>
+            <a:off x="914400" y="6108589"/>
+            <a:ext cx="9982200" cy="597011"/>
+          </a:xfrm>
+        </p:spPr>
+        <p:txBody>
+          <a:bodyPr>
+            <a:normAutofit/>
+          </a:bodyPr>
           <a:lstStyle>
             <a:lvl1pPr marL="0" indent="0">
+              <a:lnSpc>
+                <a:spcPct val="100000"/>
+              </a:lnSpc>
+              <a:spcBef>
+                <a:spcPts val="800"/>
+              </a:spcBef>
               <a:buNone/>
-              <a:defRPr sz="1600"/>
+              <a:defRPr sz="1300">
+                <a:solidFill>
+                  <a:schemeClr val="bg1">
+                    <a:lumMod val="85000"/>
+                  </a:schemeClr>
+                </a:solidFill>
+              </a:defRPr>
             </a:lvl1pPr>
             <a:lvl2pPr marL="457200" indent="0">
               <a:buNone/>
-              <a:defRPr sz="1400"/>
+              <a:defRPr sz="1200"/>
             </a:lvl2pPr>
             <a:lvl3pPr marL="914400" indent="0">
               <a:buNone/>
-              <a:defRPr sz="1200"/>
+              <a:defRPr sz="1000"/>
             </a:lvl3pPr>
             <a:lvl4pPr marL="1371600" indent="0">
               <a:buNone/>
-              <a:defRPr sz="1000"/>
+              <a:defRPr sz="900"/>
             </a:lvl4pPr>
             <a:lvl5pPr marL="1828800" indent="0">
               <a:buNone/>
-              <a:defRPr sz="1000"/>
+              <a:defRPr sz="900"/>
             </a:lvl5pPr>
             <a:lvl6pPr marL="2286000" indent="0">
               <a:buNone/>
-              <a:defRPr sz="1000"/>
+              <a:defRPr sz="900"/>
             </a:lvl6pPr>
             <a:lvl7pPr marL="2743200" indent="0">
               <a:buNone/>
-              <a:defRPr sz="1000"/>
+              <a:defRPr sz="900"/>
             </a:lvl7pPr>
             <a:lvl8pPr marL="3200400" indent="0">
               <a:buNone/>
-              <a:defRPr sz="1000"/>
+              <a:defRPr sz="900"/>
             </a:lvl8pPr>
             <a:lvl9pPr marL="3657600" indent="0">
               <a:buNone/>
-              <a:defRPr sz="1000"/>
+              <a:defRPr sz="900"/>
             </a:lvl9pPr>
           </a:lstStyle>
           <a:p>
@@ -2359,7 +2729,7 @@
             <a:fld id="{87DE6118-2437-4B30-8E3C-4D2BE6020583}" type="datetimeFigureOut">
               <a:rPr lang="en-US" smtClean="0"/>
               <a:pPr/>
-              <a:t>9/19/2022</a:t>
+              <a:t>10/22/2022</a:t>
             </a:fld>
             <a:endParaRPr lang="en-US" dirty="0"/>
           </a:p>
@@ -2411,7 +2781,7 @@
     </p:spTree>
     <p:extLst>
       <p:ext uri="{BB962C8B-B14F-4D97-AF65-F5344CB8AC3E}">
-        <p14:creationId xmlns:p14="http://schemas.microsoft.com/office/powerpoint/2010/main" val="4189871820"/>
+        <p14:creationId xmlns:p14="http://schemas.microsoft.com/office/powerpoint/2010/main" val="2533283978"/>
       </p:ext>
     </p:extLst>
   </p:cSld>
@@ -2445,57 +2815,97 @@
       </p:grpSpPr>
       <p:sp>
         <p:nvSpPr>
-          <p:cNvPr id="2" name="Title Placeholder 1"/>
-          <p:cNvSpPr>
-            <a:spLocks noGrp="1"/>
-          </p:cNvSpPr>
-          <p:nvPr>
-            <p:ph type="title"/>
-          </p:nvPr>
-        </p:nvSpPr>
-        <p:spPr>
-          <a:xfrm>
-            <a:off x="838200" y="365125"/>
-            <a:ext cx="10515600" cy="1325563"/>
+          <p:cNvPr id="7" name="Rectangle 6"/>
+          <p:cNvSpPr/>
+          <p:nvPr/>
+        </p:nvSpPr>
+        <p:spPr>
+          <a:xfrm>
+            <a:off x="11292840" y="0"/>
+            <a:ext cx="914400" cy="6858000"/>
           </a:xfrm>
           <a:prstGeom prst="rect">
             <a:avLst/>
           </a:prstGeom>
-        </p:spPr>
-        <p:txBody>
-          <a:bodyPr vert="horz" lIns="91440" tIns="45720" rIns="91440" bIns="45720" rtlCol="0" anchor="ctr">
-            <a:normAutofit/>
-          </a:bodyPr>
-          <a:lstStyle/>
-          <a:p>
-            <a:r>
-              <a:rPr lang="en-US"/>
-              <a:t>Click to edit Master title style</a:t>
-            </a:r>
-            <a:endParaRPr lang="en-US" dirty="0"/>
-          </a:p>
-        </p:txBody>
-      </p:sp>
-      <p:sp>
-        <p:nvSpPr>
-          <p:cNvPr id="3" name="Text Placeholder 2"/>
-          <p:cNvSpPr>
-            <a:spLocks noGrp="1"/>
-          </p:cNvSpPr>
-          <p:nvPr>
-            <p:ph type="body" idx="1"/>
-          </p:nvPr>
-        </p:nvSpPr>
-        <p:spPr>
-          <a:xfrm>
-            <a:off x="838200" y="1825625"/>
-            <a:ext cx="10515600" cy="4351338"/>
+          <a:solidFill>
+            <a:schemeClr val="tx2">
+              <a:lumMod val="75000"/>
+            </a:schemeClr>
+          </a:solidFill>
+          <a:ln>
+            <a:noFill/>
+          </a:ln>
+        </p:spPr>
+        <p:style>
+          <a:lnRef idx="2">
+            <a:schemeClr val="accent1">
+              <a:shade val="50000"/>
+            </a:schemeClr>
+          </a:lnRef>
+          <a:fillRef idx="1">
+            <a:schemeClr val="accent1"/>
+          </a:fillRef>
+          <a:effectRef idx="0">
+            <a:schemeClr val="accent1"/>
+          </a:effectRef>
+          <a:fontRef idx="minor">
+            <a:schemeClr val="lt1"/>
+          </a:fontRef>
+        </p:style>
+      </p:sp>
+      <p:sp>
+        <p:nvSpPr>
+          <p:cNvPr id="2" name="Title Placeholder 1"/>
+          <p:cNvSpPr>
+            <a:spLocks noGrp="1"/>
+          </p:cNvSpPr>
+          <p:nvPr>
+            <p:ph type="title"/>
+          </p:nvPr>
+        </p:nvSpPr>
+        <p:spPr>
+          <a:xfrm>
+            <a:off x="1261872" y="365760"/>
+            <a:ext cx="9692640" cy="1325562"/>
           </a:xfrm>
           <a:prstGeom prst="rect">
             <a:avLst/>
           </a:prstGeom>
         </p:spPr>
         <p:txBody>
+          <a:bodyPr vert="horz" lIns="91440" tIns="45720" rIns="91440" bIns="45720" rtlCol="0" anchor="b">
+            <a:normAutofit/>
+          </a:bodyPr>
+          <a:lstStyle/>
+          <a:p>
+            <a:r>
+              <a:rPr lang="en-US"/>
+              <a:t>Click to edit Master title style</a:t>
+            </a:r>
+            <a:endParaRPr lang="en-US" dirty="0"/>
+          </a:p>
+        </p:txBody>
+      </p:sp>
+      <p:sp>
+        <p:nvSpPr>
+          <p:cNvPr id="3" name="Text Placeholder 2"/>
+          <p:cNvSpPr>
+            <a:spLocks noGrp="1"/>
+          </p:cNvSpPr>
+          <p:nvPr>
+            <p:ph type="body" idx="1"/>
+          </p:nvPr>
+        </p:nvSpPr>
+        <p:spPr>
+          <a:xfrm>
+            <a:off x="1261872" y="1828800"/>
+            <a:ext cx="8595360" cy="4351337"/>
+          </a:xfrm>
+          <a:prstGeom prst="rect">
+            <a:avLst/>
+          </a:prstGeom>
+        </p:spPr>
+        <p:txBody>
           <a:bodyPr vert="horz" lIns="91440" tIns="45720" rIns="91440" bIns="45720" rtlCol="0">
             <a:normAutofit/>
           </a:bodyPr>
@@ -2549,9 +2959,9 @@
           </p:nvPr>
         </p:nvSpPr>
         <p:spPr>
-          <a:xfrm>
-            <a:off x="838200" y="6356350"/>
-            <a:ext cx="2743200" cy="365125"/>
+          <a:xfrm rot="16200000">
+            <a:off x="10797542" y="998537"/>
+            <a:ext cx="1904999" cy="365125"/>
           </a:xfrm>
           <a:prstGeom prst="rect">
             <a:avLst/>
@@ -2560,11 +2970,12 @@
         <p:txBody>
           <a:bodyPr vert="horz" lIns="91440" tIns="45720" rIns="91440" bIns="45720" rtlCol="0" anchor="ctr"/>
           <a:lstStyle>
-            <a:lvl1pPr algn="l">
-              <a:defRPr sz="1200">
+            <a:lvl1pPr algn="r">
+              <a:defRPr sz="1050" b="0">
                 <a:solidFill>
-                  <a:schemeClr val="tx1">
-                    <a:tint val="75000"/>
+                  <a:schemeClr val="tx2">
+                    <a:lumMod val="20000"/>
+                    <a:lumOff val="80000"/>
                   </a:schemeClr>
                 </a:solidFill>
               </a:defRPr>
@@ -2574,7 +2985,7 @@
             <a:fld id="{87DE6118-2437-4B30-8E3C-4D2BE6020583}" type="datetimeFigureOut">
               <a:rPr lang="en-US" smtClean="0"/>
               <a:pPr/>
-              <a:t>9/19/2022</a:t>
+              <a:t>10/22/2022</a:t>
             </a:fld>
             <a:endParaRPr lang="en-US" dirty="0"/>
           </a:p>
@@ -2591,9 +3002,9 @@
           </p:nvPr>
         </p:nvSpPr>
         <p:spPr>
-          <a:xfrm>
-            <a:off x="4038600" y="6356350"/>
-            <a:ext cx="4114800" cy="365125"/>
+          <a:xfrm rot="16200000">
+            <a:off x="9959341" y="4046537"/>
+            <a:ext cx="3581400" cy="365125"/>
           </a:xfrm>
           <a:prstGeom prst="rect">
             <a:avLst/>
@@ -2602,11 +3013,12 @@
         <p:txBody>
           <a:bodyPr vert="horz" lIns="91440" tIns="45720" rIns="91440" bIns="45720" rtlCol="0" anchor="ctr"/>
           <a:lstStyle>
-            <a:lvl1pPr algn="ctr">
-              <a:defRPr sz="1200">
+            <a:lvl1pPr algn="l">
+              <a:defRPr sz="1050">
                 <a:solidFill>
-                  <a:schemeClr val="tx1">
-                    <a:tint val="75000"/>
+                  <a:schemeClr val="tx2">
+                    <a:lumMod val="20000"/>
+                    <a:lumOff val="80000"/>
                   </a:schemeClr>
                 </a:solidFill>
               </a:defRPr>
@@ -2629,21 +3041,24 @@
         </p:nvSpPr>
         <p:spPr>
           <a:xfrm>
-            <a:off x="8610600" y="6356350"/>
-            <a:ext cx="2743200" cy="365125"/>
+            <a:off x="11292840" y="6172200"/>
+            <a:ext cx="914400" cy="593725"/>
           </a:xfrm>
           <a:prstGeom prst="rect">
             <a:avLst/>
           </a:prstGeom>
         </p:spPr>
         <p:txBody>
-          <a:bodyPr vert="horz" lIns="91440" tIns="45720" rIns="91440" bIns="45720" rtlCol="0" anchor="ctr"/>
+          <a:bodyPr vert="horz" lIns="45720" tIns="45720" rIns="45720" bIns="45720" rtlCol="0" anchor="ctr">
+            <a:normAutofit/>
+          </a:bodyPr>
           <a:lstStyle>
-            <a:lvl1pPr algn="r">
-              <a:defRPr sz="1200">
+            <a:lvl1pPr algn="ctr">
+              <a:defRPr sz="3600">
                 <a:solidFill>
-                  <a:schemeClr val="tx1">
-                    <a:tint val="75000"/>
+                  <a:schemeClr val="tx2">
+                    <a:lumMod val="60000"/>
+                    <a:lumOff val="40000"/>
                   </a:schemeClr>
                 </a:solidFill>
               </a:defRPr>
@@ -2662,23 +3077,23 @@
     </p:spTree>
     <p:extLst>
       <p:ext uri="{BB962C8B-B14F-4D97-AF65-F5344CB8AC3E}">
-        <p14:creationId xmlns:p14="http://schemas.microsoft.com/office/powerpoint/2010/main" val="1616771946"/>
+        <p14:creationId xmlns:p14="http://schemas.microsoft.com/office/powerpoint/2010/main" val="42343023"/>
       </p:ext>
     </p:extLst>
   </p:cSld>
-  <p:clrMap bg1="dk1" tx1="lt1" bg2="dk2" tx2="lt2" accent1="accent1" accent2="accent2" accent3="accent3" accent4="accent4" accent5="accent5" accent6="accent6" hlink="hlink" folHlink="folHlink"/>
+  <p:clrMap bg1="lt1" tx1="dk1" bg2="lt2" tx2="dk2" accent1="accent1" accent2="accent2" accent3="accent3" accent4="accent4" accent5="accent5" accent6="accent6" hlink="hlink" folHlink="folHlink"/>
   <p:sldLayoutIdLst>
-    <p:sldLayoutId id="2147483673" r:id="rId1"/>
-    <p:sldLayoutId id="2147483674" r:id="rId2"/>
-    <p:sldLayoutId id="2147483675" r:id="rId3"/>
-    <p:sldLayoutId id="2147483676" r:id="rId4"/>
-    <p:sldLayoutId id="2147483677" r:id="rId5"/>
-    <p:sldLayoutId id="2147483678" r:id="rId6"/>
-    <p:sldLayoutId id="2147483679" r:id="rId7"/>
-    <p:sldLayoutId id="2147483680" r:id="rId8"/>
-    <p:sldLayoutId id="2147483681" r:id="rId9"/>
-    <p:sldLayoutId id="2147483682" r:id="rId10"/>
-    <p:sldLayoutId id="2147483683" r:id="rId11"/>
+    <p:sldLayoutId id="2147483685" r:id="rId1"/>
+    <p:sldLayoutId id="2147483686" r:id="rId2"/>
+    <p:sldLayoutId id="2147483687" r:id="rId3"/>
+    <p:sldLayoutId id="2147483688" r:id="rId4"/>
+    <p:sldLayoutId id="2147483689" r:id="rId5"/>
+    <p:sldLayoutId id="2147483690" r:id="rId6"/>
+    <p:sldLayoutId id="2147483691" r:id="rId7"/>
+    <p:sldLayoutId id="2147483692" r:id="rId8"/>
+    <p:sldLayoutId id="2147483693" r:id="rId9"/>
+    <p:sldLayoutId id="2147483694" r:id="rId10"/>
+    <p:sldLayoutId id="2147483695" r:id="rId11"/>
   </p:sldLayoutIdLst>
   <p:txStyles>
     <p:titleStyle>
@@ -2690,7 +3105,7 @@
           <a:spcPct val="0"/>
         </a:spcBef>
         <a:buNone/>
-        <a:defRPr sz="4400" kern="1200">
+        <a:defRPr sz="4400" kern="1200" spc="-50" baseline="0">
           <a:solidFill>
             <a:schemeClr val="tx1"/>
           </a:solidFill>
@@ -2701,16 +3116,23 @@
       </a:lvl1pPr>
     </p:titleStyle>
     <p:bodyStyle>
-      <a:lvl1pPr marL="228600" indent="-228600" algn="l" defTabSz="914400" rtl="0" eaLnBrk="1" latinLnBrk="0" hangingPunct="1">
+      <a:lvl1pPr marL="182880" indent="-182880" algn="l" defTabSz="914400" rtl="0" eaLnBrk="1" latinLnBrk="0" hangingPunct="1">
         <a:lnSpc>
-          <a:spcPct val="90000"/>
+          <a:spcPct val="95000"/>
         </a:lnSpc>
         <a:spcBef>
-          <a:spcPts val="1000"/>
+          <a:spcPts val="1400"/>
         </a:spcBef>
-        <a:buFont typeface="Arial" panose="020B0604020202020204" pitchFamily="34" charset="0"/>
+        <a:spcAft>
+          <a:spcPts val="200"/>
+        </a:spcAft>
+        <a:buClr>
+          <a:schemeClr val="accent1"/>
+        </a:buClr>
+        <a:buSzPct val="80000"/>
+        <a:buFont typeface="Arial" pitchFamily="34" charset="0"/>
         <a:buChar char="•"/>
-        <a:defRPr sz="2800" kern="1200">
+        <a:defRPr sz="1800" kern="1200" spc="10" baseline="0">
           <a:solidFill>
             <a:schemeClr val="tx1"/>
           </a:solidFill>
@@ -2719,144 +3141,216 @@
           <a:cs typeface="+mn-cs"/>
         </a:defRPr>
       </a:lvl1pPr>
-      <a:lvl2pPr marL="685800" indent="-228600" algn="l" defTabSz="914400" rtl="0" eaLnBrk="1" latinLnBrk="0" hangingPunct="1">
+      <a:lvl2pPr marL="457200" indent="-182880" algn="l" defTabSz="914400" rtl="0" eaLnBrk="1" latinLnBrk="0" hangingPunct="1">
         <a:lnSpc>
           <a:spcPct val="90000"/>
         </a:lnSpc>
         <a:spcBef>
-          <a:spcPts val="500"/>
+          <a:spcPts val="300"/>
         </a:spcBef>
-        <a:buFont typeface="Arial" panose="020B0604020202020204" pitchFamily="34" charset="0"/>
-        <a:buChar char="•"/>
-        <a:defRPr sz="2400" kern="1200">
+        <a:spcAft>
+          <a:spcPts val="300"/>
+        </a:spcAft>
+        <a:buClr>
+          <a:schemeClr val="accent1"/>
+        </a:buClr>
+        <a:buFont typeface="Wingdings 2" pitchFamily="18" charset="2"/>
+        <a:buChar char=""/>
+        <a:defRPr sz="1600" kern="1200">
           <a:solidFill>
-            <a:schemeClr val="tx1"/>
+            <a:schemeClr val="tx1">
+              <a:lumMod val="85000"/>
+              <a:lumOff val="15000"/>
+            </a:schemeClr>
           </a:solidFill>
           <a:latin typeface="+mn-lt"/>
           <a:ea typeface="+mn-ea"/>
           <a:cs typeface="+mn-cs"/>
         </a:defRPr>
       </a:lvl2pPr>
-      <a:lvl3pPr marL="1143000" indent="-228600" algn="l" defTabSz="914400" rtl="0" eaLnBrk="1" latinLnBrk="0" hangingPunct="1">
+      <a:lvl3pPr marL="731520" indent="-182880" algn="l" defTabSz="914400" rtl="0" eaLnBrk="1" latinLnBrk="0" hangingPunct="1">
         <a:lnSpc>
           <a:spcPct val="90000"/>
         </a:lnSpc>
         <a:spcBef>
-          <a:spcPts val="500"/>
+          <a:spcPts val="300"/>
         </a:spcBef>
-        <a:buFont typeface="Arial" panose="020B0604020202020204" pitchFamily="34" charset="0"/>
-        <a:buChar char="•"/>
-        <a:defRPr sz="2000" kern="1200">
+        <a:spcAft>
+          <a:spcPts val="300"/>
+        </a:spcAft>
+        <a:buClr>
+          <a:schemeClr val="accent1"/>
+        </a:buClr>
+        <a:buFont typeface="Wingdings 2" pitchFamily="18" charset="2"/>
+        <a:buChar char=""/>
+        <a:defRPr sz="1400" kern="1200">
           <a:solidFill>
-            <a:schemeClr val="tx1"/>
+            <a:schemeClr val="tx1">
+              <a:lumMod val="85000"/>
+              <a:lumOff val="15000"/>
+            </a:schemeClr>
           </a:solidFill>
           <a:latin typeface="+mn-lt"/>
           <a:ea typeface="+mn-ea"/>
           <a:cs typeface="+mn-cs"/>
         </a:defRPr>
       </a:lvl3pPr>
-      <a:lvl4pPr marL="1600200" indent="-228600" algn="l" defTabSz="914400" rtl="0" eaLnBrk="1" latinLnBrk="0" hangingPunct="1">
+      <a:lvl4pPr marL="1005840" indent="-182880" algn="l" defTabSz="914400" rtl="0" eaLnBrk="1" latinLnBrk="0" hangingPunct="1">
         <a:lnSpc>
           <a:spcPct val="90000"/>
         </a:lnSpc>
         <a:spcBef>
-          <a:spcPts val="500"/>
+          <a:spcPts val="300"/>
         </a:spcBef>
-        <a:buFont typeface="Arial" panose="020B0604020202020204" pitchFamily="34" charset="0"/>
-        <a:buChar char="•"/>
-        <a:defRPr sz="1800" kern="1200">
+        <a:spcAft>
+          <a:spcPts val="300"/>
+        </a:spcAft>
+        <a:buClr>
+          <a:schemeClr val="accent1"/>
+        </a:buClr>
+        <a:buFont typeface="Wingdings 2" pitchFamily="18" charset="2"/>
+        <a:buChar char=""/>
+        <a:defRPr sz="1400" kern="1200">
           <a:solidFill>
-            <a:schemeClr val="tx1"/>
+            <a:schemeClr val="tx1">
+              <a:lumMod val="85000"/>
+              <a:lumOff val="15000"/>
+            </a:schemeClr>
           </a:solidFill>
           <a:latin typeface="+mn-lt"/>
           <a:ea typeface="+mn-ea"/>
           <a:cs typeface="+mn-cs"/>
         </a:defRPr>
       </a:lvl4pPr>
-      <a:lvl5pPr marL="2057400" indent="-228600" algn="l" defTabSz="914400" rtl="0" eaLnBrk="1" latinLnBrk="0" hangingPunct="1">
+      <a:lvl5pPr marL="1280160" indent="-182880" algn="l" defTabSz="914400" rtl="0" eaLnBrk="1" latinLnBrk="0" hangingPunct="1">
         <a:lnSpc>
           <a:spcPct val="90000"/>
         </a:lnSpc>
         <a:spcBef>
-          <a:spcPts val="500"/>
+          <a:spcPts val="300"/>
         </a:spcBef>
-        <a:buFont typeface="Arial" panose="020B0604020202020204" pitchFamily="34" charset="0"/>
-        <a:buChar char="•"/>
-        <a:defRPr sz="1800" kern="1200">
+        <a:spcAft>
+          <a:spcPts val="300"/>
+        </a:spcAft>
+        <a:buClr>
+          <a:schemeClr val="accent1"/>
+        </a:buClr>
+        <a:buFont typeface="Wingdings 2" pitchFamily="18" charset="2"/>
+        <a:buChar char=""/>
+        <a:defRPr sz="1400" kern="1200">
           <a:solidFill>
-            <a:schemeClr val="tx1"/>
+            <a:schemeClr val="tx1">
+              <a:lumMod val="85000"/>
+              <a:lumOff val="15000"/>
+            </a:schemeClr>
           </a:solidFill>
           <a:latin typeface="+mn-lt"/>
           <a:ea typeface="+mn-ea"/>
           <a:cs typeface="+mn-cs"/>
         </a:defRPr>
       </a:lvl5pPr>
-      <a:lvl6pPr marL="2514600" indent="-228600" algn="l" defTabSz="914400" rtl="0" eaLnBrk="1" latinLnBrk="0" hangingPunct="1">
+      <a:lvl6pPr marL="1600000" indent="-228600" algn="l" defTabSz="914400" rtl="0" eaLnBrk="1" latinLnBrk="0" hangingPunct="1">
         <a:lnSpc>
           <a:spcPct val="90000"/>
         </a:lnSpc>
         <a:spcBef>
-          <a:spcPts val="500"/>
+          <a:spcPts val="300"/>
         </a:spcBef>
-        <a:buFont typeface="Arial" panose="020B0604020202020204" pitchFamily="34" charset="0"/>
-        <a:buChar char="•"/>
-        <a:defRPr sz="1800" kern="1200">
+        <a:spcAft>
+          <a:spcPts val="300"/>
+        </a:spcAft>
+        <a:buClr>
+          <a:schemeClr val="accent1"/>
+        </a:buClr>
+        <a:buFont typeface="Wingdings 2" pitchFamily="18" charset="2"/>
+        <a:buChar char=""/>
+        <a:defRPr sz="1400" kern="1200">
           <a:solidFill>
-            <a:schemeClr val="tx1"/>
+            <a:schemeClr val="tx1">
+              <a:lumMod val="85000"/>
+              <a:lumOff val="15000"/>
+            </a:schemeClr>
           </a:solidFill>
           <a:latin typeface="+mn-lt"/>
           <a:ea typeface="+mn-ea"/>
           <a:cs typeface="+mn-cs"/>
         </a:defRPr>
       </a:lvl6pPr>
-      <a:lvl7pPr marL="2971800" indent="-228600" algn="l" defTabSz="914400" rtl="0" eaLnBrk="1" latinLnBrk="0" hangingPunct="1">
+      <a:lvl7pPr marL="1900000" indent="-228600" algn="l" defTabSz="914400" rtl="0" eaLnBrk="1" latinLnBrk="0" hangingPunct="1">
         <a:lnSpc>
           <a:spcPct val="90000"/>
         </a:lnSpc>
         <a:spcBef>
-          <a:spcPts val="500"/>
+          <a:spcPts val="300"/>
         </a:spcBef>
-        <a:buFont typeface="Arial" panose="020B0604020202020204" pitchFamily="34" charset="0"/>
-        <a:buChar char="•"/>
-        <a:defRPr sz="1800" kern="1200">
+        <a:spcAft>
+          <a:spcPts val="300"/>
+        </a:spcAft>
+        <a:buClr>
+          <a:schemeClr val="accent1"/>
+        </a:buClr>
+        <a:buFont typeface="Wingdings 2" pitchFamily="18" charset="2"/>
+        <a:buChar char=""/>
+        <a:defRPr sz="1400" kern="1200">
           <a:solidFill>
-            <a:schemeClr val="tx1"/>
+            <a:schemeClr val="tx1">
+              <a:lumMod val="85000"/>
+              <a:lumOff val="15000"/>
+            </a:schemeClr>
           </a:solidFill>
           <a:latin typeface="+mn-lt"/>
           <a:ea typeface="+mn-ea"/>
           <a:cs typeface="+mn-cs"/>
         </a:defRPr>
       </a:lvl7pPr>
-      <a:lvl8pPr marL="3429000" indent="-228600" algn="l" defTabSz="914400" rtl="0" eaLnBrk="1" latinLnBrk="0" hangingPunct="1">
+      <a:lvl8pPr marL="2200000" indent="-228600" algn="l" defTabSz="914400" rtl="0" eaLnBrk="1" latinLnBrk="0" hangingPunct="1">
         <a:lnSpc>
           <a:spcPct val="90000"/>
         </a:lnSpc>
         <a:spcBef>
-          <a:spcPts val="500"/>
+          <a:spcPts val="300"/>
         </a:spcBef>
-        <a:buFont typeface="Arial" panose="020B0604020202020204" pitchFamily="34" charset="0"/>
-        <a:buChar char="•"/>
-        <a:defRPr sz="1800" kern="1200">
+        <a:spcAft>
+          <a:spcPts val="300"/>
+        </a:spcAft>
+        <a:buClr>
+          <a:schemeClr val="accent1"/>
+        </a:buClr>
+        <a:buFont typeface="Wingdings 2" pitchFamily="18" charset="2"/>
+        <a:buChar char=""/>
+        <a:defRPr sz="1400" kern="1200">
           <a:solidFill>
-            <a:schemeClr val="tx1"/>
+            <a:schemeClr val="tx1">
+              <a:lumMod val="85000"/>
+              <a:lumOff val="15000"/>
+            </a:schemeClr>
           </a:solidFill>
           <a:latin typeface="+mn-lt"/>
           <a:ea typeface="+mn-ea"/>
           <a:cs typeface="+mn-cs"/>
         </a:defRPr>
       </a:lvl8pPr>
-      <a:lvl9pPr marL="3886200" indent="-228600" algn="l" defTabSz="914400" rtl="0" eaLnBrk="1" latinLnBrk="0" hangingPunct="1">
+      <a:lvl9pPr marL="2500000" indent="-228600" algn="l" defTabSz="914400" rtl="0" eaLnBrk="1" latinLnBrk="0" hangingPunct="1">
         <a:lnSpc>
           <a:spcPct val="90000"/>
         </a:lnSpc>
         <a:spcBef>
-          <a:spcPts val="500"/>
+          <a:spcPts val="300"/>
         </a:spcBef>
-        <a:buFont typeface="Arial" panose="020B0604020202020204" pitchFamily="34" charset="0"/>
-        <a:buChar char="•"/>
-        <a:defRPr sz="1800" kern="1200">
+        <a:spcAft>
+          <a:spcPts val="300"/>
+        </a:spcAft>
+        <a:buClr>
+          <a:schemeClr val="accent1"/>
+        </a:buClr>
+        <a:buFont typeface="Wingdings 2" pitchFamily="18" charset="2"/>
+        <a:buChar char=""/>
+        <a:defRPr sz="1400" kern="1200">
           <a:solidFill>
-            <a:schemeClr val="tx1"/>
+            <a:schemeClr val="tx1">
+              <a:lumMod val="85000"/>
+              <a:lumOff val="15000"/>
+            </a:schemeClr>
           </a:solidFill>
           <a:latin typeface="+mn-lt"/>
           <a:ea typeface="+mn-ea"/>
@@ -3043,8 +3537,12 @@
           </a:p>
           <a:p>
             <a:r>
+              <a:rPr lang="en-IN" dirty="0" err="1"/>
+              <a:t>M.Sc</a:t>
+            </a:r>
+            <a:r>
               <a:rPr lang="en-IN" dirty="0"/>
-              <a:t>MSc Part II</a:t>
+              <a:t> Part II</a:t>
             </a:r>
           </a:p>
           <a:p>
@@ -3059,6 +3557,299 @@
     <p:extLst>
       <p:ext uri="{BB962C8B-B14F-4D97-AF65-F5344CB8AC3E}">
         <p14:creationId xmlns:p14="http://schemas.microsoft.com/office/powerpoint/2010/main" val="991425717"/>
+      </p:ext>
+    </p:extLst>
+  </p:cSld>
+  <p:clrMapOvr>
+    <a:masterClrMapping/>
+  </p:clrMapOvr>
+</p:sld>
+</file>
+
+<file path=ppt/slides/slide10.xml><?xml version="1.0" encoding="utf-8"?>
+<p:sld xmlns:a="http://schemas.openxmlformats.org/drawingml/2006/main" xmlns:r="http://schemas.openxmlformats.org/officeDocument/2006/relationships" xmlns:p="http://schemas.openxmlformats.org/presentationml/2006/main">
+  <p:cSld>
+    <p:spTree>
+      <p:nvGrpSpPr>
+        <p:cNvPr id="1" name=""/>
+        <p:cNvGrpSpPr/>
+        <p:nvPr/>
+      </p:nvGrpSpPr>
+      <p:grpSpPr>
+        <a:xfrm>
+          <a:off x="0" y="0"/>
+          <a:ext cx="0" cy="0"/>
+          <a:chOff x="0" y="0"/>
+          <a:chExt cx="0" cy="0"/>
+        </a:xfrm>
+      </p:grpSpPr>
+      <p:sp>
+        <p:nvSpPr>
+          <p:cNvPr id="2" name="Title 1">
+            <a:extLst>
+              <a:ext uri="{FF2B5EF4-FFF2-40B4-BE49-F238E27FC236}">
+                <a16:creationId xmlns:a16="http://schemas.microsoft.com/office/drawing/2014/main" id="{DDB1C60E-B92D-4E4E-A489-9F7EA0ADAB47}"/>
+              </a:ext>
+            </a:extLst>
+          </p:cNvPr>
+          <p:cNvSpPr>
+            <a:spLocks noGrp="1"/>
+          </p:cNvSpPr>
+          <p:nvPr>
+            <p:ph type="title"/>
+          </p:nvPr>
+        </p:nvSpPr>
+        <p:spPr/>
+        <p:txBody>
+          <a:bodyPr/>
+          <a:lstStyle/>
+          <a:p>
+            <a:r>
+              <a:rPr lang="en-US" dirty="0"/>
+              <a:t>Ratio encoding</a:t>
+            </a:r>
+            <a:endParaRPr lang="en-IN" dirty="0"/>
+          </a:p>
+        </p:txBody>
+      </p:sp>
+      <p:sp>
+        <p:nvSpPr>
+          <p:cNvPr id="3" name="Content Placeholder 2">
+            <a:extLst>
+              <a:ext uri="{FF2B5EF4-FFF2-40B4-BE49-F238E27FC236}">
+                <a16:creationId xmlns:a16="http://schemas.microsoft.com/office/drawing/2014/main" id="{0294EDDC-8D7F-4B14-BFE2-70F10F9C2D09}"/>
+              </a:ext>
+            </a:extLst>
+          </p:cNvPr>
+          <p:cNvSpPr>
+            <a:spLocks noGrp="1"/>
+          </p:cNvSpPr>
+          <p:nvPr>
+            <p:ph idx="1"/>
+          </p:nvPr>
+        </p:nvSpPr>
+        <p:spPr/>
+        <p:txBody>
+          <a:bodyPr/>
+          <a:lstStyle/>
+          <a:p>
+            <a:endParaRPr lang="en-IN"/>
+          </a:p>
+        </p:txBody>
+      </p:sp>
+      <p:pic>
+        <p:nvPicPr>
+          <p:cNvPr id="5" name="Picture 4">
+            <a:extLst>
+              <a:ext uri="{FF2B5EF4-FFF2-40B4-BE49-F238E27FC236}">
+                <a16:creationId xmlns:a16="http://schemas.microsoft.com/office/drawing/2014/main" id="{5F8FB642-F074-4AA8-92D1-323D05760FA3}"/>
+              </a:ext>
+            </a:extLst>
+          </p:cNvPr>
+          <p:cNvPicPr>
+            <a:picLocks noChangeAspect="1"/>
+          </p:cNvPicPr>
+          <p:nvPr/>
+        </p:nvPicPr>
+        <p:blipFill>
+          <a:blip r:embed="rId2"/>
+          <a:stretch>
+            <a:fillRect/>
+          </a:stretch>
+        </p:blipFill>
+        <p:spPr>
+          <a:xfrm>
+            <a:off x="1365393" y="1946781"/>
+            <a:ext cx="8388317" cy="4233356"/>
+          </a:xfrm>
+          <a:prstGeom prst="rect">
+            <a:avLst/>
+          </a:prstGeom>
+        </p:spPr>
+      </p:pic>
+    </p:spTree>
+    <p:extLst>
+      <p:ext uri="{BB962C8B-B14F-4D97-AF65-F5344CB8AC3E}">
+        <p14:creationId xmlns:p14="http://schemas.microsoft.com/office/powerpoint/2010/main" val="2348101888"/>
+      </p:ext>
+    </p:extLst>
+  </p:cSld>
+  <p:clrMapOvr>
+    <a:masterClrMapping/>
+  </p:clrMapOvr>
+</p:sld>
+</file>
+
+<file path=ppt/slides/slide11.xml><?xml version="1.0" encoding="utf-8"?>
+<p:sld xmlns:a="http://schemas.openxmlformats.org/drawingml/2006/main" xmlns:r="http://schemas.openxmlformats.org/officeDocument/2006/relationships" xmlns:p="http://schemas.openxmlformats.org/presentationml/2006/main">
+  <p:cSld>
+    <p:spTree>
+      <p:nvGrpSpPr>
+        <p:cNvPr id="1" name=""/>
+        <p:cNvGrpSpPr/>
+        <p:nvPr/>
+      </p:nvGrpSpPr>
+      <p:grpSpPr>
+        <a:xfrm>
+          <a:off x="0" y="0"/>
+          <a:ext cx="0" cy="0"/>
+          <a:chOff x="0" y="0"/>
+          <a:chExt cx="0" cy="0"/>
+        </a:xfrm>
+      </p:grpSpPr>
+      <p:sp>
+        <p:nvSpPr>
+          <p:cNvPr id="2" name="Title 1">
+            <a:extLst>
+              <a:ext uri="{FF2B5EF4-FFF2-40B4-BE49-F238E27FC236}">
+                <a16:creationId xmlns:a16="http://schemas.microsoft.com/office/drawing/2014/main" id="{29954491-E9D0-48C1-B1D0-B9FC08DC4309}"/>
+              </a:ext>
+            </a:extLst>
+          </p:cNvPr>
+          <p:cNvSpPr>
+            <a:spLocks noGrp="1"/>
+          </p:cNvSpPr>
+          <p:nvPr>
+            <p:ph type="title"/>
+          </p:nvPr>
+        </p:nvSpPr>
+        <p:spPr/>
+        <p:txBody>
+          <a:bodyPr/>
+          <a:lstStyle/>
+          <a:p>
+            <a:r>
+              <a:rPr lang="en-US" dirty="0"/>
+              <a:t>Ratio encoding</a:t>
+            </a:r>
+            <a:endParaRPr lang="en-IN" dirty="0"/>
+          </a:p>
+        </p:txBody>
+      </p:sp>
+      <p:sp>
+        <p:nvSpPr>
+          <p:cNvPr id="3" name="Content Placeholder 2">
+            <a:extLst>
+              <a:ext uri="{FF2B5EF4-FFF2-40B4-BE49-F238E27FC236}">
+                <a16:creationId xmlns:a16="http://schemas.microsoft.com/office/drawing/2014/main" id="{08F3800A-ECD0-4AF9-A407-EEC7EF998C21}"/>
+              </a:ext>
+            </a:extLst>
+          </p:cNvPr>
+          <p:cNvSpPr>
+            <a:spLocks noGrp="1"/>
+          </p:cNvSpPr>
+          <p:nvPr>
+            <p:ph idx="1"/>
+          </p:nvPr>
+        </p:nvSpPr>
+        <p:spPr/>
+        <p:txBody>
+          <a:bodyPr/>
+          <a:lstStyle/>
+          <a:p>
+            <a:endParaRPr lang="en-IN"/>
+          </a:p>
+        </p:txBody>
+      </p:sp>
+      <p:pic>
+        <p:nvPicPr>
+          <p:cNvPr id="5" name="Picture 4">
+            <a:extLst>
+              <a:ext uri="{FF2B5EF4-FFF2-40B4-BE49-F238E27FC236}">
+                <a16:creationId xmlns:a16="http://schemas.microsoft.com/office/drawing/2014/main" id="{2E13A65F-E0CE-4AA8-8E3D-7513FEB7CBF2}"/>
+              </a:ext>
+            </a:extLst>
+          </p:cNvPr>
+          <p:cNvPicPr>
+            <a:picLocks noChangeAspect="1"/>
+          </p:cNvPicPr>
+          <p:nvPr/>
+        </p:nvPicPr>
+        <p:blipFill>
+          <a:blip r:embed="rId2"/>
+          <a:stretch>
+            <a:fillRect/>
+          </a:stretch>
+        </p:blipFill>
+        <p:spPr>
+          <a:xfrm>
+            <a:off x="2786297" y="1760762"/>
+            <a:ext cx="5663435" cy="4731478"/>
+          </a:xfrm>
+          <a:prstGeom prst="rect">
+            <a:avLst/>
+          </a:prstGeom>
+        </p:spPr>
+      </p:pic>
+    </p:spTree>
+    <p:extLst>
+      <p:ext uri="{BB962C8B-B14F-4D97-AF65-F5344CB8AC3E}">
+        <p14:creationId xmlns:p14="http://schemas.microsoft.com/office/powerpoint/2010/main" val="1082577629"/>
+      </p:ext>
+    </p:extLst>
+  </p:cSld>
+  <p:clrMapOvr>
+    <a:masterClrMapping/>
+  </p:clrMapOvr>
+</p:sld>
+</file>
+
+<file path=ppt/slides/slide12.xml><?xml version="1.0" encoding="utf-8"?>
+<p:sld xmlns:a="http://schemas.openxmlformats.org/drawingml/2006/main" xmlns:r="http://schemas.openxmlformats.org/officeDocument/2006/relationships" xmlns:p="http://schemas.openxmlformats.org/presentationml/2006/main">
+  <p:cSld>
+    <p:spTree>
+      <p:nvGrpSpPr>
+        <p:cNvPr id="1" name=""/>
+        <p:cNvGrpSpPr/>
+        <p:nvPr/>
+      </p:nvGrpSpPr>
+      <p:grpSpPr>
+        <a:xfrm>
+          <a:off x="0" y="0"/>
+          <a:ext cx="0" cy="0"/>
+          <a:chOff x="0" y="0"/>
+          <a:chExt cx="0" cy="0"/>
+        </a:xfrm>
+      </p:grpSpPr>
+      <p:sp>
+        <p:nvSpPr>
+          <p:cNvPr id="2" name="Title 1">
+            <a:extLst>
+              <a:ext uri="{FF2B5EF4-FFF2-40B4-BE49-F238E27FC236}">
+                <a16:creationId xmlns:a16="http://schemas.microsoft.com/office/drawing/2014/main" id="{EBDCBC47-D9A6-4346-B291-ACC82F0D05BC}"/>
+              </a:ext>
+            </a:extLst>
+          </p:cNvPr>
+          <p:cNvSpPr>
+            <a:spLocks noGrp="1"/>
+          </p:cNvSpPr>
+          <p:nvPr>
+            <p:ph type="title"/>
+          </p:nvPr>
+        </p:nvSpPr>
+        <p:spPr>
+          <a:xfrm>
+            <a:off x="736939" y="2448560"/>
+            <a:ext cx="9692640" cy="1325562"/>
+          </a:xfrm>
+        </p:spPr>
+        <p:txBody>
+          <a:bodyPr/>
+          <a:lstStyle/>
+          <a:p>
+            <a:pPr algn="ctr"/>
+            <a:r>
+              <a:rPr lang="en-US" dirty="0"/>
+              <a:t>Thank you</a:t>
+            </a:r>
+            <a:endParaRPr lang="en-IN" dirty="0"/>
+          </a:p>
+        </p:txBody>
+      </p:sp>
+    </p:spTree>
+    <p:extLst>
+      <p:ext uri="{BB962C8B-B14F-4D97-AF65-F5344CB8AC3E}">
+        <p14:creationId xmlns:p14="http://schemas.microsoft.com/office/powerpoint/2010/main" val="1948045851"/>
       </p:ext>
     </p:extLst>
   </p:cSld>
@@ -3090,7 +3881,7 @@
           <p:cNvPr id="2" name="Title 1">
             <a:extLst>
               <a:ext uri="{FF2B5EF4-FFF2-40B4-BE49-F238E27FC236}">
-                <a16:creationId xmlns:a16="http://schemas.microsoft.com/office/drawing/2014/main" id="{29F0EAA3-27D8-466E-82B5-8DF3C2D10D28}"/>
+                <a16:creationId xmlns:a16="http://schemas.microsoft.com/office/drawing/2014/main" id="{AC3044C0-913E-424A-9D15-CDB53A87F9D5}"/>
               </a:ext>
             </a:extLst>
           </p:cNvPr>
@@ -3107,41 +3898,142 @@
           <a:lstStyle/>
           <a:p>
             <a:r>
+              <a:rPr lang="en-US" dirty="0"/>
+              <a:t>C</a:t>
+            </a:r>
+            <a:r>
+              <a:rPr lang="en-IN" dirty="0" err="1"/>
+              <a:t>ombinatorial</a:t>
+            </a:r>
+            <a:r>
               <a:rPr lang="en-IN" dirty="0"/>
-              <a:t>Contents</a:t>
-            </a:r>
-          </a:p>
-        </p:txBody>
-      </p:sp>
-      <p:sp>
-        <p:nvSpPr>
-          <p:cNvPr id="3" name="Content Placeholder 2">
-            <a:extLst>
-              <a:ext uri="{FF2B5EF4-FFF2-40B4-BE49-F238E27FC236}">
-                <a16:creationId xmlns:a16="http://schemas.microsoft.com/office/drawing/2014/main" id="{403854D4-E8AC-4971-900D-BDBC4287D96B}"/>
-              </a:ext>
-            </a:extLst>
-          </p:cNvPr>
-          <p:cNvSpPr>
-            <a:spLocks noGrp="1"/>
+              <a:t> Chemistry</a:t>
+            </a:r>
+          </a:p>
+        </p:txBody>
+      </p:sp>
+      <p:sp>
+        <p:nvSpPr>
+          <p:cNvPr id="6" name="AutoShape 6" descr="See the source image">
+            <a:extLst>
+              <a:ext uri="{FF2B5EF4-FFF2-40B4-BE49-F238E27FC236}">
+                <a16:creationId xmlns:a16="http://schemas.microsoft.com/office/drawing/2014/main" id="{0091D15E-3F7D-4654-8CBA-5F8ECB9EE410}"/>
+              </a:ext>
+            </a:extLst>
+          </p:cNvPr>
+          <p:cNvSpPr>
+            <a:spLocks noChangeAspect="1" noChangeArrowheads="1"/>
+          </p:cNvSpPr>
+          <p:nvPr/>
+        </p:nvSpPr>
+        <p:spPr bwMode="auto">
+          <a:xfrm>
+            <a:off x="5943600" y="3276600"/>
+            <a:ext cx="304800" cy="304800"/>
+          </a:xfrm>
+          <a:prstGeom prst="rect">
+            <a:avLst/>
+          </a:prstGeom>
+          <a:noFill/>
+          <a:extLst>
+            <a:ext uri="{909E8E84-426E-40DD-AFC4-6F175D3DCCD1}">
+              <a14:hiddenFill xmlns:a14="http://schemas.microsoft.com/office/drawing/2010/main">
+                <a:solidFill>
+                  <a:srgbClr val="FFFFFF"/>
+                </a:solidFill>
+              </a14:hiddenFill>
+            </a:ext>
+          </a:extLst>
+        </p:spPr>
+        <p:txBody>
+          <a:bodyPr vert="horz" wrap="square" lIns="91440" tIns="45720" rIns="91440" bIns="45720" numCol="1" anchor="t" anchorCtr="0" compatLnSpc="1">
+            <a:prstTxWarp prst="textNoShape">
+              <a:avLst/>
+            </a:prstTxWarp>
+          </a:bodyPr>
+          <a:lstStyle/>
+          <a:p>
+            <a:endParaRPr lang="en-IN"/>
+          </a:p>
+        </p:txBody>
+      </p:sp>
+      <p:sp>
+        <p:nvSpPr>
+          <p:cNvPr id="8" name="AutoShape 10" descr="See the source image">
+            <a:extLst>
+              <a:ext uri="{FF2B5EF4-FFF2-40B4-BE49-F238E27FC236}">
+                <a16:creationId xmlns:a16="http://schemas.microsoft.com/office/drawing/2014/main" id="{E8961102-1668-4974-9FAB-B28D80AEECA2}"/>
+              </a:ext>
+            </a:extLst>
+          </p:cNvPr>
+          <p:cNvSpPr>
+            <a:spLocks noGrp="1" noChangeAspect="1" noChangeArrowheads="1"/>
           </p:cNvSpPr>
           <p:nvPr>
             <p:ph idx="1"/>
           </p:nvPr>
         </p:nvSpPr>
-        <p:spPr/>
-        <p:txBody>
-          <a:bodyPr/>
+        <p:spPr bwMode="auto">
+          <a:prstGeom prst="rect">
+            <a:avLst/>
+          </a:prstGeom>
+          <a:noFill/>
+          <a:extLst>
+            <a:ext uri="{909E8E84-426E-40DD-AFC4-6F175D3DCCD1}">
+              <a14:hiddenFill xmlns:a14="http://schemas.microsoft.com/office/drawing/2010/main">
+                <a:solidFill>
+                  <a:srgbClr val="FFFFFF"/>
+                </a:solidFill>
+              </a14:hiddenFill>
+            </a:ext>
+          </a:extLst>
+        </p:spPr>
+        <p:txBody>
+          <a:bodyPr vert="horz" wrap="square" lIns="91440" tIns="45720" rIns="91440" bIns="45720" numCol="1" anchor="t" anchorCtr="0" compatLnSpc="1">
+            <a:prstTxWarp prst="textNoShape">
+              <a:avLst/>
+            </a:prstTxWarp>
+          </a:bodyPr>
           <a:lstStyle/>
           <a:p>
             <a:endParaRPr lang="en-IN" dirty="0"/>
           </a:p>
         </p:txBody>
       </p:sp>
+      <p:pic>
+        <p:nvPicPr>
+          <p:cNvPr id="10" name="Picture 9">
+            <a:extLst>
+              <a:ext uri="{FF2B5EF4-FFF2-40B4-BE49-F238E27FC236}">
+                <a16:creationId xmlns:a16="http://schemas.microsoft.com/office/drawing/2014/main" id="{CC2BC32D-8563-4655-B3BA-DCB80F96D4F4}"/>
+              </a:ext>
+            </a:extLst>
+          </p:cNvPr>
+          <p:cNvPicPr>
+            <a:picLocks noChangeAspect="1"/>
+          </p:cNvPicPr>
+          <p:nvPr/>
+        </p:nvPicPr>
+        <p:blipFill>
+          <a:blip r:embed="rId2"/>
+          <a:stretch>
+            <a:fillRect/>
+          </a:stretch>
+        </p:blipFill>
+        <p:spPr>
+          <a:xfrm>
+            <a:off x="804315" y="1828800"/>
+            <a:ext cx="9617382" cy="4487333"/>
+          </a:xfrm>
+          <a:prstGeom prst="rect">
+            <a:avLst/>
+          </a:prstGeom>
+        </p:spPr>
+      </p:pic>
     </p:spTree>
     <p:extLst>
       <p:ext uri="{BB962C8B-B14F-4D97-AF65-F5344CB8AC3E}">
-        <p14:creationId xmlns:p14="http://schemas.microsoft.com/office/powerpoint/2010/main" val="2270774799"/>
+        <p14:creationId xmlns:p14="http://schemas.microsoft.com/office/powerpoint/2010/main" val="3673438038"/>
       </p:ext>
     </p:extLst>
   </p:cSld>
@@ -3170,10 +4062,62 @@
       </p:grpSpPr>
       <p:sp>
         <p:nvSpPr>
+          <p:cNvPr id="44" name="Rectangle: Rounded Corners 43">
+            <a:extLst>
+              <a:ext uri="{FF2B5EF4-FFF2-40B4-BE49-F238E27FC236}">
+                <a16:creationId xmlns:a16="http://schemas.microsoft.com/office/drawing/2014/main" id="{8D59AA54-BC0F-46C9-BD9F-7254DCD125A2}"/>
+              </a:ext>
+            </a:extLst>
+          </p:cNvPr>
+          <p:cNvSpPr/>
+          <p:nvPr/>
+        </p:nvSpPr>
+        <p:spPr>
+          <a:xfrm>
+            <a:off x="2712127" y="3766492"/>
+            <a:ext cx="1430867" cy="1263072"/>
+          </a:xfrm>
+          <a:prstGeom prst="roundRect">
+            <a:avLst/>
+          </a:prstGeom>
+          <a:solidFill>
+            <a:schemeClr val="accent2">
+              <a:lumMod val="40000"/>
+              <a:lumOff val="60000"/>
+            </a:schemeClr>
+          </a:solidFill>
+        </p:spPr>
+        <p:style>
+          <a:lnRef idx="2">
+            <a:schemeClr val="accent1">
+              <a:shade val="50000"/>
+            </a:schemeClr>
+          </a:lnRef>
+          <a:fillRef idx="1">
+            <a:schemeClr val="accent1"/>
+          </a:fillRef>
+          <a:effectRef idx="0">
+            <a:schemeClr val="accent1"/>
+          </a:effectRef>
+          <a:fontRef idx="minor">
+            <a:schemeClr val="lt1"/>
+          </a:fontRef>
+        </p:style>
+        <p:txBody>
+          <a:bodyPr rtlCol="0" anchor="ctr"/>
+          <a:lstStyle/>
+          <a:p>
+            <a:pPr algn="ctr"/>
+            <a:endParaRPr lang="en-IN"/>
+          </a:p>
+        </p:txBody>
+      </p:sp>
+      <p:sp>
+        <p:nvSpPr>
           <p:cNvPr id="2" name="Title 1">
             <a:extLst>
               <a:ext uri="{FF2B5EF4-FFF2-40B4-BE49-F238E27FC236}">
-                <a16:creationId xmlns:a16="http://schemas.microsoft.com/office/drawing/2014/main" id="{AC3044C0-913E-424A-9D15-CDB53A87F9D5}"/>
+                <a16:creationId xmlns:a16="http://schemas.microsoft.com/office/drawing/2014/main" id="{829EC3DC-3DF1-467F-8C1F-B7E6CDDEA245}"/>
               </a:ext>
             </a:extLst>
           </p:cNvPr>
@@ -3190,54 +4134,3700 @@
           <a:lstStyle/>
           <a:p>
             <a:r>
-              <a:rPr lang="en-IN" dirty="0"/>
-              <a:t>Introduction</a:t>
-            </a:r>
-          </a:p>
-        </p:txBody>
-      </p:sp>
-      <p:sp>
-        <p:nvSpPr>
-          <p:cNvPr id="3" name="Content Placeholder 2">
-            <a:extLst>
-              <a:ext uri="{FF2B5EF4-FFF2-40B4-BE49-F238E27FC236}">
-                <a16:creationId xmlns:a16="http://schemas.microsoft.com/office/drawing/2014/main" id="{B65EE445-0C70-485A-9402-67B27883084F}"/>
-              </a:ext>
-            </a:extLst>
-          </p:cNvPr>
-          <p:cNvSpPr>
-            <a:spLocks noGrp="1"/>
-          </p:cNvSpPr>
-          <p:nvPr>
-            <p:ph idx="1"/>
-          </p:nvPr>
-        </p:nvSpPr>
-        <p:spPr/>
-        <p:txBody>
-          <a:bodyPr/>
-          <a:lstStyle/>
-          <a:p>
-            <a:r>
-              <a:rPr lang="en-IN" dirty="0"/>
-              <a:t>Part of combinatorial chemistry</a:t>
-            </a:r>
-          </a:p>
-          <a:p>
-            <a:r>
-              <a:rPr lang="en-IN"/>
-              <a:t>Coding Strategy</a:t>
+              <a:rPr lang="en-US" dirty="0"/>
+              <a:t>What is combinatorial chemistry</a:t>
             </a:r>
             <a:endParaRPr lang="en-IN" dirty="0"/>
           </a:p>
-          <a:p>
+        </p:txBody>
+      </p:sp>
+      <p:sp>
+        <p:nvSpPr>
+          <p:cNvPr id="4" name="Rectangle 3">
+            <a:extLst>
+              <a:ext uri="{FF2B5EF4-FFF2-40B4-BE49-F238E27FC236}">
+                <a16:creationId xmlns:a16="http://schemas.microsoft.com/office/drawing/2014/main" id="{E4115358-5FDE-49BF-9662-B1344F63894D}"/>
+              </a:ext>
+            </a:extLst>
+          </p:cNvPr>
+          <p:cNvSpPr/>
+          <p:nvPr/>
+        </p:nvSpPr>
+        <p:spPr>
+          <a:xfrm>
+            <a:off x="615698" y="2487132"/>
+            <a:ext cx="1778000" cy="880533"/>
+          </a:xfrm>
+          <a:prstGeom prst="rect">
+            <a:avLst/>
+          </a:prstGeom>
+        </p:spPr>
+        <p:style>
+          <a:lnRef idx="2">
+            <a:schemeClr val="accent1">
+              <a:shade val="50000"/>
+            </a:schemeClr>
+          </a:lnRef>
+          <a:fillRef idx="1">
+            <a:schemeClr val="accent1"/>
+          </a:fillRef>
+          <a:effectRef idx="0">
+            <a:schemeClr val="accent1"/>
+          </a:effectRef>
+          <a:fontRef idx="minor">
+            <a:schemeClr val="lt1"/>
+          </a:fontRef>
+        </p:style>
+        <p:txBody>
+          <a:bodyPr rtlCol="0" anchor="ctr"/>
+          <a:lstStyle/>
+          <a:p>
+            <a:pPr algn="ctr"/>
+            <a:r>
+              <a:rPr lang="en-US" dirty="0"/>
+              <a:t>Large Pool</a:t>
+            </a:r>
             <a:endParaRPr lang="en-IN" dirty="0"/>
+          </a:p>
+        </p:txBody>
+      </p:sp>
+      <p:sp>
+        <p:nvSpPr>
+          <p:cNvPr id="5" name="Rectangle 4">
+            <a:extLst>
+              <a:ext uri="{FF2B5EF4-FFF2-40B4-BE49-F238E27FC236}">
+                <a16:creationId xmlns:a16="http://schemas.microsoft.com/office/drawing/2014/main" id="{75994C75-C340-4EC8-B3EB-9B58CD380579}"/>
+              </a:ext>
+            </a:extLst>
+          </p:cNvPr>
+          <p:cNvSpPr/>
+          <p:nvPr/>
+        </p:nvSpPr>
+        <p:spPr>
+          <a:xfrm>
+            <a:off x="3005663" y="2470200"/>
+            <a:ext cx="1778000" cy="457200"/>
+          </a:xfrm>
+          <a:prstGeom prst="rect">
+            <a:avLst/>
+          </a:prstGeom>
+        </p:spPr>
+        <p:style>
+          <a:lnRef idx="2">
+            <a:schemeClr val="accent1">
+              <a:shade val="50000"/>
+            </a:schemeClr>
+          </a:lnRef>
+          <a:fillRef idx="1">
+            <a:schemeClr val="accent1"/>
+          </a:fillRef>
+          <a:effectRef idx="0">
+            <a:schemeClr val="accent1"/>
+          </a:effectRef>
+          <a:fontRef idx="minor">
+            <a:schemeClr val="lt1"/>
+          </a:fontRef>
+        </p:style>
+        <p:txBody>
+          <a:bodyPr rtlCol="0" anchor="ctr"/>
+          <a:lstStyle/>
+          <a:p>
+            <a:pPr algn="ctr"/>
+            <a:r>
+              <a:rPr lang="en-US" dirty="0"/>
+              <a:t>Pool 1</a:t>
+            </a:r>
+            <a:endParaRPr lang="en-IN" dirty="0"/>
+          </a:p>
+        </p:txBody>
+      </p:sp>
+      <p:sp>
+        <p:nvSpPr>
+          <p:cNvPr id="6" name="Rectangle 5">
+            <a:extLst>
+              <a:ext uri="{FF2B5EF4-FFF2-40B4-BE49-F238E27FC236}">
+                <a16:creationId xmlns:a16="http://schemas.microsoft.com/office/drawing/2014/main" id="{10982734-796B-45AA-9A48-C376E4E2A2D1}"/>
+              </a:ext>
+            </a:extLst>
+          </p:cNvPr>
+          <p:cNvSpPr/>
+          <p:nvPr/>
+        </p:nvSpPr>
+        <p:spPr>
+          <a:xfrm>
+            <a:off x="3005663" y="2910465"/>
+            <a:ext cx="1778000" cy="457200"/>
+          </a:xfrm>
+          <a:prstGeom prst="rect">
+            <a:avLst/>
+          </a:prstGeom>
+        </p:spPr>
+        <p:style>
+          <a:lnRef idx="2">
+            <a:schemeClr val="accent1">
+              <a:shade val="50000"/>
+            </a:schemeClr>
+          </a:lnRef>
+          <a:fillRef idx="1">
+            <a:schemeClr val="accent1"/>
+          </a:fillRef>
+          <a:effectRef idx="0">
+            <a:schemeClr val="accent1"/>
+          </a:effectRef>
+          <a:fontRef idx="minor">
+            <a:schemeClr val="lt1"/>
+          </a:fontRef>
+        </p:style>
+        <p:txBody>
+          <a:bodyPr rtlCol="0" anchor="ctr"/>
+          <a:lstStyle/>
+          <a:p>
+            <a:pPr algn="ctr"/>
+            <a:r>
+              <a:rPr lang="en-US" dirty="0"/>
+              <a:t>Pool 2</a:t>
+            </a:r>
+            <a:endParaRPr lang="en-IN" dirty="0"/>
+          </a:p>
+        </p:txBody>
+      </p:sp>
+      <p:sp>
+        <p:nvSpPr>
+          <p:cNvPr id="7" name="Rectangle 6">
+            <a:extLst>
+              <a:ext uri="{FF2B5EF4-FFF2-40B4-BE49-F238E27FC236}">
+                <a16:creationId xmlns:a16="http://schemas.microsoft.com/office/drawing/2014/main" id="{B59CFCF1-6818-486D-B380-4020458DC909}"/>
+              </a:ext>
+            </a:extLst>
+          </p:cNvPr>
+          <p:cNvSpPr/>
+          <p:nvPr/>
+        </p:nvSpPr>
+        <p:spPr>
+          <a:xfrm>
+            <a:off x="5393262" y="2439556"/>
+            <a:ext cx="1778000" cy="211667"/>
+          </a:xfrm>
+          <a:prstGeom prst="rect">
+            <a:avLst/>
+          </a:prstGeom>
+        </p:spPr>
+        <p:style>
+          <a:lnRef idx="2">
+            <a:schemeClr val="accent1">
+              <a:shade val="50000"/>
+            </a:schemeClr>
+          </a:lnRef>
+          <a:fillRef idx="1">
+            <a:schemeClr val="accent1"/>
+          </a:fillRef>
+          <a:effectRef idx="0">
+            <a:schemeClr val="accent1"/>
+          </a:effectRef>
+          <a:fontRef idx="minor">
+            <a:schemeClr val="lt1"/>
+          </a:fontRef>
+        </p:style>
+        <p:txBody>
+          <a:bodyPr rtlCol="0" anchor="ctr"/>
+          <a:lstStyle/>
+          <a:p>
+            <a:pPr algn="ctr"/>
+            <a:r>
+              <a:rPr lang="en-US" dirty="0"/>
+              <a:t>Pool 1</a:t>
+            </a:r>
+            <a:endParaRPr lang="en-IN" dirty="0"/>
+          </a:p>
+        </p:txBody>
+      </p:sp>
+      <p:sp>
+        <p:nvSpPr>
+          <p:cNvPr id="8" name="Rectangle 7">
+            <a:extLst>
+              <a:ext uri="{FF2B5EF4-FFF2-40B4-BE49-F238E27FC236}">
+                <a16:creationId xmlns:a16="http://schemas.microsoft.com/office/drawing/2014/main" id="{6193647F-DA8D-4A14-AE41-45D131227F5E}"/>
+              </a:ext>
+            </a:extLst>
+          </p:cNvPr>
+          <p:cNvSpPr/>
+          <p:nvPr/>
+        </p:nvSpPr>
+        <p:spPr>
+          <a:xfrm>
+            <a:off x="5393262" y="2651224"/>
+            <a:ext cx="1778000" cy="245534"/>
+          </a:xfrm>
+          <a:prstGeom prst="rect">
+            <a:avLst/>
+          </a:prstGeom>
+        </p:spPr>
+        <p:style>
+          <a:lnRef idx="2">
+            <a:schemeClr val="accent1">
+              <a:shade val="50000"/>
+            </a:schemeClr>
+          </a:lnRef>
+          <a:fillRef idx="1">
+            <a:schemeClr val="accent1"/>
+          </a:fillRef>
+          <a:effectRef idx="0">
+            <a:schemeClr val="accent1"/>
+          </a:effectRef>
+          <a:fontRef idx="minor">
+            <a:schemeClr val="lt1"/>
+          </a:fontRef>
+        </p:style>
+        <p:txBody>
+          <a:bodyPr rtlCol="0" anchor="ctr"/>
+          <a:lstStyle/>
+          <a:p>
+            <a:pPr algn="ctr"/>
+            <a:r>
+              <a:rPr lang="en-US" dirty="0"/>
+              <a:t>Pool 2</a:t>
+            </a:r>
+            <a:endParaRPr lang="en-IN" dirty="0"/>
+          </a:p>
+        </p:txBody>
+      </p:sp>
+      <p:sp>
+        <p:nvSpPr>
+          <p:cNvPr id="9" name="Rectangle 8">
+            <a:extLst>
+              <a:ext uri="{FF2B5EF4-FFF2-40B4-BE49-F238E27FC236}">
+                <a16:creationId xmlns:a16="http://schemas.microsoft.com/office/drawing/2014/main" id="{62E9127D-2618-417D-B622-FF74B4B76261}"/>
+              </a:ext>
+            </a:extLst>
+          </p:cNvPr>
+          <p:cNvSpPr/>
+          <p:nvPr/>
+        </p:nvSpPr>
+        <p:spPr>
+          <a:xfrm>
+            <a:off x="5393262" y="3152560"/>
+            <a:ext cx="1778000" cy="184463"/>
+          </a:xfrm>
+          <a:prstGeom prst="rect">
+            <a:avLst/>
+          </a:prstGeom>
+        </p:spPr>
+        <p:style>
+          <a:lnRef idx="2">
+            <a:schemeClr val="accent1">
+              <a:shade val="50000"/>
+            </a:schemeClr>
+          </a:lnRef>
+          <a:fillRef idx="1">
+            <a:schemeClr val="accent1"/>
+          </a:fillRef>
+          <a:effectRef idx="0">
+            <a:schemeClr val="accent1"/>
+          </a:effectRef>
+          <a:fontRef idx="minor">
+            <a:schemeClr val="lt1"/>
+          </a:fontRef>
+        </p:style>
+        <p:txBody>
+          <a:bodyPr rtlCol="0" anchor="ctr"/>
+          <a:lstStyle/>
+          <a:p>
+            <a:pPr algn="ctr"/>
+            <a:r>
+              <a:rPr lang="en-US" dirty="0"/>
+              <a:t>Pool 3</a:t>
+            </a:r>
+            <a:endParaRPr lang="en-IN" dirty="0"/>
+          </a:p>
+        </p:txBody>
+      </p:sp>
+      <p:sp>
+        <p:nvSpPr>
+          <p:cNvPr id="10" name="Rectangle 9">
+            <a:extLst>
+              <a:ext uri="{FF2B5EF4-FFF2-40B4-BE49-F238E27FC236}">
+                <a16:creationId xmlns:a16="http://schemas.microsoft.com/office/drawing/2014/main" id="{46F87F22-688E-4DC5-80C9-C6A71FA6E066}"/>
+              </a:ext>
+            </a:extLst>
+          </p:cNvPr>
+          <p:cNvSpPr/>
+          <p:nvPr/>
+        </p:nvSpPr>
+        <p:spPr>
+          <a:xfrm>
+            <a:off x="5393262" y="2892315"/>
+            <a:ext cx="1778000" cy="245534"/>
+          </a:xfrm>
+          <a:prstGeom prst="rect">
+            <a:avLst/>
+          </a:prstGeom>
+        </p:spPr>
+        <p:style>
+          <a:lnRef idx="2">
+            <a:schemeClr val="accent1">
+              <a:shade val="50000"/>
+            </a:schemeClr>
+          </a:lnRef>
+          <a:fillRef idx="1">
+            <a:schemeClr val="accent1"/>
+          </a:fillRef>
+          <a:effectRef idx="0">
+            <a:schemeClr val="accent1"/>
+          </a:effectRef>
+          <a:fontRef idx="minor">
+            <a:schemeClr val="lt1"/>
+          </a:fontRef>
+        </p:style>
+        <p:txBody>
+          <a:bodyPr rtlCol="0" anchor="ctr"/>
+          <a:lstStyle/>
+          <a:p>
+            <a:pPr algn="ctr"/>
+            <a:r>
+              <a:rPr lang="en-US" dirty="0"/>
+              <a:t>Pool 4</a:t>
+            </a:r>
+            <a:endParaRPr lang="en-IN" dirty="0"/>
+          </a:p>
+        </p:txBody>
+      </p:sp>
+      <p:sp>
+        <p:nvSpPr>
+          <p:cNvPr id="11" name="Rectangle 10">
+            <a:extLst>
+              <a:ext uri="{FF2B5EF4-FFF2-40B4-BE49-F238E27FC236}">
+                <a16:creationId xmlns:a16="http://schemas.microsoft.com/office/drawing/2014/main" id="{E55E2721-5964-46E0-8FC7-67C3D32FB5C8}"/>
+              </a:ext>
+            </a:extLst>
+          </p:cNvPr>
+          <p:cNvSpPr/>
+          <p:nvPr/>
+        </p:nvSpPr>
+        <p:spPr>
+          <a:xfrm>
+            <a:off x="7780861" y="2432246"/>
+            <a:ext cx="2115652" cy="211667"/>
+          </a:xfrm>
+          <a:prstGeom prst="rect">
+            <a:avLst/>
+          </a:prstGeom>
+        </p:spPr>
+        <p:style>
+          <a:lnRef idx="2">
+            <a:schemeClr val="accent1">
+              <a:shade val="50000"/>
+            </a:schemeClr>
+          </a:lnRef>
+          <a:fillRef idx="1">
+            <a:schemeClr val="accent1"/>
+          </a:fillRef>
+          <a:effectRef idx="0">
+            <a:schemeClr val="accent1"/>
+          </a:effectRef>
+          <a:fontRef idx="minor">
+            <a:schemeClr val="lt1"/>
+          </a:fontRef>
+        </p:style>
+        <p:txBody>
+          <a:bodyPr rtlCol="0" anchor="ctr"/>
+          <a:lstStyle/>
+          <a:p>
+            <a:pPr algn="ctr"/>
+            <a:r>
+              <a:rPr lang="en-US" dirty="0"/>
+              <a:t>Active compound</a:t>
+            </a:r>
+            <a:endParaRPr lang="en-IN" dirty="0"/>
+          </a:p>
+        </p:txBody>
+      </p:sp>
+      <p:sp>
+        <p:nvSpPr>
+          <p:cNvPr id="15" name="Rectangle 14">
+            <a:extLst>
+              <a:ext uri="{FF2B5EF4-FFF2-40B4-BE49-F238E27FC236}">
+                <a16:creationId xmlns:a16="http://schemas.microsoft.com/office/drawing/2014/main" id="{CE536BB1-30D6-4B40-B02E-4C1516B02486}"/>
+              </a:ext>
+            </a:extLst>
+          </p:cNvPr>
+          <p:cNvSpPr/>
+          <p:nvPr/>
+        </p:nvSpPr>
+        <p:spPr>
+          <a:xfrm>
+            <a:off x="7780861" y="2656405"/>
+            <a:ext cx="2115652" cy="211667"/>
+          </a:xfrm>
+          <a:prstGeom prst="rect">
+            <a:avLst/>
+          </a:prstGeom>
+        </p:spPr>
+        <p:style>
+          <a:lnRef idx="2">
+            <a:schemeClr val="accent1">
+              <a:shade val="50000"/>
+            </a:schemeClr>
+          </a:lnRef>
+          <a:fillRef idx="1">
+            <a:schemeClr val="accent1"/>
+          </a:fillRef>
+          <a:effectRef idx="0">
+            <a:schemeClr val="accent1"/>
+          </a:effectRef>
+          <a:fontRef idx="minor">
+            <a:schemeClr val="lt1"/>
+          </a:fontRef>
+        </p:style>
+        <p:txBody>
+          <a:bodyPr rtlCol="0" anchor="ctr"/>
+          <a:lstStyle/>
+          <a:p>
+            <a:pPr algn="ctr"/>
+            <a:r>
+              <a:rPr lang="en-US" dirty="0"/>
+              <a:t>Active compound</a:t>
+            </a:r>
+            <a:endParaRPr lang="en-IN" dirty="0"/>
+          </a:p>
+        </p:txBody>
+      </p:sp>
+      <p:sp>
+        <p:nvSpPr>
+          <p:cNvPr id="16" name="Rectangle 15">
+            <a:extLst>
+              <a:ext uri="{FF2B5EF4-FFF2-40B4-BE49-F238E27FC236}">
+                <a16:creationId xmlns:a16="http://schemas.microsoft.com/office/drawing/2014/main" id="{A50E83A3-D535-454F-BBD1-F0E745009645}"/>
+              </a:ext>
+            </a:extLst>
+          </p:cNvPr>
+          <p:cNvSpPr/>
+          <p:nvPr/>
+        </p:nvSpPr>
+        <p:spPr>
+          <a:xfrm>
+            <a:off x="7780861" y="2857796"/>
+            <a:ext cx="2115652" cy="211667"/>
+          </a:xfrm>
+          <a:prstGeom prst="rect">
+            <a:avLst/>
+          </a:prstGeom>
+        </p:spPr>
+        <p:style>
+          <a:lnRef idx="2">
+            <a:schemeClr val="accent1">
+              <a:shade val="50000"/>
+            </a:schemeClr>
+          </a:lnRef>
+          <a:fillRef idx="1">
+            <a:schemeClr val="accent1"/>
+          </a:fillRef>
+          <a:effectRef idx="0">
+            <a:schemeClr val="accent1"/>
+          </a:effectRef>
+          <a:fontRef idx="minor">
+            <a:schemeClr val="lt1"/>
+          </a:fontRef>
+        </p:style>
+        <p:txBody>
+          <a:bodyPr rtlCol="0" anchor="ctr"/>
+          <a:lstStyle/>
+          <a:p>
+            <a:pPr algn="ctr"/>
+            <a:r>
+              <a:rPr lang="en-US" dirty="0"/>
+              <a:t>Active compound</a:t>
+            </a:r>
+            <a:endParaRPr lang="en-IN" dirty="0"/>
+          </a:p>
+        </p:txBody>
+      </p:sp>
+      <p:sp>
+        <p:nvSpPr>
+          <p:cNvPr id="17" name="Rectangle 16">
+            <a:extLst>
+              <a:ext uri="{FF2B5EF4-FFF2-40B4-BE49-F238E27FC236}">
+                <a16:creationId xmlns:a16="http://schemas.microsoft.com/office/drawing/2014/main" id="{2ED4D98D-56A8-4CBE-ADBB-ED868B52A1FC}"/>
+              </a:ext>
+            </a:extLst>
+          </p:cNvPr>
+          <p:cNvSpPr/>
+          <p:nvPr/>
+        </p:nvSpPr>
+        <p:spPr>
+          <a:xfrm>
+            <a:off x="7780861" y="3059187"/>
+            <a:ext cx="2115652" cy="211667"/>
+          </a:xfrm>
+          <a:prstGeom prst="rect">
+            <a:avLst/>
+          </a:prstGeom>
+        </p:spPr>
+        <p:style>
+          <a:lnRef idx="2">
+            <a:schemeClr val="accent1">
+              <a:shade val="50000"/>
+            </a:schemeClr>
+          </a:lnRef>
+          <a:fillRef idx="1">
+            <a:schemeClr val="accent1"/>
+          </a:fillRef>
+          <a:effectRef idx="0">
+            <a:schemeClr val="accent1"/>
+          </a:effectRef>
+          <a:fontRef idx="minor">
+            <a:schemeClr val="lt1"/>
+          </a:fontRef>
+        </p:style>
+        <p:txBody>
+          <a:bodyPr rtlCol="0" anchor="ctr"/>
+          <a:lstStyle/>
+          <a:p>
+            <a:pPr algn="ctr"/>
+            <a:r>
+              <a:rPr lang="en-US" dirty="0"/>
+              <a:t>Active compound</a:t>
+            </a:r>
+            <a:endParaRPr lang="en-IN" dirty="0"/>
+          </a:p>
+        </p:txBody>
+      </p:sp>
+      <p:sp>
+        <p:nvSpPr>
+          <p:cNvPr id="18" name="Arrow: Right 17">
+            <a:extLst>
+              <a:ext uri="{FF2B5EF4-FFF2-40B4-BE49-F238E27FC236}">
+                <a16:creationId xmlns:a16="http://schemas.microsoft.com/office/drawing/2014/main" id="{EDA63213-6E58-44D2-AA7E-9F2C623682AD}"/>
+              </a:ext>
+            </a:extLst>
+          </p:cNvPr>
+          <p:cNvSpPr/>
+          <p:nvPr/>
+        </p:nvSpPr>
+        <p:spPr>
+          <a:xfrm>
+            <a:off x="2396064" y="2801491"/>
+            <a:ext cx="609599" cy="306813"/>
+          </a:xfrm>
+          <a:prstGeom prst="rightArrow">
+            <a:avLst/>
+          </a:prstGeom>
+        </p:spPr>
+        <p:style>
+          <a:lnRef idx="2">
+            <a:schemeClr val="accent1">
+              <a:shade val="50000"/>
+            </a:schemeClr>
+          </a:lnRef>
+          <a:fillRef idx="1">
+            <a:schemeClr val="accent1"/>
+          </a:fillRef>
+          <a:effectRef idx="0">
+            <a:schemeClr val="accent1"/>
+          </a:effectRef>
+          <a:fontRef idx="minor">
+            <a:schemeClr val="lt1"/>
+          </a:fontRef>
+        </p:style>
+        <p:txBody>
+          <a:bodyPr rtlCol="0" anchor="ctr"/>
+          <a:lstStyle/>
+          <a:p>
+            <a:pPr algn="ctr"/>
+            <a:endParaRPr lang="en-IN"/>
+          </a:p>
+        </p:txBody>
+      </p:sp>
+      <p:sp>
+        <p:nvSpPr>
+          <p:cNvPr id="19" name="Arrow: Right 18">
+            <a:extLst>
+              <a:ext uri="{FF2B5EF4-FFF2-40B4-BE49-F238E27FC236}">
+                <a16:creationId xmlns:a16="http://schemas.microsoft.com/office/drawing/2014/main" id="{80816304-727E-4351-95F2-7B7A8117EBE6}"/>
+              </a:ext>
+            </a:extLst>
+          </p:cNvPr>
+          <p:cNvSpPr/>
+          <p:nvPr/>
+        </p:nvSpPr>
+        <p:spPr>
+          <a:xfrm>
+            <a:off x="4783663" y="2773991"/>
+            <a:ext cx="609599" cy="306813"/>
+          </a:xfrm>
+          <a:prstGeom prst="rightArrow">
+            <a:avLst/>
+          </a:prstGeom>
+        </p:spPr>
+        <p:style>
+          <a:lnRef idx="2">
+            <a:schemeClr val="accent1">
+              <a:shade val="50000"/>
+            </a:schemeClr>
+          </a:lnRef>
+          <a:fillRef idx="1">
+            <a:schemeClr val="accent1"/>
+          </a:fillRef>
+          <a:effectRef idx="0">
+            <a:schemeClr val="accent1"/>
+          </a:effectRef>
+          <a:fontRef idx="minor">
+            <a:schemeClr val="lt1"/>
+          </a:fontRef>
+        </p:style>
+        <p:txBody>
+          <a:bodyPr rtlCol="0" anchor="ctr"/>
+          <a:lstStyle/>
+          <a:p>
+            <a:pPr algn="ctr"/>
+            <a:endParaRPr lang="en-IN"/>
+          </a:p>
+        </p:txBody>
+      </p:sp>
+      <p:sp>
+        <p:nvSpPr>
+          <p:cNvPr id="20" name="Arrow: Right 19">
+            <a:extLst>
+              <a:ext uri="{FF2B5EF4-FFF2-40B4-BE49-F238E27FC236}">
+                <a16:creationId xmlns:a16="http://schemas.microsoft.com/office/drawing/2014/main" id="{0E557FE2-4873-4A99-928F-9127F86D92CA}"/>
+              </a:ext>
+            </a:extLst>
+          </p:cNvPr>
+          <p:cNvSpPr/>
+          <p:nvPr/>
+        </p:nvSpPr>
+        <p:spPr>
+          <a:xfrm>
+            <a:off x="7171262" y="2769547"/>
+            <a:ext cx="609599" cy="306813"/>
+          </a:xfrm>
+          <a:prstGeom prst="rightArrow">
+            <a:avLst/>
+          </a:prstGeom>
+        </p:spPr>
+        <p:style>
+          <a:lnRef idx="2">
+            <a:schemeClr val="accent1">
+              <a:shade val="50000"/>
+            </a:schemeClr>
+          </a:lnRef>
+          <a:fillRef idx="1">
+            <a:schemeClr val="accent1"/>
+          </a:fillRef>
+          <a:effectRef idx="0">
+            <a:schemeClr val="accent1"/>
+          </a:effectRef>
+          <a:fontRef idx="minor">
+            <a:schemeClr val="lt1"/>
+          </a:fontRef>
+        </p:style>
+        <p:txBody>
+          <a:bodyPr rtlCol="0" anchor="ctr"/>
+          <a:lstStyle/>
+          <a:p>
+            <a:pPr algn="ctr"/>
+            <a:endParaRPr lang="en-IN"/>
+          </a:p>
+        </p:txBody>
+      </p:sp>
+      <p:sp>
+        <p:nvSpPr>
+          <p:cNvPr id="21" name="Oval 20">
+            <a:extLst>
+              <a:ext uri="{FF2B5EF4-FFF2-40B4-BE49-F238E27FC236}">
+                <a16:creationId xmlns:a16="http://schemas.microsoft.com/office/drawing/2014/main" id="{06BF0B13-CB03-4757-B546-E3E05552FAA3}"/>
+              </a:ext>
+            </a:extLst>
+          </p:cNvPr>
+          <p:cNvSpPr/>
+          <p:nvPr/>
+        </p:nvSpPr>
+        <p:spPr>
+          <a:xfrm>
+            <a:off x="632801" y="4023833"/>
+            <a:ext cx="355939" cy="313267"/>
+          </a:xfrm>
+          <a:prstGeom prst="ellipse">
+            <a:avLst/>
+          </a:prstGeom>
+        </p:spPr>
+        <p:style>
+          <a:lnRef idx="2">
+            <a:schemeClr val="accent1">
+              <a:shade val="50000"/>
+            </a:schemeClr>
+          </a:lnRef>
+          <a:fillRef idx="1">
+            <a:schemeClr val="accent1"/>
+          </a:fillRef>
+          <a:effectRef idx="0">
+            <a:schemeClr val="accent1"/>
+          </a:effectRef>
+          <a:fontRef idx="minor">
+            <a:schemeClr val="lt1"/>
+          </a:fontRef>
+        </p:style>
+        <p:txBody>
+          <a:bodyPr rtlCol="0" anchor="ctr"/>
+          <a:lstStyle/>
+          <a:p>
+            <a:pPr algn="ctr"/>
+            <a:r>
+              <a:rPr lang="en-US" dirty="0"/>
+              <a:t>1</a:t>
+            </a:r>
+            <a:endParaRPr lang="en-IN" dirty="0"/>
+          </a:p>
+        </p:txBody>
+      </p:sp>
+      <p:sp>
+        <p:nvSpPr>
+          <p:cNvPr id="22" name="Oval 21">
+            <a:extLst>
+              <a:ext uri="{FF2B5EF4-FFF2-40B4-BE49-F238E27FC236}">
+                <a16:creationId xmlns:a16="http://schemas.microsoft.com/office/drawing/2014/main" id="{94AE06B4-67E3-4B5B-B42E-20A2267A59ED}"/>
+              </a:ext>
+            </a:extLst>
+          </p:cNvPr>
+          <p:cNvSpPr/>
+          <p:nvPr/>
+        </p:nvSpPr>
+        <p:spPr>
+          <a:xfrm>
+            <a:off x="988740" y="4015366"/>
+            <a:ext cx="355939" cy="313267"/>
+          </a:xfrm>
+          <a:prstGeom prst="ellipse">
+            <a:avLst/>
+          </a:prstGeom>
+        </p:spPr>
+        <p:style>
+          <a:lnRef idx="2">
+            <a:schemeClr val="accent1">
+              <a:shade val="50000"/>
+            </a:schemeClr>
+          </a:lnRef>
+          <a:fillRef idx="1">
+            <a:schemeClr val="accent1"/>
+          </a:fillRef>
+          <a:effectRef idx="0">
+            <a:schemeClr val="accent1"/>
+          </a:effectRef>
+          <a:fontRef idx="minor">
+            <a:schemeClr val="lt1"/>
+          </a:fontRef>
+        </p:style>
+        <p:txBody>
+          <a:bodyPr rtlCol="0" anchor="ctr"/>
+          <a:lstStyle/>
+          <a:p>
+            <a:pPr algn="ctr"/>
+            <a:r>
+              <a:rPr lang="en-US" dirty="0"/>
+              <a:t>2</a:t>
+            </a:r>
+            <a:endParaRPr lang="en-IN" dirty="0"/>
+          </a:p>
+        </p:txBody>
+      </p:sp>
+      <p:sp>
+        <p:nvSpPr>
+          <p:cNvPr id="23" name="Oval 22">
+            <a:extLst>
+              <a:ext uri="{FF2B5EF4-FFF2-40B4-BE49-F238E27FC236}">
+                <a16:creationId xmlns:a16="http://schemas.microsoft.com/office/drawing/2014/main" id="{4E4EB010-1DBF-4EC0-BD66-DB5610325D46}"/>
+              </a:ext>
+            </a:extLst>
+          </p:cNvPr>
+          <p:cNvSpPr/>
+          <p:nvPr/>
+        </p:nvSpPr>
+        <p:spPr>
+          <a:xfrm>
+            <a:off x="1344679" y="4023833"/>
+            <a:ext cx="355939" cy="313267"/>
+          </a:xfrm>
+          <a:prstGeom prst="ellipse">
+            <a:avLst/>
+          </a:prstGeom>
+        </p:spPr>
+        <p:style>
+          <a:lnRef idx="2">
+            <a:schemeClr val="accent1">
+              <a:shade val="50000"/>
+            </a:schemeClr>
+          </a:lnRef>
+          <a:fillRef idx="1">
+            <a:schemeClr val="accent1"/>
+          </a:fillRef>
+          <a:effectRef idx="0">
+            <a:schemeClr val="accent1"/>
+          </a:effectRef>
+          <a:fontRef idx="minor">
+            <a:schemeClr val="lt1"/>
+          </a:fontRef>
+        </p:style>
+        <p:txBody>
+          <a:bodyPr rtlCol="0" anchor="ctr"/>
+          <a:lstStyle/>
+          <a:p>
+            <a:pPr algn="ctr"/>
+            <a:r>
+              <a:rPr lang="en-US" dirty="0"/>
+              <a:t>3</a:t>
+            </a:r>
+            <a:endParaRPr lang="en-IN" dirty="0"/>
+          </a:p>
+        </p:txBody>
+      </p:sp>
+      <p:sp>
+        <p:nvSpPr>
+          <p:cNvPr id="24" name="Oval 23">
+            <a:extLst>
+              <a:ext uri="{FF2B5EF4-FFF2-40B4-BE49-F238E27FC236}">
+                <a16:creationId xmlns:a16="http://schemas.microsoft.com/office/drawing/2014/main" id="{0E69C565-2407-4B06-BE48-67BFFC725F3A}"/>
+              </a:ext>
+            </a:extLst>
+          </p:cNvPr>
+          <p:cNvSpPr/>
+          <p:nvPr/>
+        </p:nvSpPr>
+        <p:spPr>
+          <a:xfrm>
+            <a:off x="641267" y="4345567"/>
+            <a:ext cx="355939" cy="313267"/>
+          </a:xfrm>
+          <a:prstGeom prst="ellipse">
+            <a:avLst/>
+          </a:prstGeom>
+        </p:spPr>
+        <p:style>
+          <a:lnRef idx="2">
+            <a:schemeClr val="accent1">
+              <a:shade val="50000"/>
+            </a:schemeClr>
+          </a:lnRef>
+          <a:fillRef idx="1">
+            <a:schemeClr val="accent1"/>
+          </a:fillRef>
+          <a:effectRef idx="0">
+            <a:schemeClr val="accent1"/>
+          </a:effectRef>
+          <a:fontRef idx="minor">
+            <a:schemeClr val="lt1"/>
+          </a:fontRef>
+        </p:style>
+        <p:txBody>
+          <a:bodyPr rtlCol="0" anchor="ctr"/>
+          <a:lstStyle/>
+          <a:p>
+            <a:pPr algn="ctr"/>
+            <a:r>
+              <a:rPr lang="en-US" dirty="0"/>
+              <a:t>4</a:t>
+            </a:r>
+            <a:endParaRPr lang="en-IN" dirty="0"/>
+          </a:p>
+        </p:txBody>
+      </p:sp>
+      <p:sp>
+        <p:nvSpPr>
+          <p:cNvPr id="25" name="Oval 24">
+            <a:extLst>
+              <a:ext uri="{FF2B5EF4-FFF2-40B4-BE49-F238E27FC236}">
+                <a16:creationId xmlns:a16="http://schemas.microsoft.com/office/drawing/2014/main" id="{74D493A8-AEC0-4040-B412-D967A7C05DAA}"/>
+              </a:ext>
+            </a:extLst>
+          </p:cNvPr>
+          <p:cNvSpPr/>
+          <p:nvPr/>
+        </p:nvSpPr>
+        <p:spPr>
+          <a:xfrm>
+            <a:off x="1005673" y="4360696"/>
+            <a:ext cx="355939" cy="313267"/>
+          </a:xfrm>
+          <a:prstGeom prst="ellipse">
+            <a:avLst/>
+          </a:prstGeom>
+        </p:spPr>
+        <p:style>
+          <a:lnRef idx="2">
+            <a:schemeClr val="accent1">
+              <a:shade val="50000"/>
+            </a:schemeClr>
+          </a:lnRef>
+          <a:fillRef idx="1">
+            <a:schemeClr val="accent1"/>
+          </a:fillRef>
+          <a:effectRef idx="0">
+            <a:schemeClr val="accent1"/>
+          </a:effectRef>
+          <a:fontRef idx="minor">
+            <a:schemeClr val="lt1"/>
+          </a:fontRef>
+        </p:style>
+        <p:txBody>
+          <a:bodyPr rtlCol="0" anchor="ctr"/>
+          <a:lstStyle/>
+          <a:p>
+            <a:pPr algn="ctr"/>
+            <a:r>
+              <a:rPr lang="en-US" dirty="0"/>
+              <a:t>5</a:t>
+            </a:r>
+            <a:endParaRPr lang="en-IN" dirty="0"/>
+          </a:p>
+        </p:txBody>
+      </p:sp>
+      <p:sp>
+        <p:nvSpPr>
+          <p:cNvPr id="26" name="Oval 25">
+            <a:extLst>
+              <a:ext uri="{FF2B5EF4-FFF2-40B4-BE49-F238E27FC236}">
+                <a16:creationId xmlns:a16="http://schemas.microsoft.com/office/drawing/2014/main" id="{9EAD8EA9-9A89-4CAB-94AA-CFD344B9D524}"/>
+              </a:ext>
+            </a:extLst>
+          </p:cNvPr>
+          <p:cNvSpPr/>
+          <p:nvPr/>
+        </p:nvSpPr>
+        <p:spPr>
+          <a:xfrm>
+            <a:off x="1378714" y="4386096"/>
+            <a:ext cx="355939" cy="313267"/>
+          </a:xfrm>
+          <a:prstGeom prst="ellipse">
+            <a:avLst/>
+          </a:prstGeom>
+        </p:spPr>
+        <p:style>
+          <a:lnRef idx="2">
+            <a:schemeClr val="accent1">
+              <a:shade val="50000"/>
+            </a:schemeClr>
+          </a:lnRef>
+          <a:fillRef idx="1">
+            <a:schemeClr val="accent1"/>
+          </a:fillRef>
+          <a:effectRef idx="0">
+            <a:schemeClr val="accent1"/>
+          </a:effectRef>
+          <a:fontRef idx="minor">
+            <a:schemeClr val="lt1"/>
+          </a:fontRef>
+        </p:style>
+        <p:txBody>
+          <a:bodyPr rtlCol="0" anchor="ctr"/>
+          <a:lstStyle/>
+          <a:p>
+            <a:pPr algn="ctr"/>
+            <a:r>
+              <a:rPr lang="en-US" dirty="0"/>
+              <a:t>6</a:t>
+            </a:r>
+            <a:endParaRPr lang="en-IN" dirty="0"/>
+          </a:p>
+        </p:txBody>
+      </p:sp>
+      <p:sp>
+        <p:nvSpPr>
+          <p:cNvPr id="27" name="Oval 26">
+            <a:extLst>
+              <a:ext uri="{FF2B5EF4-FFF2-40B4-BE49-F238E27FC236}">
+                <a16:creationId xmlns:a16="http://schemas.microsoft.com/office/drawing/2014/main" id="{CCBA38C7-386E-4785-8AE4-5B3FFDCEF4B1}"/>
+              </a:ext>
+            </a:extLst>
+          </p:cNvPr>
+          <p:cNvSpPr/>
+          <p:nvPr/>
+        </p:nvSpPr>
+        <p:spPr>
+          <a:xfrm>
+            <a:off x="615698" y="4667301"/>
+            <a:ext cx="355939" cy="313267"/>
+          </a:xfrm>
+          <a:prstGeom prst="ellipse">
+            <a:avLst/>
+          </a:prstGeom>
+        </p:spPr>
+        <p:style>
+          <a:lnRef idx="2">
+            <a:schemeClr val="accent1">
+              <a:shade val="50000"/>
+            </a:schemeClr>
+          </a:lnRef>
+          <a:fillRef idx="1">
+            <a:schemeClr val="accent1"/>
+          </a:fillRef>
+          <a:effectRef idx="0">
+            <a:schemeClr val="accent1"/>
+          </a:effectRef>
+          <a:fontRef idx="minor">
+            <a:schemeClr val="lt1"/>
+          </a:fontRef>
+        </p:style>
+        <p:txBody>
+          <a:bodyPr rtlCol="0" anchor="ctr"/>
+          <a:lstStyle/>
+          <a:p>
+            <a:pPr algn="ctr"/>
+            <a:r>
+              <a:rPr lang="en-US" dirty="0"/>
+              <a:t>7</a:t>
+            </a:r>
+            <a:endParaRPr lang="en-IN" dirty="0"/>
+          </a:p>
+        </p:txBody>
+      </p:sp>
+      <p:sp>
+        <p:nvSpPr>
+          <p:cNvPr id="28" name="Oval 27">
+            <a:extLst>
+              <a:ext uri="{FF2B5EF4-FFF2-40B4-BE49-F238E27FC236}">
+                <a16:creationId xmlns:a16="http://schemas.microsoft.com/office/drawing/2014/main" id="{EB039DD5-AB14-4DE7-9384-C8D276CB77AB}"/>
+              </a:ext>
+            </a:extLst>
+          </p:cNvPr>
+          <p:cNvSpPr/>
+          <p:nvPr/>
+        </p:nvSpPr>
+        <p:spPr>
+          <a:xfrm>
+            <a:off x="988739" y="4673964"/>
+            <a:ext cx="355939" cy="313267"/>
+          </a:xfrm>
+          <a:prstGeom prst="ellipse">
+            <a:avLst/>
+          </a:prstGeom>
+        </p:spPr>
+        <p:style>
+          <a:lnRef idx="2">
+            <a:schemeClr val="accent1">
+              <a:shade val="50000"/>
+            </a:schemeClr>
+          </a:lnRef>
+          <a:fillRef idx="1">
+            <a:schemeClr val="accent1"/>
+          </a:fillRef>
+          <a:effectRef idx="0">
+            <a:schemeClr val="accent1"/>
+          </a:effectRef>
+          <a:fontRef idx="minor">
+            <a:schemeClr val="lt1"/>
+          </a:fontRef>
+        </p:style>
+        <p:txBody>
+          <a:bodyPr rtlCol="0" anchor="ctr"/>
+          <a:lstStyle/>
+          <a:p>
+            <a:pPr algn="ctr"/>
+            <a:r>
+              <a:rPr lang="en-US" dirty="0"/>
+              <a:t>8</a:t>
+            </a:r>
+            <a:endParaRPr lang="en-IN" dirty="0"/>
+          </a:p>
+        </p:txBody>
+      </p:sp>
+      <p:sp>
+        <p:nvSpPr>
+          <p:cNvPr id="29" name="Oval 28">
+            <a:extLst>
+              <a:ext uri="{FF2B5EF4-FFF2-40B4-BE49-F238E27FC236}">
+                <a16:creationId xmlns:a16="http://schemas.microsoft.com/office/drawing/2014/main" id="{0F2FCC8F-F53E-4BC1-9C0C-7D1BAA883C58}"/>
+              </a:ext>
+            </a:extLst>
+          </p:cNvPr>
+          <p:cNvSpPr/>
+          <p:nvPr/>
+        </p:nvSpPr>
+        <p:spPr>
+          <a:xfrm>
+            <a:off x="1378714" y="4716297"/>
+            <a:ext cx="355939" cy="313267"/>
+          </a:xfrm>
+          <a:prstGeom prst="ellipse">
+            <a:avLst/>
+          </a:prstGeom>
+        </p:spPr>
+        <p:style>
+          <a:lnRef idx="2">
+            <a:schemeClr val="accent1">
+              <a:shade val="50000"/>
+            </a:schemeClr>
+          </a:lnRef>
+          <a:fillRef idx="1">
+            <a:schemeClr val="accent1"/>
+          </a:fillRef>
+          <a:effectRef idx="0">
+            <a:schemeClr val="accent1"/>
+          </a:effectRef>
+          <a:fontRef idx="minor">
+            <a:schemeClr val="lt1"/>
+          </a:fontRef>
+        </p:style>
+        <p:txBody>
+          <a:bodyPr rtlCol="0" anchor="ctr"/>
+          <a:lstStyle/>
+          <a:p>
+            <a:pPr algn="ctr"/>
+            <a:r>
+              <a:rPr lang="en-US" dirty="0"/>
+              <a:t>9</a:t>
+            </a:r>
+            <a:endParaRPr lang="en-IN" dirty="0"/>
+          </a:p>
+        </p:txBody>
+      </p:sp>
+      <p:sp>
+        <p:nvSpPr>
+          <p:cNvPr id="31" name="Rectangle 30">
+            <a:extLst>
+              <a:ext uri="{FF2B5EF4-FFF2-40B4-BE49-F238E27FC236}">
+                <a16:creationId xmlns:a16="http://schemas.microsoft.com/office/drawing/2014/main" id="{80266FD6-1EA0-4875-B318-65384C9D5D4C}"/>
+              </a:ext>
+            </a:extLst>
+          </p:cNvPr>
+          <p:cNvSpPr/>
+          <p:nvPr/>
+        </p:nvSpPr>
+        <p:spPr>
+          <a:xfrm>
+            <a:off x="641267" y="5109370"/>
+            <a:ext cx="1093386" cy="313267"/>
+          </a:xfrm>
+          <a:prstGeom prst="rect">
+            <a:avLst/>
+          </a:prstGeom>
+        </p:spPr>
+        <p:style>
+          <a:lnRef idx="2">
+            <a:schemeClr val="accent1">
+              <a:shade val="50000"/>
+            </a:schemeClr>
+          </a:lnRef>
+          <a:fillRef idx="1">
+            <a:schemeClr val="accent1"/>
+          </a:fillRef>
+          <a:effectRef idx="0">
+            <a:schemeClr val="accent1"/>
+          </a:effectRef>
+          <a:fontRef idx="minor">
+            <a:schemeClr val="lt1"/>
+          </a:fontRef>
+        </p:style>
+        <p:txBody>
+          <a:bodyPr rtlCol="0" anchor="ctr"/>
+          <a:lstStyle/>
+          <a:p>
+            <a:pPr algn="ctr"/>
+            <a:r>
+              <a:rPr lang="en-US" dirty="0"/>
+              <a:t>Beads</a:t>
+            </a:r>
+            <a:endParaRPr lang="en-IN" dirty="0"/>
+          </a:p>
+        </p:txBody>
+      </p:sp>
+      <p:sp>
+        <p:nvSpPr>
+          <p:cNvPr id="33" name="Arrow: Right 32">
+            <a:extLst>
+              <a:ext uri="{FF2B5EF4-FFF2-40B4-BE49-F238E27FC236}">
+                <a16:creationId xmlns:a16="http://schemas.microsoft.com/office/drawing/2014/main" id="{9966FDB6-042B-4D60-832B-2A9B16D1CAE7}"/>
+              </a:ext>
+            </a:extLst>
+          </p:cNvPr>
+          <p:cNvSpPr/>
+          <p:nvPr/>
+        </p:nvSpPr>
+        <p:spPr>
+          <a:xfrm>
+            <a:off x="1943526" y="4366478"/>
+            <a:ext cx="609599" cy="306813"/>
+          </a:xfrm>
+          <a:prstGeom prst="rightArrow">
+            <a:avLst/>
+          </a:prstGeom>
+        </p:spPr>
+        <p:style>
+          <a:lnRef idx="2">
+            <a:schemeClr val="accent1">
+              <a:shade val="50000"/>
+            </a:schemeClr>
+          </a:lnRef>
+          <a:fillRef idx="1">
+            <a:schemeClr val="accent1"/>
+          </a:fillRef>
+          <a:effectRef idx="0">
+            <a:schemeClr val="accent1"/>
+          </a:effectRef>
+          <a:fontRef idx="minor">
+            <a:schemeClr val="lt1"/>
+          </a:fontRef>
+        </p:style>
+        <p:txBody>
+          <a:bodyPr rtlCol="0" anchor="ctr"/>
+          <a:lstStyle/>
+          <a:p>
+            <a:pPr algn="ctr"/>
+            <a:endParaRPr lang="en-IN"/>
+          </a:p>
+        </p:txBody>
+      </p:sp>
+      <p:sp>
+        <p:nvSpPr>
+          <p:cNvPr id="34" name="Oval 33">
+            <a:extLst>
+              <a:ext uri="{FF2B5EF4-FFF2-40B4-BE49-F238E27FC236}">
+                <a16:creationId xmlns:a16="http://schemas.microsoft.com/office/drawing/2014/main" id="{CC1CBD3F-17C8-4A97-9EAC-C77C28AD58EE}"/>
+              </a:ext>
+            </a:extLst>
+          </p:cNvPr>
+          <p:cNvSpPr/>
+          <p:nvPr/>
+        </p:nvSpPr>
+        <p:spPr>
+          <a:xfrm>
+            <a:off x="2878664" y="3954033"/>
+            <a:ext cx="355939" cy="313267"/>
+          </a:xfrm>
+          <a:prstGeom prst="ellipse">
+            <a:avLst/>
+          </a:prstGeom>
+        </p:spPr>
+        <p:style>
+          <a:lnRef idx="2">
+            <a:schemeClr val="accent1">
+              <a:shade val="50000"/>
+            </a:schemeClr>
+          </a:lnRef>
+          <a:fillRef idx="1">
+            <a:schemeClr val="accent1"/>
+          </a:fillRef>
+          <a:effectRef idx="0">
+            <a:schemeClr val="accent1"/>
+          </a:effectRef>
+          <a:fontRef idx="minor">
+            <a:schemeClr val="lt1"/>
+          </a:fontRef>
+        </p:style>
+        <p:txBody>
+          <a:bodyPr rtlCol="0" anchor="ctr"/>
+          <a:lstStyle/>
+          <a:p>
+            <a:pPr algn="ctr"/>
+            <a:r>
+              <a:rPr lang="en-US" dirty="0"/>
+              <a:t>1</a:t>
+            </a:r>
+            <a:endParaRPr lang="en-IN" dirty="0"/>
+          </a:p>
+        </p:txBody>
+      </p:sp>
+      <p:sp>
+        <p:nvSpPr>
+          <p:cNvPr id="35" name="Oval 34">
+            <a:extLst>
+              <a:ext uri="{FF2B5EF4-FFF2-40B4-BE49-F238E27FC236}">
+                <a16:creationId xmlns:a16="http://schemas.microsoft.com/office/drawing/2014/main" id="{457407A0-29CC-47DD-9895-634BAE2420A7}"/>
+              </a:ext>
+            </a:extLst>
+          </p:cNvPr>
+          <p:cNvSpPr/>
+          <p:nvPr/>
+        </p:nvSpPr>
+        <p:spPr>
+          <a:xfrm>
+            <a:off x="3234603" y="3945566"/>
+            <a:ext cx="355939" cy="313267"/>
+          </a:xfrm>
+          <a:prstGeom prst="ellipse">
+            <a:avLst/>
+          </a:prstGeom>
+        </p:spPr>
+        <p:style>
+          <a:lnRef idx="2">
+            <a:schemeClr val="accent1">
+              <a:shade val="50000"/>
+            </a:schemeClr>
+          </a:lnRef>
+          <a:fillRef idx="1">
+            <a:schemeClr val="accent1"/>
+          </a:fillRef>
+          <a:effectRef idx="0">
+            <a:schemeClr val="accent1"/>
+          </a:effectRef>
+          <a:fontRef idx="minor">
+            <a:schemeClr val="lt1"/>
+          </a:fontRef>
+        </p:style>
+        <p:txBody>
+          <a:bodyPr rtlCol="0" anchor="ctr"/>
+          <a:lstStyle/>
+          <a:p>
+            <a:pPr algn="ctr"/>
+            <a:r>
+              <a:rPr lang="en-US" dirty="0"/>
+              <a:t>2</a:t>
+            </a:r>
+            <a:endParaRPr lang="en-IN" dirty="0"/>
+          </a:p>
+        </p:txBody>
+      </p:sp>
+      <p:sp>
+        <p:nvSpPr>
+          <p:cNvPr id="36" name="Oval 35">
+            <a:extLst>
+              <a:ext uri="{FF2B5EF4-FFF2-40B4-BE49-F238E27FC236}">
+                <a16:creationId xmlns:a16="http://schemas.microsoft.com/office/drawing/2014/main" id="{F82BC5BD-04FD-463A-BC72-CB0325DDAC83}"/>
+              </a:ext>
+            </a:extLst>
+          </p:cNvPr>
+          <p:cNvSpPr/>
+          <p:nvPr/>
+        </p:nvSpPr>
+        <p:spPr>
+          <a:xfrm>
+            <a:off x="3590542" y="3954033"/>
+            <a:ext cx="355939" cy="313267"/>
+          </a:xfrm>
+          <a:prstGeom prst="ellipse">
+            <a:avLst/>
+          </a:prstGeom>
+        </p:spPr>
+        <p:style>
+          <a:lnRef idx="2">
+            <a:schemeClr val="accent1">
+              <a:shade val="50000"/>
+            </a:schemeClr>
+          </a:lnRef>
+          <a:fillRef idx="1">
+            <a:schemeClr val="accent1"/>
+          </a:fillRef>
+          <a:effectRef idx="0">
+            <a:schemeClr val="accent1"/>
+          </a:effectRef>
+          <a:fontRef idx="minor">
+            <a:schemeClr val="lt1"/>
+          </a:fontRef>
+        </p:style>
+        <p:txBody>
+          <a:bodyPr rtlCol="0" anchor="ctr"/>
+          <a:lstStyle/>
+          <a:p>
+            <a:pPr algn="ctr"/>
+            <a:r>
+              <a:rPr lang="en-US" dirty="0"/>
+              <a:t>3</a:t>
+            </a:r>
+            <a:endParaRPr lang="en-IN" dirty="0"/>
+          </a:p>
+        </p:txBody>
+      </p:sp>
+      <p:sp>
+        <p:nvSpPr>
+          <p:cNvPr id="37" name="Oval 36">
+            <a:extLst>
+              <a:ext uri="{FF2B5EF4-FFF2-40B4-BE49-F238E27FC236}">
+                <a16:creationId xmlns:a16="http://schemas.microsoft.com/office/drawing/2014/main" id="{95FE68CE-0C46-4171-97D1-6AE77B8C3DB2}"/>
+              </a:ext>
+            </a:extLst>
+          </p:cNvPr>
+          <p:cNvSpPr/>
+          <p:nvPr/>
+        </p:nvSpPr>
+        <p:spPr>
+          <a:xfrm>
+            <a:off x="2887130" y="4275767"/>
+            <a:ext cx="355939" cy="313267"/>
+          </a:xfrm>
+          <a:prstGeom prst="ellipse">
+            <a:avLst/>
+          </a:prstGeom>
+        </p:spPr>
+        <p:style>
+          <a:lnRef idx="2">
+            <a:schemeClr val="accent1">
+              <a:shade val="50000"/>
+            </a:schemeClr>
+          </a:lnRef>
+          <a:fillRef idx="1">
+            <a:schemeClr val="accent1"/>
+          </a:fillRef>
+          <a:effectRef idx="0">
+            <a:schemeClr val="accent1"/>
+          </a:effectRef>
+          <a:fontRef idx="minor">
+            <a:schemeClr val="lt1"/>
+          </a:fontRef>
+        </p:style>
+        <p:txBody>
+          <a:bodyPr rtlCol="0" anchor="ctr"/>
+          <a:lstStyle/>
+          <a:p>
+            <a:pPr algn="ctr"/>
+            <a:r>
+              <a:rPr lang="en-US" dirty="0"/>
+              <a:t>4</a:t>
+            </a:r>
+            <a:endParaRPr lang="en-IN" dirty="0"/>
+          </a:p>
+        </p:txBody>
+      </p:sp>
+      <p:sp>
+        <p:nvSpPr>
+          <p:cNvPr id="38" name="Oval 37">
+            <a:extLst>
+              <a:ext uri="{FF2B5EF4-FFF2-40B4-BE49-F238E27FC236}">
+                <a16:creationId xmlns:a16="http://schemas.microsoft.com/office/drawing/2014/main" id="{0FCD9E6C-0AEC-4283-9B82-DA1F8745B2EF}"/>
+              </a:ext>
+            </a:extLst>
+          </p:cNvPr>
+          <p:cNvSpPr/>
+          <p:nvPr/>
+        </p:nvSpPr>
+        <p:spPr>
+          <a:xfrm>
+            <a:off x="3251536" y="4290896"/>
+            <a:ext cx="355939" cy="313267"/>
+          </a:xfrm>
+          <a:prstGeom prst="ellipse">
+            <a:avLst/>
+          </a:prstGeom>
+        </p:spPr>
+        <p:style>
+          <a:lnRef idx="2">
+            <a:schemeClr val="accent1">
+              <a:shade val="50000"/>
+            </a:schemeClr>
+          </a:lnRef>
+          <a:fillRef idx="1">
+            <a:schemeClr val="accent1"/>
+          </a:fillRef>
+          <a:effectRef idx="0">
+            <a:schemeClr val="accent1"/>
+          </a:effectRef>
+          <a:fontRef idx="minor">
+            <a:schemeClr val="lt1"/>
+          </a:fontRef>
+        </p:style>
+        <p:txBody>
+          <a:bodyPr rtlCol="0" anchor="ctr"/>
+          <a:lstStyle/>
+          <a:p>
+            <a:pPr algn="ctr"/>
+            <a:r>
+              <a:rPr lang="en-US" dirty="0"/>
+              <a:t>5</a:t>
+            </a:r>
+            <a:endParaRPr lang="en-IN" dirty="0"/>
+          </a:p>
+        </p:txBody>
+      </p:sp>
+      <p:sp>
+        <p:nvSpPr>
+          <p:cNvPr id="39" name="Oval 38">
+            <a:extLst>
+              <a:ext uri="{FF2B5EF4-FFF2-40B4-BE49-F238E27FC236}">
+                <a16:creationId xmlns:a16="http://schemas.microsoft.com/office/drawing/2014/main" id="{711A3DB7-13F2-49C9-89B3-415130677CA6}"/>
+              </a:ext>
+            </a:extLst>
+          </p:cNvPr>
+          <p:cNvSpPr/>
+          <p:nvPr/>
+        </p:nvSpPr>
+        <p:spPr>
+          <a:xfrm>
+            <a:off x="3624577" y="4316296"/>
+            <a:ext cx="355939" cy="313267"/>
+          </a:xfrm>
+          <a:prstGeom prst="ellipse">
+            <a:avLst/>
+          </a:prstGeom>
+        </p:spPr>
+        <p:style>
+          <a:lnRef idx="2">
+            <a:schemeClr val="accent1">
+              <a:shade val="50000"/>
+            </a:schemeClr>
+          </a:lnRef>
+          <a:fillRef idx="1">
+            <a:schemeClr val="accent1"/>
+          </a:fillRef>
+          <a:effectRef idx="0">
+            <a:schemeClr val="accent1"/>
+          </a:effectRef>
+          <a:fontRef idx="minor">
+            <a:schemeClr val="lt1"/>
+          </a:fontRef>
+        </p:style>
+        <p:txBody>
+          <a:bodyPr rtlCol="0" anchor="ctr"/>
+          <a:lstStyle/>
+          <a:p>
+            <a:pPr algn="ctr"/>
+            <a:r>
+              <a:rPr lang="en-US" dirty="0"/>
+              <a:t>6</a:t>
+            </a:r>
+            <a:endParaRPr lang="en-IN" dirty="0"/>
+          </a:p>
+        </p:txBody>
+      </p:sp>
+      <p:sp>
+        <p:nvSpPr>
+          <p:cNvPr id="40" name="Oval 39">
+            <a:extLst>
+              <a:ext uri="{FF2B5EF4-FFF2-40B4-BE49-F238E27FC236}">
+                <a16:creationId xmlns:a16="http://schemas.microsoft.com/office/drawing/2014/main" id="{FD48E57D-4500-454A-9A40-E2C399E0BD52}"/>
+              </a:ext>
+            </a:extLst>
+          </p:cNvPr>
+          <p:cNvSpPr/>
+          <p:nvPr/>
+        </p:nvSpPr>
+        <p:spPr>
+          <a:xfrm>
+            <a:off x="2861561" y="4597501"/>
+            <a:ext cx="355939" cy="313267"/>
+          </a:xfrm>
+          <a:prstGeom prst="ellipse">
+            <a:avLst/>
+          </a:prstGeom>
+        </p:spPr>
+        <p:style>
+          <a:lnRef idx="2">
+            <a:schemeClr val="accent1">
+              <a:shade val="50000"/>
+            </a:schemeClr>
+          </a:lnRef>
+          <a:fillRef idx="1">
+            <a:schemeClr val="accent1"/>
+          </a:fillRef>
+          <a:effectRef idx="0">
+            <a:schemeClr val="accent1"/>
+          </a:effectRef>
+          <a:fontRef idx="minor">
+            <a:schemeClr val="lt1"/>
+          </a:fontRef>
+        </p:style>
+        <p:txBody>
+          <a:bodyPr rtlCol="0" anchor="ctr"/>
+          <a:lstStyle/>
+          <a:p>
+            <a:pPr algn="ctr"/>
+            <a:r>
+              <a:rPr lang="en-US" dirty="0"/>
+              <a:t>7</a:t>
+            </a:r>
+            <a:endParaRPr lang="en-IN" dirty="0"/>
+          </a:p>
+        </p:txBody>
+      </p:sp>
+      <p:sp>
+        <p:nvSpPr>
+          <p:cNvPr id="41" name="Oval 40">
+            <a:extLst>
+              <a:ext uri="{FF2B5EF4-FFF2-40B4-BE49-F238E27FC236}">
+                <a16:creationId xmlns:a16="http://schemas.microsoft.com/office/drawing/2014/main" id="{F8B7239E-B306-4A74-A679-E0EF48FDB741}"/>
+              </a:ext>
+            </a:extLst>
+          </p:cNvPr>
+          <p:cNvSpPr/>
+          <p:nvPr/>
+        </p:nvSpPr>
+        <p:spPr>
+          <a:xfrm>
+            <a:off x="3234602" y="4604164"/>
+            <a:ext cx="355939" cy="313267"/>
+          </a:xfrm>
+          <a:prstGeom prst="ellipse">
+            <a:avLst/>
+          </a:prstGeom>
+        </p:spPr>
+        <p:style>
+          <a:lnRef idx="2">
+            <a:schemeClr val="accent1">
+              <a:shade val="50000"/>
+            </a:schemeClr>
+          </a:lnRef>
+          <a:fillRef idx="1">
+            <a:schemeClr val="accent1"/>
+          </a:fillRef>
+          <a:effectRef idx="0">
+            <a:schemeClr val="accent1"/>
+          </a:effectRef>
+          <a:fontRef idx="minor">
+            <a:schemeClr val="lt1"/>
+          </a:fontRef>
+        </p:style>
+        <p:txBody>
+          <a:bodyPr rtlCol="0" anchor="ctr"/>
+          <a:lstStyle/>
+          <a:p>
+            <a:pPr algn="ctr"/>
+            <a:r>
+              <a:rPr lang="en-US" dirty="0"/>
+              <a:t>8</a:t>
+            </a:r>
+            <a:endParaRPr lang="en-IN" dirty="0"/>
+          </a:p>
+        </p:txBody>
+      </p:sp>
+      <p:sp>
+        <p:nvSpPr>
+          <p:cNvPr id="42" name="Oval 41">
+            <a:extLst>
+              <a:ext uri="{FF2B5EF4-FFF2-40B4-BE49-F238E27FC236}">
+                <a16:creationId xmlns:a16="http://schemas.microsoft.com/office/drawing/2014/main" id="{26D35C96-0749-436D-9319-3E577532C16B}"/>
+              </a:ext>
+            </a:extLst>
+          </p:cNvPr>
+          <p:cNvSpPr/>
+          <p:nvPr/>
+        </p:nvSpPr>
+        <p:spPr>
+          <a:xfrm>
+            <a:off x="3624577" y="4646497"/>
+            <a:ext cx="355939" cy="313267"/>
+          </a:xfrm>
+          <a:prstGeom prst="ellipse">
+            <a:avLst/>
+          </a:prstGeom>
+        </p:spPr>
+        <p:style>
+          <a:lnRef idx="2">
+            <a:schemeClr val="accent1">
+              <a:shade val="50000"/>
+            </a:schemeClr>
+          </a:lnRef>
+          <a:fillRef idx="1">
+            <a:schemeClr val="accent1"/>
+          </a:fillRef>
+          <a:effectRef idx="0">
+            <a:schemeClr val="accent1"/>
+          </a:effectRef>
+          <a:fontRef idx="minor">
+            <a:schemeClr val="lt1"/>
+          </a:fontRef>
+        </p:style>
+        <p:txBody>
+          <a:bodyPr rtlCol="0" anchor="ctr"/>
+          <a:lstStyle/>
+          <a:p>
+            <a:pPr algn="ctr"/>
+            <a:r>
+              <a:rPr lang="en-US" dirty="0"/>
+              <a:t>9</a:t>
+            </a:r>
+            <a:endParaRPr lang="en-IN" dirty="0"/>
+          </a:p>
+        </p:txBody>
+      </p:sp>
+      <p:sp>
+        <p:nvSpPr>
+          <p:cNvPr id="43" name="Rectangle 42">
+            <a:extLst>
+              <a:ext uri="{FF2B5EF4-FFF2-40B4-BE49-F238E27FC236}">
+                <a16:creationId xmlns:a16="http://schemas.microsoft.com/office/drawing/2014/main" id="{DE37076A-8B9C-4EDD-AA5E-D3B6D1B07963}"/>
+              </a:ext>
+            </a:extLst>
+          </p:cNvPr>
+          <p:cNvSpPr/>
+          <p:nvPr/>
+        </p:nvSpPr>
+        <p:spPr>
+          <a:xfrm>
+            <a:off x="2887130" y="5039570"/>
+            <a:ext cx="1093386" cy="313267"/>
+          </a:xfrm>
+          <a:prstGeom prst="rect">
+            <a:avLst/>
+          </a:prstGeom>
+        </p:spPr>
+        <p:style>
+          <a:lnRef idx="2">
+            <a:schemeClr val="accent1">
+              <a:shade val="50000"/>
+            </a:schemeClr>
+          </a:lnRef>
+          <a:fillRef idx="1">
+            <a:schemeClr val="accent1"/>
+          </a:fillRef>
+          <a:effectRef idx="0">
+            <a:schemeClr val="accent1"/>
+          </a:effectRef>
+          <a:fontRef idx="minor">
+            <a:schemeClr val="lt1"/>
+          </a:fontRef>
+        </p:style>
+        <p:txBody>
+          <a:bodyPr rtlCol="0" anchor="ctr"/>
+          <a:lstStyle/>
+          <a:p>
+            <a:pPr algn="ctr"/>
+            <a:r>
+              <a:rPr lang="en-US" dirty="0"/>
+              <a:t>Assay</a:t>
+            </a:r>
+            <a:endParaRPr lang="en-IN" dirty="0"/>
+          </a:p>
+        </p:txBody>
+      </p:sp>
+      <p:sp>
+        <p:nvSpPr>
+          <p:cNvPr id="45" name="Oval 44">
+            <a:extLst>
+              <a:ext uri="{FF2B5EF4-FFF2-40B4-BE49-F238E27FC236}">
+                <a16:creationId xmlns:a16="http://schemas.microsoft.com/office/drawing/2014/main" id="{BC6BFF70-46DA-4801-B6EB-C687B61CE81F}"/>
+              </a:ext>
+            </a:extLst>
+          </p:cNvPr>
+          <p:cNvSpPr/>
+          <p:nvPr/>
+        </p:nvSpPr>
+        <p:spPr>
+          <a:xfrm>
+            <a:off x="5086341" y="3834576"/>
+            <a:ext cx="355939" cy="313267"/>
+          </a:xfrm>
+          <a:prstGeom prst="ellipse">
+            <a:avLst/>
+          </a:prstGeom>
+        </p:spPr>
+        <p:style>
+          <a:lnRef idx="2">
+            <a:schemeClr val="accent1">
+              <a:shade val="50000"/>
+            </a:schemeClr>
+          </a:lnRef>
+          <a:fillRef idx="1">
+            <a:schemeClr val="accent1"/>
+          </a:fillRef>
+          <a:effectRef idx="0">
+            <a:schemeClr val="accent1"/>
+          </a:effectRef>
+          <a:fontRef idx="minor">
+            <a:schemeClr val="lt1"/>
+          </a:fontRef>
+        </p:style>
+        <p:txBody>
+          <a:bodyPr rtlCol="0" anchor="ctr"/>
+          <a:lstStyle/>
+          <a:p>
+            <a:pPr algn="ctr"/>
+            <a:endParaRPr lang="en-IN" dirty="0"/>
+          </a:p>
+        </p:txBody>
+      </p:sp>
+      <p:sp>
+        <p:nvSpPr>
+          <p:cNvPr id="46" name="Oval 45">
+            <a:extLst>
+              <a:ext uri="{FF2B5EF4-FFF2-40B4-BE49-F238E27FC236}">
+                <a16:creationId xmlns:a16="http://schemas.microsoft.com/office/drawing/2014/main" id="{C325DE5C-B2A4-4C01-9A59-9787E9943D71}"/>
+              </a:ext>
+            </a:extLst>
+          </p:cNvPr>
+          <p:cNvSpPr/>
+          <p:nvPr/>
+        </p:nvSpPr>
+        <p:spPr>
+          <a:xfrm>
+            <a:off x="5442280" y="3826109"/>
+            <a:ext cx="355939" cy="313267"/>
+          </a:xfrm>
+          <a:prstGeom prst="ellipse">
+            <a:avLst/>
+          </a:prstGeom>
+        </p:spPr>
+        <p:style>
+          <a:lnRef idx="2">
+            <a:schemeClr val="accent1">
+              <a:shade val="50000"/>
+            </a:schemeClr>
+          </a:lnRef>
+          <a:fillRef idx="1">
+            <a:schemeClr val="accent1"/>
+          </a:fillRef>
+          <a:effectRef idx="0">
+            <a:schemeClr val="accent1"/>
+          </a:effectRef>
+          <a:fontRef idx="minor">
+            <a:schemeClr val="lt1"/>
+          </a:fontRef>
+        </p:style>
+        <p:txBody>
+          <a:bodyPr rtlCol="0" anchor="ctr"/>
+          <a:lstStyle/>
+          <a:p>
+            <a:pPr algn="ctr"/>
+            <a:endParaRPr lang="en-IN" dirty="0"/>
+          </a:p>
+        </p:txBody>
+      </p:sp>
+      <p:sp>
+        <p:nvSpPr>
+          <p:cNvPr id="47" name="Oval 46">
+            <a:extLst>
+              <a:ext uri="{FF2B5EF4-FFF2-40B4-BE49-F238E27FC236}">
+                <a16:creationId xmlns:a16="http://schemas.microsoft.com/office/drawing/2014/main" id="{1BCC4851-734B-4141-897B-06F3E2511826}"/>
+              </a:ext>
+            </a:extLst>
+          </p:cNvPr>
+          <p:cNvSpPr/>
+          <p:nvPr/>
+        </p:nvSpPr>
+        <p:spPr>
+          <a:xfrm>
+            <a:off x="5798219" y="3834576"/>
+            <a:ext cx="355939" cy="313267"/>
+          </a:xfrm>
+          <a:prstGeom prst="ellipse">
+            <a:avLst/>
+          </a:prstGeom>
+        </p:spPr>
+        <p:style>
+          <a:lnRef idx="2">
+            <a:schemeClr val="accent1">
+              <a:shade val="50000"/>
+            </a:schemeClr>
+          </a:lnRef>
+          <a:fillRef idx="1">
+            <a:schemeClr val="accent1"/>
+          </a:fillRef>
+          <a:effectRef idx="0">
+            <a:schemeClr val="accent1"/>
+          </a:effectRef>
+          <a:fontRef idx="minor">
+            <a:schemeClr val="lt1"/>
+          </a:fontRef>
+        </p:style>
+        <p:txBody>
+          <a:bodyPr rtlCol="0" anchor="ctr"/>
+          <a:lstStyle/>
+          <a:p>
+            <a:pPr algn="ctr"/>
+            <a:endParaRPr lang="en-IN" dirty="0"/>
+          </a:p>
+        </p:txBody>
+      </p:sp>
+      <p:sp>
+        <p:nvSpPr>
+          <p:cNvPr id="48" name="Oval 47">
+            <a:extLst>
+              <a:ext uri="{FF2B5EF4-FFF2-40B4-BE49-F238E27FC236}">
+                <a16:creationId xmlns:a16="http://schemas.microsoft.com/office/drawing/2014/main" id="{BFB0A8DF-15E8-442E-9A41-F8956DCDA561}"/>
+              </a:ext>
+            </a:extLst>
+          </p:cNvPr>
+          <p:cNvSpPr/>
+          <p:nvPr/>
+        </p:nvSpPr>
+        <p:spPr>
+          <a:xfrm>
+            <a:off x="5094807" y="4156310"/>
+            <a:ext cx="355939" cy="313267"/>
+          </a:xfrm>
+          <a:prstGeom prst="ellipse">
+            <a:avLst/>
+          </a:prstGeom>
+        </p:spPr>
+        <p:style>
+          <a:lnRef idx="2">
+            <a:schemeClr val="accent1">
+              <a:shade val="50000"/>
+            </a:schemeClr>
+          </a:lnRef>
+          <a:fillRef idx="1">
+            <a:schemeClr val="accent1"/>
+          </a:fillRef>
+          <a:effectRef idx="0">
+            <a:schemeClr val="accent1"/>
+          </a:effectRef>
+          <a:fontRef idx="minor">
+            <a:schemeClr val="lt1"/>
+          </a:fontRef>
+        </p:style>
+        <p:txBody>
+          <a:bodyPr rtlCol="0" anchor="ctr"/>
+          <a:lstStyle/>
+          <a:p>
+            <a:pPr algn="ctr"/>
+            <a:endParaRPr lang="en-IN" dirty="0"/>
+          </a:p>
+        </p:txBody>
+      </p:sp>
+      <p:sp>
+        <p:nvSpPr>
+          <p:cNvPr id="49" name="Oval 48">
+            <a:extLst>
+              <a:ext uri="{FF2B5EF4-FFF2-40B4-BE49-F238E27FC236}">
+                <a16:creationId xmlns:a16="http://schemas.microsoft.com/office/drawing/2014/main" id="{E2F61C1B-9D84-4B2B-9956-E01D5FC17D8E}"/>
+              </a:ext>
+            </a:extLst>
+          </p:cNvPr>
+          <p:cNvSpPr/>
+          <p:nvPr/>
+        </p:nvSpPr>
+        <p:spPr>
+          <a:xfrm>
+            <a:off x="5459213" y="4171439"/>
+            <a:ext cx="355939" cy="313267"/>
+          </a:xfrm>
+          <a:prstGeom prst="ellipse">
+            <a:avLst/>
+          </a:prstGeom>
+        </p:spPr>
+        <p:style>
+          <a:lnRef idx="2">
+            <a:schemeClr val="accent1">
+              <a:shade val="50000"/>
+            </a:schemeClr>
+          </a:lnRef>
+          <a:fillRef idx="1">
+            <a:schemeClr val="accent1"/>
+          </a:fillRef>
+          <a:effectRef idx="0">
+            <a:schemeClr val="accent1"/>
+          </a:effectRef>
+          <a:fontRef idx="minor">
+            <a:schemeClr val="lt1"/>
+          </a:fontRef>
+        </p:style>
+        <p:txBody>
+          <a:bodyPr rtlCol="0" anchor="ctr"/>
+          <a:lstStyle/>
+          <a:p>
+            <a:pPr algn="ctr"/>
+            <a:endParaRPr lang="en-IN" dirty="0"/>
+          </a:p>
+        </p:txBody>
+      </p:sp>
+      <p:sp>
+        <p:nvSpPr>
+          <p:cNvPr id="50" name="Oval 49">
+            <a:extLst>
+              <a:ext uri="{FF2B5EF4-FFF2-40B4-BE49-F238E27FC236}">
+                <a16:creationId xmlns:a16="http://schemas.microsoft.com/office/drawing/2014/main" id="{CA4EB89E-894E-43AE-B871-FC5B23F790E4}"/>
+              </a:ext>
+            </a:extLst>
+          </p:cNvPr>
+          <p:cNvSpPr/>
+          <p:nvPr/>
+        </p:nvSpPr>
+        <p:spPr>
+          <a:xfrm>
+            <a:off x="5832254" y="4196839"/>
+            <a:ext cx="355939" cy="313267"/>
+          </a:xfrm>
+          <a:prstGeom prst="ellipse">
+            <a:avLst/>
+          </a:prstGeom>
+        </p:spPr>
+        <p:style>
+          <a:lnRef idx="2">
+            <a:schemeClr val="accent1">
+              <a:shade val="50000"/>
+            </a:schemeClr>
+          </a:lnRef>
+          <a:fillRef idx="1">
+            <a:schemeClr val="accent1"/>
+          </a:fillRef>
+          <a:effectRef idx="0">
+            <a:schemeClr val="accent1"/>
+          </a:effectRef>
+          <a:fontRef idx="minor">
+            <a:schemeClr val="lt1"/>
+          </a:fontRef>
+        </p:style>
+        <p:txBody>
+          <a:bodyPr rtlCol="0" anchor="ctr"/>
+          <a:lstStyle/>
+          <a:p>
+            <a:pPr algn="ctr"/>
+            <a:endParaRPr lang="en-IN" dirty="0"/>
+          </a:p>
+        </p:txBody>
+      </p:sp>
+      <p:sp>
+        <p:nvSpPr>
+          <p:cNvPr id="51" name="Oval 50">
+            <a:extLst>
+              <a:ext uri="{FF2B5EF4-FFF2-40B4-BE49-F238E27FC236}">
+                <a16:creationId xmlns:a16="http://schemas.microsoft.com/office/drawing/2014/main" id="{C487909B-BAB7-47DC-9835-27BCF9072A96}"/>
+              </a:ext>
+            </a:extLst>
+          </p:cNvPr>
+          <p:cNvSpPr/>
+          <p:nvPr/>
+        </p:nvSpPr>
+        <p:spPr>
+          <a:xfrm>
+            <a:off x="5069238" y="4478044"/>
+            <a:ext cx="355939" cy="313267"/>
+          </a:xfrm>
+          <a:prstGeom prst="ellipse">
+            <a:avLst/>
+          </a:prstGeom>
+        </p:spPr>
+        <p:style>
+          <a:lnRef idx="2">
+            <a:schemeClr val="accent1">
+              <a:shade val="50000"/>
+            </a:schemeClr>
+          </a:lnRef>
+          <a:fillRef idx="1">
+            <a:schemeClr val="accent1"/>
+          </a:fillRef>
+          <a:effectRef idx="0">
+            <a:schemeClr val="accent1"/>
+          </a:effectRef>
+          <a:fontRef idx="minor">
+            <a:schemeClr val="lt1"/>
+          </a:fontRef>
+        </p:style>
+        <p:txBody>
+          <a:bodyPr rtlCol="0" anchor="ctr"/>
+          <a:lstStyle/>
+          <a:p>
+            <a:pPr algn="ctr"/>
+            <a:endParaRPr lang="en-IN" dirty="0"/>
+          </a:p>
+        </p:txBody>
+      </p:sp>
+      <p:sp>
+        <p:nvSpPr>
+          <p:cNvPr id="52" name="Oval 51">
+            <a:extLst>
+              <a:ext uri="{FF2B5EF4-FFF2-40B4-BE49-F238E27FC236}">
+                <a16:creationId xmlns:a16="http://schemas.microsoft.com/office/drawing/2014/main" id="{CE38AACC-C232-4E1E-ADD8-3F4B6E017448}"/>
+              </a:ext>
+            </a:extLst>
+          </p:cNvPr>
+          <p:cNvSpPr/>
+          <p:nvPr/>
+        </p:nvSpPr>
+        <p:spPr>
+          <a:xfrm>
+            <a:off x="5442279" y="4484707"/>
+            <a:ext cx="355939" cy="313267"/>
+          </a:xfrm>
+          <a:prstGeom prst="ellipse">
+            <a:avLst/>
+          </a:prstGeom>
+        </p:spPr>
+        <p:style>
+          <a:lnRef idx="2">
+            <a:schemeClr val="accent1">
+              <a:shade val="50000"/>
+            </a:schemeClr>
+          </a:lnRef>
+          <a:fillRef idx="1">
+            <a:schemeClr val="accent1"/>
+          </a:fillRef>
+          <a:effectRef idx="0">
+            <a:schemeClr val="accent1"/>
+          </a:effectRef>
+          <a:fontRef idx="minor">
+            <a:schemeClr val="lt1"/>
+          </a:fontRef>
+        </p:style>
+        <p:txBody>
+          <a:bodyPr rtlCol="0" anchor="ctr"/>
+          <a:lstStyle/>
+          <a:p>
+            <a:pPr algn="ctr"/>
+            <a:endParaRPr lang="en-IN" dirty="0"/>
+          </a:p>
+        </p:txBody>
+      </p:sp>
+      <p:sp>
+        <p:nvSpPr>
+          <p:cNvPr id="53" name="Oval 52">
+            <a:extLst>
+              <a:ext uri="{FF2B5EF4-FFF2-40B4-BE49-F238E27FC236}">
+                <a16:creationId xmlns:a16="http://schemas.microsoft.com/office/drawing/2014/main" id="{891F1EE9-3487-4FDD-AEDE-D048C156BF25}"/>
+              </a:ext>
+            </a:extLst>
+          </p:cNvPr>
+          <p:cNvSpPr/>
+          <p:nvPr/>
+        </p:nvSpPr>
+        <p:spPr>
+          <a:xfrm>
+            <a:off x="5832254" y="4527040"/>
+            <a:ext cx="355939" cy="313267"/>
+          </a:xfrm>
+          <a:prstGeom prst="ellipse">
+            <a:avLst/>
+          </a:prstGeom>
+        </p:spPr>
+        <p:style>
+          <a:lnRef idx="2">
+            <a:schemeClr val="accent1">
+              <a:shade val="50000"/>
+            </a:schemeClr>
+          </a:lnRef>
+          <a:fillRef idx="1">
+            <a:schemeClr val="accent1"/>
+          </a:fillRef>
+          <a:effectRef idx="0">
+            <a:schemeClr val="accent1"/>
+          </a:effectRef>
+          <a:fontRef idx="minor">
+            <a:schemeClr val="lt1"/>
+          </a:fontRef>
+        </p:style>
+        <p:txBody>
+          <a:bodyPr rtlCol="0" anchor="ctr"/>
+          <a:lstStyle/>
+          <a:p>
+            <a:pPr algn="ctr"/>
+            <a:endParaRPr lang="en-IN" dirty="0"/>
+          </a:p>
+        </p:txBody>
+      </p:sp>
+      <p:sp>
+        <p:nvSpPr>
+          <p:cNvPr id="54" name="Rectangle 53">
+            <a:extLst>
+              <a:ext uri="{FF2B5EF4-FFF2-40B4-BE49-F238E27FC236}">
+                <a16:creationId xmlns:a16="http://schemas.microsoft.com/office/drawing/2014/main" id="{053CAB7F-F57A-4EC3-BEDD-50DD0EB8A679}"/>
+              </a:ext>
+            </a:extLst>
+          </p:cNvPr>
+          <p:cNvSpPr/>
+          <p:nvPr/>
+        </p:nvSpPr>
+        <p:spPr>
+          <a:xfrm>
+            <a:off x="5069238" y="4934213"/>
+            <a:ext cx="2496823" cy="542876"/>
+          </a:xfrm>
+          <a:prstGeom prst="rect">
+            <a:avLst/>
+          </a:prstGeom>
+        </p:spPr>
+        <p:style>
+          <a:lnRef idx="2">
+            <a:schemeClr val="accent1">
+              <a:shade val="50000"/>
+            </a:schemeClr>
+          </a:lnRef>
+          <a:fillRef idx="1">
+            <a:schemeClr val="accent1"/>
+          </a:fillRef>
+          <a:effectRef idx="0">
+            <a:schemeClr val="accent1"/>
+          </a:effectRef>
+          <a:fontRef idx="minor">
+            <a:schemeClr val="lt1"/>
+          </a:fontRef>
+        </p:style>
+        <p:txBody>
+          <a:bodyPr rtlCol="0" anchor="ctr"/>
+          <a:lstStyle/>
+          <a:p>
+            <a:pPr algn="ctr"/>
+            <a:r>
+              <a:rPr lang="en-US" dirty="0"/>
+              <a:t>Compounds separated from beads</a:t>
+            </a:r>
+          </a:p>
+        </p:txBody>
+      </p:sp>
+      <p:sp>
+        <p:nvSpPr>
+          <p:cNvPr id="55" name="Oval 54">
+            <a:extLst>
+              <a:ext uri="{FF2B5EF4-FFF2-40B4-BE49-F238E27FC236}">
+                <a16:creationId xmlns:a16="http://schemas.microsoft.com/office/drawing/2014/main" id="{D2EE237F-A8BA-4BD2-8E97-F10EE9DCBC3C}"/>
+              </a:ext>
+            </a:extLst>
+          </p:cNvPr>
+          <p:cNvSpPr/>
+          <p:nvPr/>
+        </p:nvSpPr>
+        <p:spPr>
+          <a:xfrm>
+            <a:off x="7110382" y="3808585"/>
+            <a:ext cx="385907" cy="340207"/>
+          </a:xfrm>
+          <a:prstGeom prst="ellipse">
+            <a:avLst/>
+          </a:prstGeom>
+          <a:noFill/>
+        </p:spPr>
+        <p:style>
+          <a:lnRef idx="2">
+            <a:schemeClr val="accent1">
+              <a:shade val="50000"/>
+            </a:schemeClr>
+          </a:lnRef>
+          <a:fillRef idx="1">
+            <a:schemeClr val="accent1"/>
+          </a:fillRef>
+          <a:effectRef idx="0">
+            <a:schemeClr val="accent1"/>
+          </a:effectRef>
+          <a:fontRef idx="minor">
+            <a:schemeClr val="lt1"/>
+          </a:fontRef>
+        </p:style>
+        <p:txBody>
+          <a:bodyPr rtlCol="0" anchor="ctr"/>
+          <a:lstStyle/>
+          <a:p>
+            <a:pPr algn="ctr"/>
+            <a:r>
+              <a:rPr lang="en-US" dirty="0">
+                <a:solidFill>
+                  <a:schemeClr val="tx1"/>
+                </a:solidFill>
+              </a:rPr>
+              <a:t>3</a:t>
+            </a:r>
+            <a:endParaRPr lang="en-IN" dirty="0">
+              <a:solidFill>
+                <a:schemeClr val="tx1"/>
+              </a:solidFill>
+            </a:endParaRPr>
+          </a:p>
+        </p:txBody>
+      </p:sp>
+      <p:sp>
+        <p:nvSpPr>
+          <p:cNvPr id="56" name="Oval 55">
+            <a:extLst>
+              <a:ext uri="{FF2B5EF4-FFF2-40B4-BE49-F238E27FC236}">
+                <a16:creationId xmlns:a16="http://schemas.microsoft.com/office/drawing/2014/main" id="{E67FC0AA-C43E-47D6-A285-2C654D2DF66B}"/>
+              </a:ext>
+            </a:extLst>
+          </p:cNvPr>
+          <p:cNvSpPr/>
+          <p:nvPr/>
+        </p:nvSpPr>
+        <p:spPr>
+          <a:xfrm>
+            <a:off x="6317143" y="3808585"/>
+            <a:ext cx="385907" cy="340207"/>
+          </a:xfrm>
+          <a:prstGeom prst="ellipse">
+            <a:avLst/>
+          </a:prstGeom>
+          <a:noFill/>
+        </p:spPr>
+        <p:style>
+          <a:lnRef idx="2">
+            <a:schemeClr val="accent1">
+              <a:shade val="50000"/>
+            </a:schemeClr>
+          </a:lnRef>
+          <a:fillRef idx="1">
+            <a:schemeClr val="accent1"/>
+          </a:fillRef>
+          <a:effectRef idx="0">
+            <a:schemeClr val="accent1"/>
+          </a:effectRef>
+          <a:fontRef idx="minor">
+            <a:schemeClr val="lt1"/>
+          </a:fontRef>
+        </p:style>
+        <p:txBody>
+          <a:bodyPr rtlCol="0" anchor="ctr"/>
+          <a:lstStyle/>
+          <a:p>
+            <a:pPr algn="ctr"/>
+            <a:r>
+              <a:rPr lang="en-US" dirty="0">
+                <a:solidFill>
+                  <a:schemeClr val="tx1"/>
+                </a:solidFill>
+              </a:rPr>
+              <a:t>1</a:t>
+            </a:r>
+            <a:endParaRPr lang="en-IN" dirty="0">
+              <a:solidFill>
+                <a:schemeClr val="tx1"/>
+              </a:solidFill>
+            </a:endParaRPr>
+          </a:p>
+        </p:txBody>
+      </p:sp>
+      <p:sp>
+        <p:nvSpPr>
+          <p:cNvPr id="57" name="Oval 56">
+            <a:extLst>
+              <a:ext uri="{FF2B5EF4-FFF2-40B4-BE49-F238E27FC236}">
+                <a16:creationId xmlns:a16="http://schemas.microsoft.com/office/drawing/2014/main" id="{54D7AB21-3053-4DE6-8FB5-55FDBE22F63B}"/>
+              </a:ext>
+            </a:extLst>
+          </p:cNvPr>
+          <p:cNvSpPr/>
+          <p:nvPr/>
+        </p:nvSpPr>
+        <p:spPr>
+          <a:xfrm>
+            <a:off x="6709322" y="3791653"/>
+            <a:ext cx="385907" cy="340207"/>
+          </a:xfrm>
+          <a:prstGeom prst="ellipse">
+            <a:avLst/>
+          </a:prstGeom>
+          <a:noFill/>
+        </p:spPr>
+        <p:style>
+          <a:lnRef idx="2">
+            <a:schemeClr val="accent1">
+              <a:shade val="50000"/>
+            </a:schemeClr>
+          </a:lnRef>
+          <a:fillRef idx="1">
+            <a:schemeClr val="accent1"/>
+          </a:fillRef>
+          <a:effectRef idx="0">
+            <a:schemeClr val="accent1"/>
+          </a:effectRef>
+          <a:fontRef idx="minor">
+            <a:schemeClr val="lt1"/>
+          </a:fontRef>
+        </p:style>
+        <p:txBody>
+          <a:bodyPr rtlCol="0" anchor="ctr"/>
+          <a:lstStyle/>
+          <a:p>
+            <a:pPr algn="ctr"/>
+            <a:r>
+              <a:rPr lang="en-US" dirty="0">
+                <a:solidFill>
+                  <a:schemeClr val="tx1"/>
+                </a:solidFill>
+              </a:rPr>
+              <a:t>2</a:t>
+            </a:r>
+            <a:endParaRPr lang="en-IN" dirty="0">
+              <a:solidFill>
+                <a:schemeClr val="tx1"/>
+              </a:solidFill>
+            </a:endParaRPr>
+          </a:p>
+        </p:txBody>
+      </p:sp>
+      <p:sp>
+        <p:nvSpPr>
+          <p:cNvPr id="58" name="Oval 57">
+            <a:extLst>
+              <a:ext uri="{FF2B5EF4-FFF2-40B4-BE49-F238E27FC236}">
+                <a16:creationId xmlns:a16="http://schemas.microsoft.com/office/drawing/2014/main" id="{51613746-2D88-4371-8C31-DA92FC5B4890}"/>
+              </a:ext>
+            </a:extLst>
+          </p:cNvPr>
+          <p:cNvSpPr/>
+          <p:nvPr/>
+        </p:nvSpPr>
+        <p:spPr>
+          <a:xfrm>
+            <a:off x="6324762" y="4147843"/>
+            <a:ext cx="385907" cy="340207"/>
+          </a:xfrm>
+          <a:prstGeom prst="ellipse">
+            <a:avLst/>
+          </a:prstGeom>
+          <a:noFill/>
+        </p:spPr>
+        <p:style>
+          <a:lnRef idx="2">
+            <a:schemeClr val="accent1">
+              <a:shade val="50000"/>
+            </a:schemeClr>
+          </a:lnRef>
+          <a:fillRef idx="1">
+            <a:schemeClr val="accent1"/>
+          </a:fillRef>
+          <a:effectRef idx="0">
+            <a:schemeClr val="accent1"/>
+          </a:effectRef>
+          <a:fontRef idx="minor">
+            <a:schemeClr val="lt1"/>
+          </a:fontRef>
+        </p:style>
+        <p:txBody>
+          <a:bodyPr rtlCol="0" anchor="ctr"/>
+          <a:lstStyle/>
+          <a:p>
+            <a:pPr algn="ctr"/>
+            <a:r>
+              <a:rPr lang="en-US" dirty="0">
+                <a:solidFill>
+                  <a:schemeClr val="tx1"/>
+                </a:solidFill>
+              </a:rPr>
+              <a:t>4</a:t>
+            </a:r>
+            <a:endParaRPr lang="en-IN" dirty="0">
+              <a:solidFill>
+                <a:schemeClr val="tx1"/>
+              </a:solidFill>
+            </a:endParaRPr>
+          </a:p>
+        </p:txBody>
+      </p:sp>
+      <p:sp>
+        <p:nvSpPr>
+          <p:cNvPr id="59" name="Oval 58">
+            <a:extLst>
+              <a:ext uri="{FF2B5EF4-FFF2-40B4-BE49-F238E27FC236}">
+                <a16:creationId xmlns:a16="http://schemas.microsoft.com/office/drawing/2014/main" id="{265A8F9F-A2AC-44A7-A7A3-831A28FBD719}"/>
+              </a:ext>
+            </a:extLst>
+          </p:cNvPr>
+          <p:cNvSpPr/>
+          <p:nvPr/>
+        </p:nvSpPr>
+        <p:spPr>
+          <a:xfrm>
+            <a:off x="6732094" y="4139376"/>
+            <a:ext cx="385907" cy="340207"/>
+          </a:xfrm>
+          <a:prstGeom prst="ellipse">
+            <a:avLst/>
+          </a:prstGeom>
+          <a:noFill/>
+        </p:spPr>
+        <p:style>
+          <a:lnRef idx="2">
+            <a:schemeClr val="accent1">
+              <a:shade val="50000"/>
+            </a:schemeClr>
+          </a:lnRef>
+          <a:fillRef idx="1">
+            <a:schemeClr val="accent1"/>
+          </a:fillRef>
+          <a:effectRef idx="0">
+            <a:schemeClr val="accent1"/>
+          </a:effectRef>
+          <a:fontRef idx="minor">
+            <a:schemeClr val="lt1"/>
+          </a:fontRef>
+        </p:style>
+        <p:txBody>
+          <a:bodyPr rtlCol="0" anchor="ctr"/>
+          <a:lstStyle/>
+          <a:p>
+            <a:pPr algn="ctr"/>
+            <a:r>
+              <a:rPr lang="en-US" dirty="0">
+                <a:solidFill>
+                  <a:schemeClr val="tx1"/>
+                </a:solidFill>
+              </a:rPr>
+              <a:t>5</a:t>
+            </a:r>
+            <a:endParaRPr lang="en-IN" dirty="0">
+              <a:solidFill>
+                <a:schemeClr val="tx1"/>
+              </a:solidFill>
+            </a:endParaRPr>
+          </a:p>
+        </p:txBody>
+      </p:sp>
+      <p:sp>
+        <p:nvSpPr>
+          <p:cNvPr id="60" name="Oval 59">
+            <a:extLst>
+              <a:ext uri="{FF2B5EF4-FFF2-40B4-BE49-F238E27FC236}">
+                <a16:creationId xmlns:a16="http://schemas.microsoft.com/office/drawing/2014/main" id="{2F3F858F-C854-4EFE-9748-4AD78D6BA7EC}"/>
+              </a:ext>
+            </a:extLst>
+          </p:cNvPr>
+          <p:cNvSpPr/>
+          <p:nvPr/>
+        </p:nvSpPr>
+        <p:spPr>
+          <a:xfrm>
+            <a:off x="7110382" y="4173778"/>
+            <a:ext cx="385907" cy="340207"/>
+          </a:xfrm>
+          <a:prstGeom prst="ellipse">
+            <a:avLst/>
+          </a:prstGeom>
+          <a:noFill/>
+        </p:spPr>
+        <p:style>
+          <a:lnRef idx="2">
+            <a:schemeClr val="accent1">
+              <a:shade val="50000"/>
+            </a:schemeClr>
+          </a:lnRef>
+          <a:fillRef idx="1">
+            <a:schemeClr val="accent1"/>
+          </a:fillRef>
+          <a:effectRef idx="0">
+            <a:schemeClr val="accent1"/>
+          </a:effectRef>
+          <a:fontRef idx="minor">
+            <a:schemeClr val="lt1"/>
+          </a:fontRef>
+        </p:style>
+        <p:txBody>
+          <a:bodyPr rtlCol="0" anchor="ctr"/>
+          <a:lstStyle/>
+          <a:p>
+            <a:pPr algn="ctr"/>
+            <a:r>
+              <a:rPr lang="en-US" dirty="0">
+                <a:solidFill>
+                  <a:schemeClr val="tx1"/>
+                </a:solidFill>
+              </a:rPr>
+              <a:t>6</a:t>
+            </a:r>
+            <a:endParaRPr lang="en-IN" dirty="0">
+              <a:solidFill>
+                <a:schemeClr val="tx1"/>
+              </a:solidFill>
+            </a:endParaRPr>
+          </a:p>
+        </p:txBody>
+      </p:sp>
+      <p:sp>
+        <p:nvSpPr>
+          <p:cNvPr id="61" name="Oval 60">
+            <a:extLst>
+              <a:ext uri="{FF2B5EF4-FFF2-40B4-BE49-F238E27FC236}">
+                <a16:creationId xmlns:a16="http://schemas.microsoft.com/office/drawing/2014/main" id="{D21DF026-186D-49AE-B472-A2EBF8316FDA}"/>
+              </a:ext>
+            </a:extLst>
+          </p:cNvPr>
+          <p:cNvSpPr/>
+          <p:nvPr/>
+        </p:nvSpPr>
+        <p:spPr>
+          <a:xfrm>
+            <a:off x="6358791" y="4478224"/>
+            <a:ext cx="385907" cy="340207"/>
+          </a:xfrm>
+          <a:prstGeom prst="ellipse">
+            <a:avLst/>
+          </a:prstGeom>
+          <a:noFill/>
+        </p:spPr>
+        <p:style>
+          <a:lnRef idx="2">
+            <a:schemeClr val="accent1">
+              <a:shade val="50000"/>
+            </a:schemeClr>
+          </a:lnRef>
+          <a:fillRef idx="1">
+            <a:schemeClr val="accent1"/>
+          </a:fillRef>
+          <a:effectRef idx="0">
+            <a:schemeClr val="accent1"/>
+          </a:effectRef>
+          <a:fontRef idx="minor">
+            <a:schemeClr val="lt1"/>
+          </a:fontRef>
+        </p:style>
+        <p:txBody>
+          <a:bodyPr rtlCol="0" anchor="ctr"/>
+          <a:lstStyle/>
+          <a:p>
+            <a:pPr algn="ctr"/>
+            <a:r>
+              <a:rPr lang="en-US" dirty="0">
+                <a:solidFill>
+                  <a:schemeClr val="tx1"/>
+                </a:solidFill>
+              </a:rPr>
+              <a:t>7</a:t>
+            </a:r>
+            <a:endParaRPr lang="en-IN" dirty="0">
+              <a:solidFill>
+                <a:schemeClr val="tx1"/>
+              </a:solidFill>
+            </a:endParaRPr>
+          </a:p>
+        </p:txBody>
+      </p:sp>
+      <p:sp>
+        <p:nvSpPr>
+          <p:cNvPr id="62" name="Oval 61">
+            <a:extLst>
+              <a:ext uri="{FF2B5EF4-FFF2-40B4-BE49-F238E27FC236}">
+                <a16:creationId xmlns:a16="http://schemas.microsoft.com/office/drawing/2014/main" id="{B8A3B11B-8B33-4187-A440-DDA4EDFEF507}"/>
+              </a:ext>
+            </a:extLst>
+          </p:cNvPr>
+          <p:cNvSpPr/>
+          <p:nvPr/>
+        </p:nvSpPr>
+        <p:spPr>
+          <a:xfrm>
+            <a:off x="6773742" y="4504569"/>
+            <a:ext cx="385907" cy="340207"/>
+          </a:xfrm>
+          <a:prstGeom prst="ellipse">
+            <a:avLst/>
+          </a:prstGeom>
+          <a:noFill/>
+        </p:spPr>
+        <p:style>
+          <a:lnRef idx="2">
+            <a:schemeClr val="accent1">
+              <a:shade val="50000"/>
+            </a:schemeClr>
+          </a:lnRef>
+          <a:fillRef idx="1">
+            <a:schemeClr val="accent1"/>
+          </a:fillRef>
+          <a:effectRef idx="0">
+            <a:schemeClr val="accent1"/>
+          </a:effectRef>
+          <a:fontRef idx="minor">
+            <a:schemeClr val="lt1"/>
+          </a:fontRef>
+        </p:style>
+        <p:txBody>
+          <a:bodyPr rtlCol="0" anchor="ctr"/>
+          <a:lstStyle/>
+          <a:p>
+            <a:pPr algn="ctr"/>
+            <a:r>
+              <a:rPr lang="en-US" dirty="0">
+                <a:solidFill>
+                  <a:schemeClr val="tx1"/>
+                </a:solidFill>
+              </a:rPr>
+              <a:t>8</a:t>
+            </a:r>
+            <a:endParaRPr lang="en-IN" dirty="0">
+              <a:solidFill>
+                <a:schemeClr val="tx1"/>
+              </a:solidFill>
+            </a:endParaRPr>
+          </a:p>
+        </p:txBody>
+      </p:sp>
+      <p:sp>
+        <p:nvSpPr>
+          <p:cNvPr id="63" name="Oval 62">
+            <a:extLst>
+              <a:ext uri="{FF2B5EF4-FFF2-40B4-BE49-F238E27FC236}">
+                <a16:creationId xmlns:a16="http://schemas.microsoft.com/office/drawing/2014/main" id="{345907E5-77DB-4527-A78A-8905A20ACB1D}"/>
+              </a:ext>
+            </a:extLst>
+          </p:cNvPr>
+          <p:cNvSpPr/>
+          <p:nvPr/>
+        </p:nvSpPr>
+        <p:spPr>
+          <a:xfrm>
+            <a:off x="7188687" y="4511826"/>
+            <a:ext cx="385907" cy="340207"/>
+          </a:xfrm>
+          <a:prstGeom prst="ellipse">
+            <a:avLst/>
+          </a:prstGeom>
+          <a:noFill/>
+        </p:spPr>
+        <p:style>
+          <a:lnRef idx="2">
+            <a:schemeClr val="accent1">
+              <a:shade val="50000"/>
+            </a:schemeClr>
+          </a:lnRef>
+          <a:fillRef idx="1">
+            <a:schemeClr val="accent1"/>
+          </a:fillRef>
+          <a:effectRef idx="0">
+            <a:schemeClr val="accent1"/>
+          </a:effectRef>
+          <a:fontRef idx="minor">
+            <a:schemeClr val="lt1"/>
+          </a:fontRef>
+        </p:style>
+        <p:txBody>
+          <a:bodyPr rtlCol="0" anchor="ctr"/>
+          <a:lstStyle/>
+          <a:p>
+            <a:pPr algn="ctr"/>
+            <a:r>
+              <a:rPr lang="en-US" dirty="0">
+                <a:solidFill>
+                  <a:schemeClr val="tx1"/>
+                </a:solidFill>
+              </a:rPr>
+              <a:t>9</a:t>
+            </a:r>
+            <a:endParaRPr lang="en-IN" dirty="0">
+              <a:solidFill>
+                <a:schemeClr val="tx1"/>
+              </a:solidFill>
+            </a:endParaRPr>
+          </a:p>
+        </p:txBody>
+      </p:sp>
+      <p:sp>
+        <p:nvSpPr>
+          <p:cNvPr id="64" name="Arrow: Right 63">
+            <a:extLst>
+              <a:ext uri="{FF2B5EF4-FFF2-40B4-BE49-F238E27FC236}">
+                <a16:creationId xmlns:a16="http://schemas.microsoft.com/office/drawing/2014/main" id="{972AE83F-720B-471F-821B-816FD9A18A6B}"/>
+              </a:ext>
+            </a:extLst>
+          </p:cNvPr>
+          <p:cNvSpPr/>
+          <p:nvPr/>
+        </p:nvSpPr>
+        <p:spPr>
+          <a:xfrm>
+            <a:off x="4281929" y="4297350"/>
+            <a:ext cx="609599" cy="306813"/>
+          </a:xfrm>
+          <a:prstGeom prst="rightArrow">
+            <a:avLst/>
+          </a:prstGeom>
+        </p:spPr>
+        <p:style>
+          <a:lnRef idx="2">
+            <a:schemeClr val="accent1">
+              <a:shade val="50000"/>
+            </a:schemeClr>
+          </a:lnRef>
+          <a:fillRef idx="1">
+            <a:schemeClr val="accent1"/>
+          </a:fillRef>
+          <a:effectRef idx="0">
+            <a:schemeClr val="accent1"/>
+          </a:effectRef>
+          <a:fontRef idx="minor">
+            <a:schemeClr val="lt1"/>
+          </a:fontRef>
+        </p:style>
+        <p:txBody>
+          <a:bodyPr rtlCol="0" anchor="ctr"/>
+          <a:lstStyle/>
+          <a:p>
+            <a:pPr algn="ctr"/>
+            <a:endParaRPr lang="en-IN" dirty="0"/>
+          </a:p>
+        </p:txBody>
+      </p:sp>
+      <p:sp>
+        <p:nvSpPr>
+          <p:cNvPr id="65" name="Arrow: Right 64">
+            <a:extLst>
+              <a:ext uri="{FF2B5EF4-FFF2-40B4-BE49-F238E27FC236}">
+                <a16:creationId xmlns:a16="http://schemas.microsoft.com/office/drawing/2014/main" id="{54FCD6A4-1C01-4E8A-A61D-0567EC88F884}"/>
+              </a:ext>
+            </a:extLst>
+          </p:cNvPr>
+          <p:cNvSpPr/>
+          <p:nvPr/>
+        </p:nvSpPr>
+        <p:spPr>
+          <a:xfrm>
+            <a:off x="7751125" y="4256594"/>
+            <a:ext cx="609599" cy="306813"/>
+          </a:xfrm>
+          <a:prstGeom prst="rightArrow">
+            <a:avLst/>
+          </a:prstGeom>
+        </p:spPr>
+        <p:style>
+          <a:lnRef idx="2">
+            <a:schemeClr val="accent1">
+              <a:shade val="50000"/>
+            </a:schemeClr>
+          </a:lnRef>
+          <a:fillRef idx="1">
+            <a:schemeClr val="accent1"/>
+          </a:fillRef>
+          <a:effectRef idx="0">
+            <a:schemeClr val="accent1"/>
+          </a:effectRef>
+          <a:fontRef idx="minor">
+            <a:schemeClr val="lt1"/>
+          </a:fontRef>
+        </p:style>
+        <p:txBody>
+          <a:bodyPr rtlCol="0" anchor="ctr"/>
+          <a:lstStyle/>
+          <a:p>
+            <a:pPr algn="ctr"/>
+            <a:endParaRPr lang="en-IN"/>
+          </a:p>
+        </p:txBody>
+      </p:sp>
+      <p:sp>
+        <p:nvSpPr>
+          <p:cNvPr id="66" name="Oval 65">
+            <a:extLst>
+              <a:ext uri="{FF2B5EF4-FFF2-40B4-BE49-F238E27FC236}">
+                <a16:creationId xmlns:a16="http://schemas.microsoft.com/office/drawing/2014/main" id="{2AD283DE-E338-47E3-8E7E-8D43CADB3427}"/>
+              </a:ext>
+            </a:extLst>
+          </p:cNvPr>
+          <p:cNvSpPr/>
+          <p:nvPr/>
+        </p:nvSpPr>
+        <p:spPr>
+          <a:xfrm>
+            <a:off x="8575088" y="3961756"/>
+            <a:ext cx="729782" cy="667807"/>
+          </a:xfrm>
+          <a:prstGeom prst="ellipse">
+            <a:avLst/>
+          </a:prstGeom>
+          <a:noFill/>
+        </p:spPr>
+        <p:style>
+          <a:lnRef idx="2">
+            <a:schemeClr val="accent1">
+              <a:shade val="50000"/>
+            </a:schemeClr>
+          </a:lnRef>
+          <a:fillRef idx="1">
+            <a:schemeClr val="accent1"/>
+          </a:fillRef>
+          <a:effectRef idx="0">
+            <a:schemeClr val="accent1"/>
+          </a:effectRef>
+          <a:fontRef idx="minor">
+            <a:schemeClr val="lt1"/>
+          </a:fontRef>
+        </p:style>
+        <p:txBody>
+          <a:bodyPr rtlCol="0" anchor="ctr"/>
+          <a:lstStyle/>
+          <a:p>
+            <a:pPr algn="ctr"/>
+            <a:r>
+              <a:rPr lang="en-US" sz="1200" dirty="0">
+                <a:solidFill>
+                  <a:schemeClr val="tx1"/>
+                </a:solidFill>
+              </a:rPr>
+              <a:t>code</a:t>
+            </a:r>
+            <a:endParaRPr lang="en-IN" sz="1200" dirty="0">
+              <a:solidFill>
+                <a:schemeClr val="tx1"/>
+              </a:solidFill>
+            </a:endParaRPr>
+          </a:p>
+        </p:txBody>
+      </p:sp>
+      <p:sp>
+        <p:nvSpPr>
+          <p:cNvPr id="67" name="Oval 66">
+            <a:extLst>
+              <a:ext uri="{FF2B5EF4-FFF2-40B4-BE49-F238E27FC236}">
+                <a16:creationId xmlns:a16="http://schemas.microsoft.com/office/drawing/2014/main" id="{F5E24CC3-4014-4F94-87C5-50F606069112}"/>
+              </a:ext>
+            </a:extLst>
+          </p:cNvPr>
+          <p:cNvSpPr/>
+          <p:nvPr/>
+        </p:nvSpPr>
+        <p:spPr>
+          <a:xfrm>
+            <a:off x="8965548" y="4572720"/>
+            <a:ext cx="729782" cy="667807"/>
+          </a:xfrm>
+          <a:prstGeom prst="ellipse">
+            <a:avLst/>
+          </a:prstGeom>
+          <a:noFill/>
+        </p:spPr>
+        <p:style>
+          <a:lnRef idx="2">
+            <a:schemeClr val="accent1">
+              <a:shade val="50000"/>
+            </a:schemeClr>
+          </a:lnRef>
+          <a:fillRef idx="1">
+            <a:schemeClr val="accent1"/>
+          </a:fillRef>
+          <a:effectRef idx="0">
+            <a:schemeClr val="accent1"/>
+          </a:effectRef>
+          <a:fontRef idx="minor">
+            <a:schemeClr val="lt1"/>
+          </a:fontRef>
+        </p:style>
+        <p:txBody>
+          <a:bodyPr rtlCol="0" anchor="ctr"/>
+          <a:lstStyle/>
+          <a:p>
+            <a:pPr algn="ctr"/>
+            <a:r>
+              <a:rPr lang="en-US" sz="1200" dirty="0">
+                <a:solidFill>
+                  <a:schemeClr val="tx1"/>
+                </a:solidFill>
+              </a:rPr>
+              <a:t>code</a:t>
+            </a:r>
+            <a:endParaRPr lang="en-IN" sz="1200" dirty="0">
+              <a:solidFill>
+                <a:schemeClr val="tx1"/>
+              </a:solidFill>
+            </a:endParaRPr>
+          </a:p>
+        </p:txBody>
+      </p:sp>
+      <p:sp>
+        <p:nvSpPr>
+          <p:cNvPr id="68" name="Oval 67">
+            <a:extLst>
+              <a:ext uri="{FF2B5EF4-FFF2-40B4-BE49-F238E27FC236}">
+                <a16:creationId xmlns:a16="http://schemas.microsoft.com/office/drawing/2014/main" id="{D444C769-95B0-443D-A96A-AD0D0C55C71C}"/>
+              </a:ext>
+            </a:extLst>
+          </p:cNvPr>
+          <p:cNvSpPr/>
+          <p:nvPr/>
+        </p:nvSpPr>
+        <p:spPr>
+          <a:xfrm>
+            <a:off x="9304870" y="3954033"/>
+            <a:ext cx="729782" cy="667807"/>
+          </a:xfrm>
+          <a:prstGeom prst="ellipse">
+            <a:avLst/>
+          </a:prstGeom>
+          <a:noFill/>
+        </p:spPr>
+        <p:style>
+          <a:lnRef idx="2">
+            <a:schemeClr val="accent1">
+              <a:shade val="50000"/>
+            </a:schemeClr>
+          </a:lnRef>
+          <a:fillRef idx="1">
+            <a:schemeClr val="accent1"/>
+          </a:fillRef>
+          <a:effectRef idx="0">
+            <a:schemeClr val="accent1"/>
+          </a:effectRef>
+          <a:fontRef idx="minor">
+            <a:schemeClr val="lt1"/>
+          </a:fontRef>
+        </p:style>
+        <p:txBody>
+          <a:bodyPr rtlCol="0" anchor="ctr"/>
+          <a:lstStyle/>
+          <a:p>
+            <a:pPr algn="ctr"/>
+            <a:r>
+              <a:rPr lang="en-US" sz="1200" dirty="0">
+                <a:solidFill>
+                  <a:schemeClr val="tx1"/>
+                </a:solidFill>
+              </a:rPr>
+              <a:t>code</a:t>
+            </a:r>
+            <a:endParaRPr lang="en-IN" sz="1200" dirty="0">
+              <a:solidFill>
+                <a:schemeClr val="tx1"/>
+              </a:solidFill>
+            </a:endParaRPr>
           </a:p>
         </p:txBody>
       </p:sp>
     </p:spTree>
     <p:extLst>
       <p:ext uri="{BB962C8B-B14F-4D97-AF65-F5344CB8AC3E}">
-        <p14:creationId xmlns:p14="http://schemas.microsoft.com/office/powerpoint/2010/main" val="3673438038"/>
+        <p14:creationId xmlns:p14="http://schemas.microsoft.com/office/powerpoint/2010/main" val="1812257574"/>
+      </p:ext>
+    </p:extLst>
+  </p:cSld>
+  <p:clrMapOvr>
+    <a:masterClrMapping/>
+  </p:clrMapOvr>
+</p:sld>
+</file>
+
+<file path=ppt/slides/slide4.xml><?xml version="1.0" encoding="utf-8"?>
+<p:sld xmlns:a="http://schemas.openxmlformats.org/drawingml/2006/main" xmlns:r="http://schemas.openxmlformats.org/officeDocument/2006/relationships" xmlns:p="http://schemas.openxmlformats.org/presentationml/2006/main">
+  <p:cSld>
+    <p:spTree>
+      <p:nvGrpSpPr>
+        <p:cNvPr id="1" name=""/>
+        <p:cNvGrpSpPr/>
+        <p:nvPr/>
+      </p:nvGrpSpPr>
+      <p:grpSpPr>
+        <a:xfrm>
+          <a:off x="0" y="0"/>
+          <a:ext cx="0" cy="0"/>
+          <a:chOff x="0" y="0"/>
+          <a:chExt cx="0" cy="0"/>
+        </a:xfrm>
+      </p:grpSpPr>
+      <p:sp>
+        <p:nvSpPr>
+          <p:cNvPr id="2" name="Title 1">
+            <a:extLst>
+              <a:ext uri="{FF2B5EF4-FFF2-40B4-BE49-F238E27FC236}">
+                <a16:creationId xmlns:a16="http://schemas.microsoft.com/office/drawing/2014/main" id="{93109EBC-C9A3-4989-A075-4CF6AFCD1792}"/>
+              </a:ext>
+            </a:extLst>
+          </p:cNvPr>
+          <p:cNvSpPr>
+            <a:spLocks noGrp="1"/>
+          </p:cNvSpPr>
+          <p:nvPr>
+            <p:ph type="title"/>
+          </p:nvPr>
+        </p:nvSpPr>
+        <p:spPr/>
+        <p:txBody>
+          <a:bodyPr/>
+          <a:lstStyle/>
+          <a:p>
+            <a:r>
+              <a:rPr lang="en-US" dirty="0"/>
+              <a:t>Single peak positional encoding</a:t>
+            </a:r>
+            <a:endParaRPr lang="en-IN" dirty="0"/>
+          </a:p>
+        </p:txBody>
+      </p:sp>
+      <p:sp>
+        <p:nvSpPr>
+          <p:cNvPr id="3" name="Content Placeholder 2">
+            <a:extLst>
+              <a:ext uri="{FF2B5EF4-FFF2-40B4-BE49-F238E27FC236}">
+                <a16:creationId xmlns:a16="http://schemas.microsoft.com/office/drawing/2014/main" id="{743AE779-500F-4AA3-925E-1F6E295C3E0A}"/>
+              </a:ext>
+            </a:extLst>
+          </p:cNvPr>
+          <p:cNvSpPr>
+            <a:spLocks noGrp="1"/>
+          </p:cNvSpPr>
+          <p:nvPr>
+            <p:ph idx="1"/>
+          </p:nvPr>
+        </p:nvSpPr>
+        <p:spPr/>
+        <p:txBody>
+          <a:bodyPr/>
+          <a:lstStyle/>
+          <a:p>
+            <a:endParaRPr lang="en-IN"/>
+          </a:p>
+        </p:txBody>
+      </p:sp>
+      <p:pic>
+        <p:nvPicPr>
+          <p:cNvPr id="5" name="Picture 4">
+            <a:extLst>
+              <a:ext uri="{FF2B5EF4-FFF2-40B4-BE49-F238E27FC236}">
+                <a16:creationId xmlns:a16="http://schemas.microsoft.com/office/drawing/2014/main" id="{525A884F-592D-4622-8DA1-D36A85E840B9}"/>
+              </a:ext>
+            </a:extLst>
+          </p:cNvPr>
+          <p:cNvPicPr>
+            <a:picLocks noChangeAspect="1"/>
+          </p:cNvPicPr>
+          <p:nvPr/>
+        </p:nvPicPr>
+        <p:blipFill>
+          <a:blip r:embed="rId2"/>
+          <a:stretch>
+            <a:fillRect/>
+          </a:stretch>
+        </p:blipFill>
+        <p:spPr>
+          <a:xfrm>
+            <a:off x="283725" y="2931210"/>
+            <a:ext cx="10908303" cy="1898545"/>
+          </a:xfrm>
+          <a:prstGeom prst="rect">
+            <a:avLst/>
+          </a:prstGeom>
+        </p:spPr>
+      </p:pic>
+    </p:spTree>
+    <p:extLst>
+      <p:ext uri="{BB962C8B-B14F-4D97-AF65-F5344CB8AC3E}">
+        <p14:creationId xmlns:p14="http://schemas.microsoft.com/office/powerpoint/2010/main" val="3904780732"/>
+      </p:ext>
+    </p:extLst>
+  </p:cSld>
+  <p:clrMapOvr>
+    <a:masterClrMapping/>
+  </p:clrMapOvr>
+</p:sld>
+</file>
+
+<file path=ppt/slides/slide5.xml><?xml version="1.0" encoding="utf-8"?>
+<p:sld xmlns:a="http://schemas.openxmlformats.org/drawingml/2006/main" xmlns:r="http://schemas.openxmlformats.org/officeDocument/2006/relationships" xmlns:p="http://schemas.openxmlformats.org/presentationml/2006/main">
+  <p:cSld>
+    <p:spTree>
+      <p:nvGrpSpPr>
+        <p:cNvPr id="1" name=""/>
+        <p:cNvGrpSpPr/>
+        <p:nvPr/>
+      </p:nvGrpSpPr>
+      <p:grpSpPr>
+        <a:xfrm>
+          <a:off x="0" y="0"/>
+          <a:ext cx="0" cy="0"/>
+          <a:chOff x="0" y="0"/>
+          <a:chExt cx="0" cy="0"/>
+        </a:xfrm>
+      </p:grpSpPr>
+      <p:sp>
+        <p:nvSpPr>
+          <p:cNvPr id="2" name="Title 1">
+            <a:extLst>
+              <a:ext uri="{FF2B5EF4-FFF2-40B4-BE49-F238E27FC236}">
+                <a16:creationId xmlns:a16="http://schemas.microsoft.com/office/drawing/2014/main" id="{D42A1E17-CB92-4AFA-985A-892E3506B25E}"/>
+              </a:ext>
+            </a:extLst>
+          </p:cNvPr>
+          <p:cNvSpPr>
+            <a:spLocks noGrp="1"/>
+          </p:cNvSpPr>
+          <p:nvPr>
+            <p:ph type="title"/>
+          </p:nvPr>
+        </p:nvSpPr>
+        <p:spPr/>
+        <p:txBody>
+          <a:bodyPr/>
+          <a:lstStyle/>
+          <a:p>
+            <a:r>
+              <a:rPr lang="en-US" dirty="0"/>
+              <a:t>Single peak positional encoding</a:t>
+            </a:r>
+            <a:endParaRPr lang="en-IN" dirty="0"/>
+          </a:p>
+        </p:txBody>
+      </p:sp>
+      <p:pic>
+        <p:nvPicPr>
+          <p:cNvPr id="7" name="Content Placeholder 6">
+            <a:extLst>
+              <a:ext uri="{FF2B5EF4-FFF2-40B4-BE49-F238E27FC236}">
+                <a16:creationId xmlns:a16="http://schemas.microsoft.com/office/drawing/2014/main" id="{DE9CB121-07E6-4872-91D6-7F6DE4E92422}"/>
+              </a:ext>
+            </a:extLst>
+          </p:cNvPr>
+          <p:cNvPicPr>
+            <a:picLocks noGrp="1" noChangeAspect="1"/>
+          </p:cNvPicPr>
+          <p:nvPr>
+            <p:ph idx="1"/>
+          </p:nvPr>
+        </p:nvPicPr>
+        <p:blipFill rotWithShape="1">
+          <a:blip r:embed="rId2"/>
+          <a:srcRect l="22485" t="50072" r="20030" b="-691"/>
+          <a:stretch/>
+        </p:blipFill>
+        <p:spPr>
+          <a:xfrm>
+            <a:off x="5521186" y="2491043"/>
+            <a:ext cx="4682232" cy="3726815"/>
+          </a:xfrm>
+        </p:spPr>
+      </p:pic>
+      <p:pic>
+        <p:nvPicPr>
+          <p:cNvPr id="5" name="Picture 4">
+            <a:extLst>
+              <a:ext uri="{FF2B5EF4-FFF2-40B4-BE49-F238E27FC236}">
+                <a16:creationId xmlns:a16="http://schemas.microsoft.com/office/drawing/2014/main" id="{DE29A8FF-908F-401D-8AF0-048D399CBE53}"/>
+              </a:ext>
+            </a:extLst>
+          </p:cNvPr>
+          <p:cNvPicPr>
+            <a:picLocks noChangeAspect="1"/>
+          </p:cNvPicPr>
+          <p:nvPr/>
+        </p:nvPicPr>
+        <p:blipFill rotWithShape="1">
+          <a:blip r:embed="rId2"/>
+          <a:srcRect r="22575" b="50945"/>
+          <a:stretch/>
+        </p:blipFill>
+        <p:spPr>
+          <a:xfrm>
+            <a:off x="-1613649" y="2345890"/>
+            <a:ext cx="6507383" cy="3726815"/>
+          </a:xfrm>
+          <a:prstGeom prst="rect">
+            <a:avLst/>
+          </a:prstGeom>
+        </p:spPr>
+      </p:pic>
+    </p:spTree>
+    <p:extLst>
+      <p:ext uri="{BB962C8B-B14F-4D97-AF65-F5344CB8AC3E}">
+        <p14:creationId xmlns:p14="http://schemas.microsoft.com/office/powerpoint/2010/main" val="2276583067"/>
+      </p:ext>
+    </p:extLst>
+  </p:cSld>
+  <p:clrMapOvr>
+    <a:masterClrMapping/>
+  </p:clrMapOvr>
+</p:sld>
+</file>
+
+<file path=ppt/slides/slide6.xml><?xml version="1.0" encoding="utf-8"?>
+<p:sld xmlns:a="http://schemas.openxmlformats.org/drawingml/2006/main" xmlns:r="http://schemas.openxmlformats.org/officeDocument/2006/relationships" xmlns:p="http://schemas.openxmlformats.org/presentationml/2006/main">
+  <p:cSld>
+    <p:spTree>
+      <p:nvGrpSpPr>
+        <p:cNvPr id="1" name=""/>
+        <p:cNvGrpSpPr/>
+        <p:nvPr/>
+      </p:nvGrpSpPr>
+      <p:grpSpPr>
+        <a:xfrm>
+          <a:off x="0" y="0"/>
+          <a:ext cx="0" cy="0"/>
+          <a:chOff x="0" y="0"/>
+          <a:chExt cx="0" cy="0"/>
+        </a:xfrm>
+      </p:grpSpPr>
+      <p:sp>
+        <p:nvSpPr>
+          <p:cNvPr id="2" name="Title 1">
+            <a:extLst>
+              <a:ext uri="{FF2B5EF4-FFF2-40B4-BE49-F238E27FC236}">
+                <a16:creationId xmlns:a16="http://schemas.microsoft.com/office/drawing/2014/main" id="{0CA26911-FA46-48DB-8302-A2466EA80802}"/>
+              </a:ext>
+            </a:extLst>
+          </p:cNvPr>
+          <p:cNvSpPr>
+            <a:spLocks noGrp="1"/>
+          </p:cNvSpPr>
+          <p:nvPr>
+            <p:ph type="title"/>
+          </p:nvPr>
+        </p:nvSpPr>
+        <p:spPr/>
+        <p:txBody>
+          <a:bodyPr/>
+          <a:lstStyle/>
+          <a:p>
+            <a:r>
+              <a:rPr lang="en-US" dirty="0"/>
+              <a:t>Double peak positional encoding</a:t>
+            </a:r>
+            <a:endParaRPr lang="en-IN" dirty="0"/>
+          </a:p>
+        </p:txBody>
+      </p:sp>
+      <p:sp>
+        <p:nvSpPr>
+          <p:cNvPr id="3" name="Content Placeholder 2">
+            <a:extLst>
+              <a:ext uri="{FF2B5EF4-FFF2-40B4-BE49-F238E27FC236}">
+                <a16:creationId xmlns:a16="http://schemas.microsoft.com/office/drawing/2014/main" id="{D2F951CB-F8C9-4F04-A79B-C333981BEF1E}"/>
+              </a:ext>
+            </a:extLst>
+          </p:cNvPr>
+          <p:cNvSpPr>
+            <a:spLocks noGrp="1"/>
+          </p:cNvSpPr>
+          <p:nvPr>
+            <p:ph idx="1"/>
+          </p:nvPr>
+        </p:nvSpPr>
+        <p:spPr/>
+        <p:txBody>
+          <a:bodyPr/>
+          <a:lstStyle/>
+          <a:p>
+            <a:endParaRPr lang="en-IN"/>
+          </a:p>
+        </p:txBody>
+      </p:sp>
+      <p:pic>
+        <p:nvPicPr>
+          <p:cNvPr id="5" name="Picture 4">
+            <a:extLst>
+              <a:ext uri="{FF2B5EF4-FFF2-40B4-BE49-F238E27FC236}">
+                <a16:creationId xmlns:a16="http://schemas.microsoft.com/office/drawing/2014/main" id="{C53E5CF8-FD6D-44FE-977D-91FFDE3EFDB9}"/>
+              </a:ext>
+            </a:extLst>
+          </p:cNvPr>
+          <p:cNvPicPr>
+            <a:picLocks noChangeAspect="1"/>
+          </p:cNvPicPr>
+          <p:nvPr/>
+        </p:nvPicPr>
+        <p:blipFill>
+          <a:blip r:embed="rId2"/>
+          <a:stretch>
+            <a:fillRect/>
+          </a:stretch>
+        </p:blipFill>
+        <p:spPr>
+          <a:xfrm>
+            <a:off x="772160" y="2599994"/>
+            <a:ext cx="10036966" cy="2564065"/>
+          </a:xfrm>
+          <a:prstGeom prst="rect">
+            <a:avLst/>
+          </a:prstGeom>
+        </p:spPr>
+      </p:pic>
+    </p:spTree>
+    <p:extLst>
+      <p:ext uri="{BB962C8B-B14F-4D97-AF65-F5344CB8AC3E}">
+        <p14:creationId xmlns:p14="http://schemas.microsoft.com/office/powerpoint/2010/main" val="1719898729"/>
+      </p:ext>
+    </p:extLst>
+  </p:cSld>
+  <p:clrMapOvr>
+    <a:masterClrMapping/>
+  </p:clrMapOvr>
+</p:sld>
+</file>
+
+<file path=ppt/slides/slide7.xml><?xml version="1.0" encoding="utf-8"?>
+<p:sld xmlns:a="http://schemas.openxmlformats.org/drawingml/2006/main" xmlns:r="http://schemas.openxmlformats.org/officeDocument/2006/relationships" xmlns:p="http://schemas.openxmlformats.org/presentationml/2006/main">
+  <p:cSld>
+    <p:spTree>
+      <p:nvGrpSpPr>
+        <p:cNvPr id="1" name=""/>
+        <p:cNvGrpSpPr/>
+        <p:nvPr/>
+      </p:nvGrpSpPr>
+      <p:grpSpPr>
+        <a:xfrm>
+          <a:off x="0" y="0"/>
+          <a:ext cx="0" cy="0"/>
+          <a:chOff x="0" y="0"/>
+          <a:chExt cx="0" cy="0"/>
+        </a:xfrm>
+      </p:grpSpPr>
+      <p:sp>
+        <p:nvSpPr>
+          <p:cNvPr id="2" name="Title 1">
+            <a:extLst>
+              <a:ext uri="{FF2B5EF4-FFF2-40B4-BE49-F238E27FC236}">
+                <a16:creationId xmlns:a16="http://schemas.microsoft.com/office/drawing/2014/main" id="{E1B09F25-2DEF-4189-A903-8B365845B29A}"/>
+              </a:ext>
+            </a:extLst>
+          </p:cNvPr>
+          <p:cNvSpPr>
+            <a:spLocks noGrp="1"/>
+          </p:cNvSpPr>
+          <p:nvPr>
+            <p:ph type="title"/>
+          </p:nvPr>
+        </p:nvSpPr>
+        <p:spPr/>
+        <p:txBody>
+          <a:bodyPr/>
+          <a:lstStyle/>
+          <a:p>
+            <a:r>
+              <a:rPr lang="en-US" dirty="0"/>
+              <a:t>Double peak positional encoding</a:t>
+            </a:r>
+            <a:endParaRPr lang="en-IN" dirty="0"/>
+          </a:p>
+        </p:txBody>
+      </p:sp>
+      <p:sp>
+        <p:nvSpPr>
+          <p:cNvPr id="3" name="Content Placeholder 2">
+            <a:extLst>
+              <a:ext uri="{FF2B5EF4-FFF2-40B4-BE49-F238E27FC236}">
+                <a16:creationId xmlns:a16="http://schemas.microsoft.com/office/drawing/2014/main" id="{ADDF3AF6-77B5-420B-8067-EAD538CDDA05}"/>
+              </a:ext>
+            </a:extLst>
+          </p:cNvPr>
+          <p:cNvSpPr>
+            <a:spLocks noGrp="1"/>
+          </p:cNvSpPr>
+          <p:nvPr>
+            <p:ph idx="1"/>
+          </p:nvPr>
+        </p:nvSpPr>
+        <p:spPr/>
+        <p:txBody>
+          <a:bodyPr/>
+          <a:lstStyle/>
+          <a:p>
+            <a:endParaRPr lang="en-IN"/>
+          </a:p>
+        </p:txBody>
+      </p:sp>
+      <p:pic>
+        <p:nvPicPr>
+          <p:cNvPr id="5" name="Picture 4">
+            <a:extLst>
+              <a:ext uri="{FF2B5EF4-FFF2-40B4-BE49-F238E27FC236}">
+                <a16:creationId xmlns:a16="http://schemas.microsoft.com/office/drawing/2014/main" id="{4BDEA1E1-1F16-4237-B9E4-2CA7E66F6DEB}"/>
+              </a:ext>
+            </a:extLst>
+          </p:cNvPr>
+          <p:cNvPicPr>
+            <a:picLocks noChangeAspect="1"/>
+          </p:cNvPicPr>
+          <p:nvPr/>
+        </p:nvPicPr>
+        <p:blipFill>
+          <a:blip r:embed="rId2"/>
+          <a:stretch>
+            <a:fillRect/>
+          </a:stretch>
+        </p:blipFill>
+        <p:spPr>
+          <a:xfrm>
+            <a:off x="1415288" y="1828800"/>
+            <a:ext cx="8288528" cy="4743078"/>
+          </a:xfrm>
+          <a:prstGeom prst="rect">
+            <a:avLst/>
+          </a:prstGeom>
+        </p:spPr>
+      </p:pic>
+    </p:spTree>
+    <p:extLst>
+      <p:ext uri="{BB962C8B-B14F-4D97-AF65-F5344CB8AC3E}">
+        <p14:creationId xmlns:p14="http://schemas.microsoft.com/office/powerpoint/2010/main" val="1170713206"/>
+      </p:ext>
+    </p:extLst>
+  </p:cSld>
+  <p:clrMapOvr>
+    <a:masterClrMapping/>
+  </p:clrMapOvr>
+</p:sld>
+</file>
+
+<file path=ppt/slides/slide8.xml><?xml version="1.0" encoding="utf-8"?>
+<p:sld xmlns:a="http://schemas.openxmlformats.org/drawingml/2006/main" xmlns:r="http://schemas.openxmlformats.org/officeDocument/2006/relationships" xmlns:p="http://schemas.openxmlformats.org/presentationml/2006/main">
+  <p:cSld>
+    <p:spTree>
+      <p:nvGrpSpPr>
+        <p:cNvPr id="1" name=""/>
+        <p:cNvGrpSpPr/>
+        <p:nvPr/>
+      </p:nvGrpSpPr>
+      <p:grpSpPr>
+        <a:xfrm>
+          <a:off x="0" y="0"/>
+          <a:ext cx="0" cy="0"/>
+          <a:chOff x="0" y="0"/>
+          <a:chExt cx="0" cy="0"/>
+        </a:xfrm>
+      </p:grpSpPr>
+      <p:sp>
+        <p:nvSpPr>
+          <p:cNvPr id="2" name="Title 1">
+            <a:extLst>
+              <a:ext uri="{FF2B5EF4-FFF2-40B4-BE49-F238E27FC236}">
+                <a16:creationId xmlns:a16="http://schemas.microsoft.com/office/drawing/2014/main" id="{0C127F7E-B81B-4E41-95E1-34EC70825E31}"/>
+              </a:ext>
+            </a:extLst>
+          </p:cNvPr>
+          <p:cNvSpPr>
+            <a:spLocks noGrp="1"/>
+          </p:cNvSpPr>
+          <p:nvPr>
+            <p:ph type="title"/>
+          </p:nvPr>
+        </p:nvSpPr>
+        <p:spPr/>
+        <p:txBody>
+          <a:bodyPr/>
+          <a:lstStyle/>
+          <a:p>
+            <a:r>
+              <a:rPr lang="en-US" dirty="0"/>
+              <a:t>Bar code encoding</a:t>
+            </a:r>
+            <a:endParaRPr lang="en-IN" dirty="0"/>
+          </a:p>
+        </p:txBody>
+      </p:sp>
+      <p:sp>
+        <p:nvSpPr>
+          <p:cNvPr id="3" name="Content Placeholder 2">
+            <a:extLst>
+              <a:ext uri="{FF2B5EF4-FFF2-40B4-BE49-F238E27FC236}">
+                <a16:creationId xmlns:a16="http://schemas.microsoft.com/office/drawing/2014/main" id="{BD4C01B6-F570-4AD4-BE55-B00C6AD5EBF1}"/>
+              </a:ext>
+            </a:extLst>
+          </p:cNvPr>
+          <p:cNvSpPr>
+            <a:spLocks noGrp="1"/>
+          </p:cNvSpPr>
+          <p:nvPr>
+            <p:ph idx="1"/>
+          </p:nvPr>
+        </p:nvSpPr>
+        <p:spPr/>
+        <p:txBody>
+          <a:bodyPr/>
+          <a:lstStyle/>
+          <a:p>
+            <a:endParaRPr lang="en-IN"/>
+          </a:p>
+        </p:txBody>
+      </p:sp>
+      <p:pic>
+        <p:nvPicPr>
+          <p:cNvPr id="5" name="Picture 4">
+            <a:extLst>
+              <a:ext uri="{FF2B5EF4-FFF2-40B4-BE49-F238E27FC236}">
+                <a16:creationId xmlns:a16="http://schemas.microsoft.com/office/drawing/2014/main" id="{E7B2A879-1EB1-41B6-8181-5D2FD8E612C1}"/>
+              </a:ext>
+            </a:extLst>
+          </p:cNvPr>
+          <p:cNvPicPr>
+            <a:picLocks noChangeAspect="1"/>
+          </p:cNvPicPr>
+          <p:nvPr/>
+        </p:nvPicPr>
+        <p:blipFill>
+          <a:blip r:embed="rId2"/>
+          <a:stretch>
+            <a:fillRect/>
+          </a:stretch>
+        </p:blipFill>
+        <p:spPr>
+          <a:xfrm>
+            <a:off x="2603089" y="1828800"/>
+            <a:ext cx="6278145" cy="4779952"/>
+          </a:xfrm>
+          <a:prstGeom prst="rect">
+            <a:avLst/>
+          </a:prstGeom>
+        </p:spPr>
+      </p:pic>
+    </p:spTree>
+    <p:extLst>
+      <p:ext uri="{BB962C8B-B14F-4D97-AF65-F5344CB8AC3E}">
+        <p14:creationId xmlns:p14="http://schemas.microsoft.com/office/powerpoint/2010/main" val="1760138816"/>
+      </p:ext>
+    </p:extLst>
+  </p:cSld>
+  <p:clrMapOvr>
+    <a:masterClrMapping/>
+  </p:clrMapOvr>
+</p:sld>
+</file>
+
+<file path=ppt/slides/slide9.xml><?xml version="1.0" encoding="utf-8"?>
+<p:sld xmlns:a="http://schemas.openxmlformats.org/drawingml/2006/main" xmlns:r="http://schemas.openxmlformats.org/officeDocument/2006/relationships" xmlns:p="http://schemas.openxmlformats.org/presentationml/2006/main">
+  <p:cSld>
+    <p:spTree>
+      <p:nvGrpSpPr>
+        <p:cNvPr id="1" name=""/>
+        <p:cNvGrpSpPr/>
+        <p:nvPr/>
+      </p:nvGrpSpPr>
+      <p:grpSpPr>
+        <a:xfrm>
+          <a:off x="0" y="0"/>
+          <a:ext cx="0" cy="0"/>
+          <a:chOff x="0" y="0"/>
+          <a:chExt cx="0" cy="0"/>
+        </a:xfrm>
+      </p:grpSpPr>
+      <p:sp>
+        <p:nvSpPr>
+          <p:cNvPr id="2" name="Title 1">
+            <a:extLst>
+              <a:ext uri="{FF2B5EF4-FFF2-40B4-BE49-F238E27FC236}">
+                <a16:creationId xmlns:a16="http://schemas.microsoft.com/office/drawing/2014/main" id="{CDC5D24E-48E5-40B3-8F10-15929F356D4C}"/>
+              </a:ext>
+            </a:extLst>
+          </p:cNvPr>
+          <p:cNvSpPr>
+            <a:spLocks noGrp="1"/>
+          </p:cNvSpPr>
+          <p:nvPr>
+            <p:ph type="title"/>
+          </p:nvPr>
+        </p:nvSpPr>
+        <p:spPr/>
+        <p:txBody>
+          <a:bodyPr/>
+          <a:lstStyle/>
+          <a:p>
+            <a:r>
+              <a:rPr lang="en-US" dirty="0"/>
+              <a:t>Bar code encoding</a:t>
+            </a:r>
+            <a:endParaRPr lang="en-IN" dirty="0"/>
+          </a:p>
+        </p:txBody>
+      </p:sp>
+      <p:sp>
+        <p:nvSpPr>
+          <p:cNvPr id="3" name="Content Placeholder 2">
+            <a:extLst>
+              <a:ext uri="{FF2B5EF4-FFF2-40B4-BE49-F238E27FC236}">
+                <a16:creationId xmlns:a16="http://schemas.microsoft.com/office/drawing/2014/main" id="{D64E6908-9FCE-46D3-A699-F0FDA315C34A}"/>
+              </a:ext>
+            </a:extLst>
+          </p:cNvPr>
+          <p:cNvSpPr>
+            <a:spLocks noGrp="1"/>
+          </p:cNvSpPr>
+          <p:nvPr>
+            <p:ph idx="1"/>
+          </p:nvPr>
+        </p:nvSpPr>
+        <p:spPr/>
+        <p:txBody>
+          <a:bodyPr/>
+          <a:lstStyle/>
+          <a:p>
+            <a:endParaRPr lang="en-IN"/>
+          </a:p>
+        </p:txBody>
+      </p:sp>
+      <p:pic>
+        <p:nvPicPr>
+          <p:cNvPr id="5" name="Picture 4">
+            <a:extLst>
+              <a:ext uri="{FF2B5EF4-FFF2-40B4-BE49-F238E27FC236}">
+                <a16:creationId xmlns:a16="http://schemas.microsoft.com/office/drawing/2014/main" id="{C1161945-115D-4407-AA92-DFD9E7D6C110}"/>
+              </a:ext>
+            </a:extLst>
+          </p:cNvPr>
+          <p:cNvPicPr>
+            <a:picLocks noChangeAspect="1"/>
+          </p:cNvPicPr>
+          <p:nvPr/>
+        </p:nvPicPr>
+        <p:blipFill>
+          <a:blip r:embed="rId2"/>
+          <a:stretch>
+            <a:fillRect/>
+          </a:stretch>
+        </p:blipFill>
+        <p:spPr>
+          <a:xfrm>
+            <a:off x="1956139" y="1898545"/>
+            <a:ext cx="6866128" cy="4503222"/>
+          </a:xfrm>
+          <a:prstGeom prst="rect">
+            <a:avLst/>
+          </a:prstGeom>
+        </p:spPr>
+      </p:pic>
+    </p:spTree>
+    <p:extLst>
+      <p:ext uri="{BB962C8B-B14F-4D97-AF65-F5344CB8AC3E}">
+        <p14:creationId xmlns:p14="http://schemas.microsoft.com/office/powerpoint/2010/main" val="2073913186"/>
       </p:ext>
     </p:extLst>
   </p:cSld>
@@ -3248,93 +7838,58 @@
 </file>
 
 <file path=ppt/theme/theme1.xml><?xml version="1.0" encoding="utf-8"?>
-<a:theme xmlns:a="http://schemas.openxmlformats.org/drawingml/2006/main" name="Office Theme">
+<a:theme xmlns:a="http://schemas.openxmlformats.org/drawingml/2006/main" name="View">
   <a:themeElements>
-    <a:clrScheme name="Office Theme">
+    <a:clrScheme name="View">
       <a:dk1>
-        <a:sysClr val="windowText" lastClr="000000"/>
+        <a:srgbClr val="000000"/>
       </a:dk1>
       <a:lt1>
-        <a:sysClr val="window" lastClr="FFFFFF"/>
+        <a:srgbClr val="FFFFFF"/>
       </a:lt1>
       <a:dk2>
-        <a:srgbClr val="44546A"/>
+        <a:srgbClr val="46464A"/>
       </a:dk2>
       <a:lt2>
-        <a:srgbClr val="E7E6E6"/>
+        <a:srgbClr val="D6D3CC"/>
       </a:lt2>
       <a:accent1>
-        <a:srgbClr val="4472C4"/>
+        <a:srgbClr val="6F6F74"/>
       </a:accent1>
       <a:accent2>
-        <a:srgbClr val="ED7D31"/>
+        <a:srgbClr val="92A9B9"/>
       </a:accent2>
       <a:accent3>
-        <a:srgbClr val="A5A5A5"/>
+        <a:srgbClr val="A7B789"/>
       </a:accent3>
       <a:accent4>
-        <a:srgbClr val="FFC000"/>
+        <a:srgbClr val="B9A489"/>
       </a:accent4>
       <a:accent5>
-        <a:srgbClr val="5B9BD5"/>
+        <a:srgbClr val="8D6374"/>
       </a:accent5>
       <a:accent6>
-        <a:srgbClr val="70AD47"/>
+        <a:srgbClr val="9B7362"/>
       </a:accent6>
       <a:hlink>
-        <a:srgbClr val="0563C1"/>
+        <a:srgbClr val="67AABF"/>
       </a:hlink>
       <a:folHlink>
-        <a:srgbClr val="954F72"/>
+        <a:srgbClr val="ABAFA5"/>
       </a:folHlink>
     </a:clrScheme>
-    <a:fontScheme name="Office Theme">
+    <a:fontScheme name="View">
       <a:majorFont>
-        <a:latin typeface="Calibri Light" panose="020F0302020204030204"/>
+        <a:latin typeface="Century Schoolbook" panose="02040604050505020304"/>
         <a:ea typeface=""/>
         <a:cs typeface=""/>
-        <a:font script="Jpan" typeface="游ゴシック Light"/>
+        <a:font script="Jpan" typeface="ＭＳ ゴシック"/>
         <a:font script="Hang" typeface="맑은 고딕"/>
-        <a:font script="Hans" typeface="等线 Light"/>
+        <a:font script="Hans" typeface="宋体"/>
         <a:font script="Hant" typeface="新細明體"/>
-        <a:font script="Arab" typeface="Times New Roman"/>
-        <a:font script="Hebr" typeface="Times New Roman"/>
-        <a:font script="Thai" typeface="Angsana New"/>
-        <a:font script="Ethi" typeface="Nyala"/>
-        <a:font script="Beng" typeface="Vrinda"/>
-        <a:font script="Gujr" typeface="Shruti"/>
-        <a:font script="Khmr" typeface="MoolBoran"/>
-        <a:font script="Knda" typeface="Tunga"/>
-        <a:font script="Guru" typeface="Raavi"/>
-        <a:font script="Cans" typeface="Euphemia"/>
-        <a:font script="Cher" typeface="Plantagenet Cherokee"/>
-        <a:font script="Yiii" typeface="Microsoft Yi Baiti"/>
-        <a:font script="Tibt" typeface="Microsoft Himalaya"/>
-        <a:font script="Thaa" typeface="MV Boli"/>
-        <a:font script="Deva" typeface="Mangal"/>
-        <a:font script="Telu" typeface="Gautami"/>
-        <a:font script="Taml" typeface="Latha"/>
-        <a:font script="Syrc" typeface="Estrangelo Edessa"/>
-        <a:font script="Orya" typeface="Kalinga"/>
-        <a:font script="Mlym" typeface="Kartika"/>
-        <a:font script="Laoo" typeface="DokChampa"/>
-        <a:font script="Sinh" typeface="Iskoola Pota"/>
-        <a:font script="Mong" typeface="Mongolian Baiti"/>
-        <a:font script="Viet" typeface="Times New Roman"/>
-        <a:font script="Uigh" typeface="Microsoft Uighur"/>
-        <a:font script="Geor" typeface="Sylfaen"/>
-      </a:majorFont>
-      <a:minorFont>
-        <a:latin typeface="Calibri" panose="020F0502020204030204"/>
-        <a:ea typeface=""/>
-        <a:cs typeface=""/>
-        <a:font script="Jpan" typeface="游ゴシック"/>
-        <a:font script="Hang" typeface="맑은 고딕"/>
-        <a:font script="Hans" typeface="等线"/>
-        <a:font script="Hant" typeface="新細明體"/>
-        <a:font script="Arab" typeface="Arial"/>
-        <a:font script="Hebr" typeface="Arial"/>
-        <a:font script="Thai" typeface="Cordia New"/>
+        <a:font script="Arab" typeface="Tahoma"/>
+        <a:font script="Hebr" typeface="Gisha"/>
+        <a:font script="Thai" typeface="DilleniaUPC"/>
         <a:font script="Ethi" typeface="Nyala"/>
         <a:font script="Beng" typeface="Vrinda"/>
         <a:font script="Gujr" typeface="Shruti"/>
@@ -3355,90 +7910,86 @@
         <a:font script="Laoo" typeface="DokChampa"/>
         <a:font script="Sinh" typeface="Iskoola Pota"/>
         <a:font script="Mong" typeface="Mongolian Baiti"/>
-        <a:font script="Viet" typeface="Arial"/>
+        <a:font script="Viet" typeface="Tahoma"/>
+        <a:font script="Uigh" typeface="Microsoft Uighur"/>
+        <a:font script="Geor" typeface="Sylfaen"/>
+      </a:majorFont>
+      <a:minorFont>
+        <a:latin typeface="Century Schoolbook" panose="02040604050505020304"/>
+        <a:ea typeface=""/>
+        <a:cs typeface=""/>
+        <a:font script="Jpan" typeface="ＭＳ ゴシック"/>
+        <a:font script="Hang" typeface="맑은 고딕"/>
+        <a:font script="Hans" typeface="宋体"/>
+        <a:font script="Hant" typeface="新細明體"/>
+        <a:font script="Arab" typeface="Tahoma"/>
+        <a:font script="Hebr" typeface="Gisha"/>
+        <a:font script="Thai" typeface="DilleniaUPC"/>
+        <a:font script="Ethi" typeface="Nyala"/>
+        <a:font script="Beng" typeface="Vrinda"/>
+        <a:font script="Gujr" typeface="Shruti"/>
+        <a:font script="Khmr" typeface="DaunPenh"/>
+        <a:font script="Knda" typeface="Tunga"/>
+        <a:font script="Guru" typeface="Raavi"/>
+        <a:font script="Cans" typeface="Euphemia"/>
+        <a:font script="Cher" typeface="Plantagenet Cherokee"/>
+        <a:font script="Yiii" typeface="Microsoft Yi Baiti"/>
+        <a:font script="Tibt" typeface="Microsoft Himalaya"/>
+        <a:font script="Thaa" typeface="MV Boli"/>
+        <a:font script="Deva" typeface="Mangal"/>
+        <a:font script="Telu" typeface="Gautami"/>
+        <a:font script="Taml" typeface="Latha"/>
+        <a:font script="Syrc" typeface="Estrangelo Edessa"/>
+        <a:font script="Orya" typeface="Kalinga"/>
+        <a:font script="Mlym" typeface="Kartika"/>
+        <a:font script="Laoo" typeface="DokChampa"/>
+        <a:font script="Sinh" typeface="Iskoola Pota"/>
+        <a:font script="Mong" typeface="Mongolian Baiti"/>
+        <a:font script="Viet" typeface="Verdana"/>
         <a:font script="Uigh" typeface="Microsoft Uighur"/>
         <a:font script="Geor" typeface="Sylfaen"/>
       </a:minorFont>
     </a:fontScheme>
-    <a:fmtScheme name="Office Theme">
+    <a:fmtScheme name="View">
       <a:fillStyleLst>
         <a:solidFill>
           <a:schemeClr val="phClr"/>
         </a:solidFill>
-        <a:gradFill rotWithShape="1">
-          <a:gsLst>
-            <a:gs pos="0">
-              <a:schemeClr val="phClr">
-                <a:lumMod val="110000"/>
-                <a:satMod val="105000"/>
-                <a:tint val="67000"/>
-              </a:schemeClr>
-            </a:gs>
-            <a:gs pos="50000">
-              <a:schemeClr val="phClr">
-                <a:lumMod val="105000"/>
-                <a:satMod val="103000"/>
-                <a:tint val="73000"/>
-              </a:schemeClr>
-            </a:gs>
-            <a:gs pos="100000">
-              <a:schemeClr val="phClr">
-                <a:lumMod val="105000"/>
-                <a:satMod val="109000"/>
-                <a:tint val="81000"/>
-              </a:schemeClr>
-            </a:gs>
-          </a:gsLst>
-          <a:lin ang="5400000" scaled="0"/>
-        </a:gradFill>
-        <a:gradFill rotWithShape="1">
-          <a:gsLst>
-            <a:gs pos="0">
-              <a:schemeClr val="phClr">
-                <a:satMod val="103000"/>
-                <a:lumMod val="102000"/>
-                <a:tint val="94000"/>
-              </a:schemeClr>
-            </a:gs>
-            <a:gs pos="50000">
-              <a:schemeClr val="phClr">
-                <a:satMod val="110000"/>
-                <a:lumMod val="100000"/>
-                <a:shade val="100000"/>
-              </a:schemeClr>
-            </a:gs>
-            <a:gs pos="100000">
-              <a:schemeClr val="phClr">
-                <a:lumMod val="99000"/>
-                <a:satMod val="120000"/>
-                <a:shade val="78000"/>
-              </a:schemeClr>
-            </a:gs>
-          </a:gsLst>
-          <a:lin ang="5400000" scaled="0"/>
-        </a:gradFill>
+        <a:solidFill>
+          <a:schemeClr val="phClr">
+            <a:tint val="60000"/>
+            <a:satMod val="120000"/>
+          </a:schemeClr>
+        </a:solidFill>
+        <a:solidFill>
+          <a:schemeClr val="phClr">
+            <a:shade val="75000"/>
+            <a:satMod val="160000"/>
+          </a:schemeClr>
+        </a:solidFill>
       </a:fillStyleLst>
       <a:lnStyleLst>
-        <a:ln w="6350" cap="flat" cmpd="sng" algn="ctr">
+        <a:ln w="9525" cap="flat" cmpd="sng" algn="ctr">
           <a:solidFill>
             <a:schemeClr val="phClr"/>
           </a:solidFill>
           <a:prstDash val="solid"/>
-          <a:miter lim="800000"/>
         </a:ln>
-        <a:ln w="12700" cap="flat" cmpd="sng" algn="ctr">
+        <a:ln w="13970" cap="flat" cmpd="sng" algn="ctr">
           <a:solidFill>
             <a:schemeClr val="phClr"/>
           </a:solidFill>
           <a:prstDash val="solid"/>
-          <a:miter lim="800000"/>
         </a:ln>
-        <a:ln w="19050" cap="flat" cmpd="sng" algn="ctr">
+        <a:ln w="17145" cap="flat" cmpd="sng" algn="ctr">
           <a:solidFill>
-            <a:schemeClr val="phClr"/>
+            <a:schemeClr val="phClr">
+              <a:shade val="95000"/>
+              <a:alpha val="95000"/>
+              <a:satMod val="150000"/>
+            </a:schemeClr>
           </a:solidFill>
           <a:prstDash val="solid"/>
-          <a:miter lim="800000"/>
         </a:ln>
       </a:lnStyleLst>
       <a:effectStyleLst>
@@ -3446,16 +7997,52 @@
           <a:effectLst/>
         </a:effectStyle>
         <a:effectStyle>
-          <a:effectLst/>
+          <a:effectLst>
+            <a:outerShdw blurRad="50800" dist="15240" dir="5400000" algn="tl" rotWithShape="0">
+              <a:srgbClr val="000000">
+                <a:alpha val="75000"/>
+              </a:srgbClr>
+            </a:outerShdw>
+          </a:effectLst>
+          <a:scene3d>
+            <a:camera prst="orthographicFront">
+              <a:rot lat="0" lon="0" rev="0"/>
+            </a:camera>
+            <a:lightRig rig="brightRoom" dir="tl"/>
+          </a:scene3d>
+          <a:sp3d contourW="9525" prstMaterial="flat">
+            <a:bevelT w="0" h="0" prst="coolSlant"/>
+            <a:contourClr>
+              <a:schemeClr val="phClr">
+                <a:shade val="35000"/>
+                <a:satMod val="130000"/>
+              </a:schemeClr>
+            </a:contourClr>
+          </a:sp3d>
         </a:effectStyle>
         <a:effectStyle>
           <a:effectLst>
-            <a:outerShdw blurRad="57150" dist="19050" dir="5400000" algn="ctr" rotWithShape="0">
+            <a:outerShdw blurRad="76200" dist="25400" dir="5400000" algn="tl" rotWithShape="0">
               <a:srgbClr val="000000">
-                <a:alpha val="63000"/>
+                <a:alpha val="55000"/>
               </a:srgbClr>
             </a:outerShdw>
           </a:effectLst>
+          <a:scene3d>
+            <a:camera prst="orthographicFront">
+              <a:rot lat="0" lon="0" rev="0"/>
+            </a:camera>
+            <a:lightRig rig="brightRoom" dir="tl"/>
+          </a:scene3d>
+          <a:sp3d contourW="19050" prstMaterial="flat">
+            <a:bevelT w="0" h="0" prst="coolSlant"/>
+            <a:contourClr>
+              <a:schemeClr val="phClr">
+                <a:shade val="25000"/>
+                <a:satMod val="140000"/>
+              </a:schemeClr>
+            </a:contourClr>
+          </a:sp3d>
         </a:effectStyle>
       </a:effectStyleLst>
       <a:bgFillStyleLst>
@@ -3472,28 +8059,23 @@
           <a:gsLst>
             <a:gs pos="0">
               <a:schemeClr val="phClr">
-                <a:tint val="93000"/>
-                <a:satMod val="150000"/>
+                <a:tint val="94000"/>
                 <a:shade val="98000"/>
+                <a:satMod val="130000"/>
                 <a:lumMod val="102000"/>
-              </a:schemeClr>
-            </a:gs>
-            <a:gs pos="50000">
-              <a:schemeClr val="phClr">
-                <a:tint val="98000"/>
-                <a:satMod val="130000"/>
-                <a:shade val="90000"/>
-                <a:lumMod val="103000"/>
               </a:schemeClr>
             </a:gs>
             <a:gs pos="100000">
               <a:schemeClr val="phClr">
-                <a:shade val="63000"/>
-                <a:satMod val="120000"/>
+                <a:tint val="98000"/>
+                <a:shade val="78000"/>
+                <a:satMod val="140000"/>
               </a:schemeClr>
             </a:gs>
           </a:gsLst>
-          <a:lin ang="5400000" scaled="0"/>
+          <a:path path="circle">
+            <a:fillToRect l="100000" t="100000" r="100000" b="100000"/>
+          </a:path>
         </a:gradFill>
       </a:bgFillStyleLst>
     </a:fmtScheme>
@@ -3502,7 +8084,7 @@
   <a:extraClrSchemeLst/>
   <a:extLst>
     <a:ext uri="{05A4C25C-085E-4340-85A3-A5531E510DB2}">
-      <thm15:themeFamily xmlns:thm15="http://schemas.microsoft.com/office/thememl/2012/main" name="Office Theme" id="{62F939B6-93AF-4DB8-9C6B-D6C7DFDC589F}" vid="{4F46216B-77A9-411A-B9D3-5023FCB70208}"/>
+      <thm15:themeFamily xmlns:thm15="http://schemas.microsoft.com/office/thememl/2012/main" name="View" id="{BA0EB5A6-F2D4-4F82-977B-64ADEE4A2A69}" vid="{3969A8A2-35DB-4E3B-8885-16FD20568674}"/>
     </a:ext>
   </a:extLst>
 </a:theme>
